--- a/OctopusDeployFundamentals/Module3-DeploymentProjects/Slides/Module3Class2-DeploymentProcess.pptx
+++ b/OctopusDeployFundamentals/Module3-DeploymentProjects/Slides/Module3Class2-DeploymentProcess.pptx
@@ -5,17 +5,13 @@
     <p:sldMasterId id="2147483659" r:id="rId1"/>
   </p:sldMasterIdLst>
   <p:notesMasterIdLst>
-    <p:notesMasterId r:id="rId10"/>
+    <p:notesMasterId r:id="rId6"/>
   </p:notesMasterIdLst>
   <p:sldIdLst>
     <p:sldId id="268" r:id="rId2"/>
-    <p:sldId id="283" r:id="rId3"/>
-    <p:sldId id="282" r:id="rId4"/>
-    <p:sldId id="281" r:id="rId5"/>
-    <p:sldId id="280" r:id="rId6"/>
-    <p:sldId id="279" r:id="rId7"/>
-    <p:sldId id="284" r:id="rId8"/>
-    <p:sldId id="266" r:id="rId9"/>
+    <p:sldId id="286" r:id="rId3"/>
+    <p:sldId id="285" r:id="rId4"/>
+    <p:sldId id="266" r:id="rId5"/>
   </p:sldIdLst>
   <p:sldSz cx="9144000" cy="5143500" type="screen16x9"/>
   <p:notesSz cx="6858000" cy="9144000"/>
@@ -254,17 +250,16 @@
         <p14:section name="INTRO" id="{0270C77D-8110-4626-BEF8-4199083D6286}">
           <p14:sldIdLst>
             <p14:sldId id="268"/>
-            <p14:sldId id="283"/>
-            <p14:sldId id="282"/>
-            <p14:sldId id="281"/>
-            <p14:sldId id="280"/>
-            <p14:sldId id="279"/>
+            <p14:sldId id="286"/>
+          </p14:sldIdLst>
+        </p14:section>
+        <p14:section name="DEMO" id="{E66442F8-715A-417C-AD94-9A379DEAF5DD}">
+          <p14:sldIdLst>
+            <p14:sldId id="285"/>
           </p14:sldIdLst>
         </p14:section>
         <p14:section name="Demo" id="{A5021685-75C9-42CA-82E8-86C709525159}">
-          <p14:sldIdLst>
-            <p14:sldId id="284"/>
-          </p14:sldIdLst>
+          <p14:sldIdLst/>
         </p14:section>
         <p14:section name="SUMMARY" id="{40AB4977-2215-43DB-A49C-091EE9B7BBC7}">
           <p14:sldIdLst>
@@ -792,7 +787,7 @@
                 <a:effectLst/>
                 <a:latin typeface="Consolas" panose="020B0609020204030204" pitchFamily="49" charset="0"/>
               </a:rPr>
-              <a:t>Welcome to module 3, class 1 of this Octopus Deploy Fundamentals training course.</a:t>
+              <a:t>Welcome to module 3, class 2 of this Octopus Deploy Fundamentals training course.</a:t>
             </a:r>
           </a:p>
           <a:p>
@@ -816,7 +811,7 @@
                 <a:effectLst/>
                 <a:latin typeface="Consolas" panose="020B0609020204030204" pitchFamily="49" charset="0"/>
               </a:rPr>
-              <a:t>In this module we'll explain how to deploy the Package we uploaded in module 2, to the Infrastructure we configured in module 1.</a:t>
+              <a:t>This class explains how a deployment process is defined in Octopus Deploy.</a:t>
             </a:r>
           </a:p>
           <a:p>
@@ -832,21 +827,6 @@
                 <a:latin typeface="Consolas" panose="020B0609020204030204" pitchFamily="49" charset="0"/>
               </a:rPr>
             </a:br>
-            <a:r>
-              <a:rPr lang="en-GB" b="0" dirty="0">
-                <a:solidFill>
-                  <a:srgbClr val="D4D4D4"/>
-                </a:solidFill>
-                <a:effectLst/>
-                <a:latin typeface="Consolas" panose="020B0609020204030204" pitchFamily="49" charset="0"/>
-              </a:rPr>
-              <a:t>In class 1, we'll introduce the concepts of Projects and Project Groups.</a:t>
-            </a:r>
-          </a:p>
-          <a:p>
-            <a:pPr marL="158750" indent="0">
-              <a:buNone/>
-            </a:pPr>
             <a:endParaRPr lang="en-GB" b="0" dirty="0">
               <a:solidFill>
                 <a:srgbClr val="D4D4D4"/>
@@ -854,37 +834,6 @@
               <a:effectLst/>
               <a:latin typeface="Consolas" panose="020B0609020204030204" pitchFamily="49" charset="0"/>
             </a:endParaRPr>
-          </a:p>
-          <a:p>
-            <a:pPr marL="158750" marR="0" lvl="0" indent="0" algn="l" defTabSz="914400" rtl="0" eaLnBrk="1" fontAlgn="auto" latinLnBrk="0" hangingPunct="1">
-              <a:lnSpc>
-                <a:spcPct val="100000"/>
-              </a:lnSpc>
-              <a:spcBef>
-                <a:spcPts val="0"/>
-              </a:spcBef>
-              <a:spcAft>
-                <a:spcPts val="0"/>
-              </a:spcAft>
-              <a:buClr>
-                <a:srgbClr val="000000"/>
-              </a:buClr>
-              <a:buSzPts val="1100"/>
-              <a:buFont typeface="Arial"/>
-              <a:buNone/>
-              <a:tabLst/>
-              <a:defRPr/>
-            </a:pPr>
-            <a:r>
-              <a:rPr lang="en-GB" b="0" dirty="0">
-                <a:solidFill>
-                  <a:srgbClr val="D4D4D4"/>
-                </a:solidFill>
-                <a:effectLst/>
-                <a:latin typeface="Consolas" panose="020B0609020204030204" pitchFamily="49" charset="0"/>
-              </a:rPr>
-              <a:t>Projects are where you define the process for deploying your software. They are also used for managing runbooks for general operations tasks associated with that software. However, in this module we'll be focussing on deployment, rather than operations tasks.</a:t>
-            </a:r>
           </a:p>
           <a:p>
             <a:pPr marL="158750" indent="0">
@@ -920,106 +869,6 @@
 </file>
 
 <file path=ppt/notesSlides/notesSlide2.xml><?xml version="1.0" encoding="utf-8"?>
-<p:notes xmlns:a="http://schemas.openxmlformats.org/drawingml/2006/main" xmlns:r="http://schemas.openxmlformats.org/officeDocument/2006/relationships" xmlns:p="http://schemas.openxmlformats.org/presentationml/2006/main">
-  <p:cSld>
-    <p:spTree>
-      <p:nvGrpSpPr>
-        <p:cNvPr id="1" name=""/>
-        <p:cNvGrpSpPr/>
-        <p:nvPr/>
-      </p:nvGrpSpPr>
-      <p:grpSpPr>
-        <a:xfrm>
-          <a:off x="0" y="0"/>
-          <a:ext cx="0" cy="0"/>
-          <a:chOff x="0" y="0"/>
-          <a:chExt cx="0" cy="0"/>
-        </a:xfrm>
-      </p:grpSpPr>
-      <p:sp>
-        <p:nvSpPr>
-          <p:cNvPr id="2" name="Slide Image Placeholder 1"/>
-          <p:cNvSpPr>
-            <a:spLocks noGrp="1" noRot="1" noChangeAspect="1"/>
-          </p:cNvSpPr>
-          <p:nvPr>
-            <p:ph type="sldImg"/>
-          </p:nvPr>
-        </p:nvSpPr>
-        <p:spPr>
-          <a:xfrm>
-            <a:off x="381000" y="685800"/>
-            <a:ext cx="6096000" cy="3429000"/>
-          </a:xfrm>
-        </p:spPr>
-      </p:sp>
-      <p:sp>
-        <p:nvSpPr>
-          <p:cNvPr id="3" name="Notes Placeholder 2"/>
-          <p:cNvSpPr>
-            <a:spLocks noGrp="1"/>
-          </p:cNvSpPr>
-          <p:nvPr>
-            <p:ph type="body" idx="1"/>
-          </p:nvPr>
-        </p:nvSpPr>
-        <p:spPr/>
-        <p:txBody>
-          <a:bodyPr/>
-          <a:lstStyle/>
-          <a:p>
-            <a:pPr marL="158750" marR="0" lvl="0" indent="0" algn="l" defTabSz="914400" rtl="0" eaLnBrk="1" fontAlgn="auto" latinLnBrk="0" hangingPunct="1">
-              <a:lnSpc>
-                <a:spcPct val="100000"/>
-              </a:lnSpc>
-              <a:spcBef>
-                <a:spcPts val="0"/>
-              </a:spcBef>
-              <a:spcAft>
-                <a:spcPts val="0"/>
-              </a:spcAft>
-              <a:buClr>
-                <a:srgbClr val="000000"/>
-              </a:buClr>
-              <a:buSzPts val="1100"/>
-              <a:buFont typeface="Arial"/>
-              <a:buNone/>
-              <a:tabLst/>
-              <a:defRPr/>
-            </a:pPr>
-            <a:r>
-              <a:rPr lang="en-GB" b="0" dirty="0">
-                <a:solidFill>
-                  <a:srgbClr val="D4D4D4"/>
-                </a:solidFill>
-                <a:effectLst/>
-                <a:latin typeface="Consolas" panose="020B0609020204030204" pitchFamily="49" charset="0"/>
-              </a:rPr>
-              <a:t>Projects work best when they are small and focussed. </a:t>
-            </a:r>
-          </a:p>
-          <a:p>
-            <a:pPr marL="158750" indent="0">
-              <a:buNone/>
-            </a:pPr>
-            <a:endParaRPr lang="en-GB" dirty="0"/>
-          </a:p>
-        </p:txBody>
-      </p:sp>
-    </p:spTree>
-    <p:extLst>
-      <p:ext uri="{BB962C8B-B14F-4D97-AF65-F5344CB8AC3E}">
-        <p14:creationId xmlns:p14="http://schemas.microsoft.com/office/powerpoint/2010/main" val="1634816111"/>
-      </p:ext>
-    </p:extLst>
-  </p:cSld>
-  <p:clrMapOvr>
-    <a:masterClrMapping/>
-  </p:clrMapOvr>
-</p:notes>
-</file>
-
-<file path=ppt/notesSlides/notesSlide3.xml><?xml version="1.0" encoding="utf-8"?>
 <p:notes xmlns:a="http://schemas.openxmlformats.org/drawingml/2006/main" xmlns:r="http://schemas.openxmlformats.org/officeDocument/2006/relationships" xmlns:p="http://schemas.openxmlformats.org/presentationml/2006/main" showMasterSp="0" showMasterPhAnim="0">
   <p:cSld>
     <p:spTree>
@@ -1102,7 +951,101 @@
           </a:bodyPr>
           <a:lstStyle/>
           <a:p>
-            <a:pPr marL="0" marR="0" lvl="0" indent="0" algn="l" defTabSz="914400" rtl="0" eaLnBrk="1" fontAlgn="auto" latinLnBrk="0" hangingPunct="1">
+            <a:pPr marL="158750" indent="0">
+              <a:buNone/>
+            </a:pPr>
+            <a:r>
+              <a:rPr lang="en-GB" b="0" dirty="0">
+                <a:solidFill>
+                  <a:srgbClr val="D4D4D4"/>
+                </a:solidFill>
+                <a:effectLst/>
+                <a:latin typeface="Consolas" panose="020B0609020204030204" pitchFamily="49" charset="0"/>
+              </a:rPr>
+              <a:t>We'll cover,</a:t>
+            </a:r>
+          </a:p>
+          <a:p>
+            <a:pPr marL="158750" indent="0">
+              <a:buNone/>
+            </a:pPr>
+            <a:r>
+              <a:rPr lang="en-GB" b="0" dirty="0">
+                <a:solidFill>
+                  <a:srgbClr val="6796E6"/>
+                </a:solidFill>
+                <a:effectLst/>
+                <a:latin typeface="Consolas" panose="020B0609020204030204" pitchFamily="49" charset="0"/>
+              </a:rPr>
+              <a:t>-</a:t>
+            </a:r>
+            <a:r>
+              <a:rPr lang="en-GB" b="0" dirty="0">
+                <a:solidFill>
+                  <a:srgbClr val="D4D4D4"/>
+                </a:solidFill>
+                <a:effectLst/>
+                <a:latin typeface="Consolas" panose="020B0609020204030204" pitchFamily="49" charset="0"/>
+              </a:rPr>
+              <a:t> The Octopus philosophy of using a consistent, repeatable processes for deployment to each environment.</a:t>
+            </a:r>
+          </a:p>
+          <a:p>
+            <a:pPr marL="158750" indent="0">
+              <a:buNone/>
+            </a:pPr>
+            <a:r>
+              <a:rPr lang="en-GB" b="0" dirty="0">
+                <a:solidFill>
+                  <a:srgbClr val="6796E6"/>
+                </a:solidFill>
+                <a:effectLst/>
+                <a:latin typeface="Consolas" panose="020B0609020204030204" pitchFamily="49" charset="0"/>
+              </a:rPr>
+              <a:t>-</a:t>
+            </a:r>
+            <a:r>
+              <a:rPr lang="en-GB" b="0" dirty="0">
+                <a:solidFill>
+                  <a:srgbClr val="D4D4D4"/>
+                </a:solidFill>
+                <a:effectLst/>
+                <a:latin typeface="Consolas" panose="020B0609020204030204" pitchFamily="49" charset="0"/>
+              </a:rPr>
+              <a:t> Deployment steps, specifically including the "Run a Script" and "Deploy a Package" steps.</a:t>
+            </a:r>
+          </a:p>
+          <a:p>
+            <a:pPr marL="158750" indent="0">
+              <a:buFontTx/>
+              <a:buNone/>
+            </a:pPr>
+            <a:r>
+              <a:rPr lang="en-GB" b="0" dirty="0">
+                <a:solidFill>
+                  <a:srgbClr val="D4D4D4"/>
+                </a:solidFill>
+                <a:effectLst/>
+                <a:latin typeface="Consolas" panose="020B0609020204030204" pitchFamily="49" charset="0"/>
+              </a:rPr>
+              <a:t>- And the difference between built-in and community step templates.</a:t>
+            </a:r>
+          </a:p>
+          <a:p>
+            <a:pPr marL="457200" indent="-298450">
+              <a:buFontTx/>
+              <a:buChar char="-"/>
+            </a:pPr>
+            <a:endParaRPr lang="en-GB" b="0" dirty="0">
+              <a:solidFill>
+                <a:srgbClr val="D4D4D4"/>
+              </a:solidFill>
+              <a:effectLst/>
+              <a:latin typeface="Consolas" panose="020B0609020204030204" pitchFamily="49" charset="0"/>
+            </a:endParaRPr>
+          </a:p>
+          <a:p>
+            <a:pPr marL="158750" marR="0" lvl="0" indent="0" algn="l" defTabSz="914400" rtl="0" eaLnBrk="1" fontAlgn="auto" latinLnBrk="0" hangingPunct="1">
               <a:lnSpc>
                 <a:spcPct val="100000"/>
               </a:lnSpc>
@@ -1116,7 +1059,7 @@
                 <a:srgbClr val="000000"/>
               </a:buClr>
               <a:buSzPts val="1100"/>
-              <a:buFont typeface="Arial"/>
+              <a:buFontTx/>
               <a:buNone/>
               <a:tabLst/>
               <a:defRPr/>
@@ -1129,27 +1072,1937 @@
                 <a:effectLst/>
                 <a:latin typeface="Consolas" panose="020B0609020204030204" pitchFamily="49" charset="0"/>
               </a:rPr>
-              <a:t>Let's imagine we're looking after the accounting software for our company. It has a web portal, some background service and a database.</a:t>
-            </a:r>
-          </a:p>
-          <a:p>
-            <a:pPr marL="0" lvl="0" indent="0" algn="l" rtl="0">
-              <a:spcBef>
-                <a:spcPts val="0"/>
-              </a:spcBef>
-              <a:spcAft>
-                <a:spcPts val="0"/>
-              </a:spcAft>
-              <a:buNone/>
-            </a:pPr>
-            <a:endParaRPr dirty="0"/>
+              <a:t>Let's look at an existing deployment process.</a:t>
+            </a:r>
+          </a:p>
+          <a:p>
+            <a:pPr marL="457200" indent="-298450">
+              <a:buFontTx/>
+              <a:buChar char="-"/>
+            </a:pPr>
+            <a:endParaRPr lang="en-GB" b="0" dirty="0">
+              <a:solidFill>
+                <a:srgbClr val="D4D4D4"/>
+              </a:solidFill>
+              <a:effectLst/>
+              <a:latin typeface="Consolas" panose="020B0609020204030204" pitchFamily="49" charset="0"/>
+            </a:endParaRPr>
+          </a:p>
+          <a:p>
+            <a:pPr marL="158750" indent="0">
+              <a:buNone/>
+            </a:pPr>
+            <a:endParaRPr lang="en-GB" b="0" dirty="0">
+              <a:solidFill>
+                <a:srgbClr val="D4D4D4"/>
+              </a:solidFill>
+              <a:effectLst/>
+              <a:latin typeface="Consolas" panose="020B0609020204030204" pitchFamily="49" charset="0"/>
+            </a:endParaRPr>
           </a:p>
         </p:txBody>
       </p:sp>
     </p:spTree>
     <p:extLst>
       <p:ext uri="{BB962C8B-B14F-4D97-AF65-F5344CB8AC3E}">
-        <p14:creationId xmlns:p14="http://schemas.microsoft.com/office/powerpoint/2010/main" val="2380903559"/>
+        <p14:creationId xmlns:p14="http://schemas.microsoft.com/office/powerpoint/2010/main" val="2132212611"/>
+      </p:ext>
+    </p:extLst>
+  </p:cSld>
+  <p:clrMapOvr>
+    <a:masterClrMapping/>
+  </p:clrMapOvr>
+</p:notes>
+</file>
+
+<file path=ppt/notesSlides/notesSlide3.xml><?xml version="1.0" encoding="utf-8"?>
+<p:notes xmlns:a="http://schemas.openxmlformats.org/drawingml/2006/main" xmlns:r="http://schemas.openxmlformats.org/officeDocument/2006/relationships" xmlns:p="http://schemas.openxmlformats.org/presentationml/2006/main">
+  <p:cSld>
+    <p:spTree>
+      <p:nvGrpSpPr>
+        <p:cNvPr id="1" name=""/>
+        <p:cNvGrpSpPr/>
+        <p:nvPr/>
+      </p:nvGrpSpPr>
+      <p:grpSpPr>
+        <a:xfrm>
+          <a:off x="0" y="0"/>
+          <a:ext cx="0" cy="0"/>
+          <a:chOff x="0" y="0"/>
+          <a:chExt cx="0" cy="0"/>
+        </a:xfrm>
+      </p:grpSpPr>
+      <p:sp>
+        <p:nvSpPr>
+          <p:cNvPr id="2" name="Slide Image Placeholder 1"/>
+          <p:cNvSpPr>
+            <a:spLocks noGrp="1" noRot="1" noChangeAspect="1"/>
+          </p:cNvSpPr>
+          <p:nvPr>
+            <p:ph type="sldImg"/>
+          </p:nvPr>
+        </p:nvSpPr>
+        <p:spPr>
+          <a:xfrm>
+            <a:off x="381000" y="685800"/>
+            <a:ext cx="6096000" cy="3429000"/>
+          </a:xfrm>
+        </p:spPr>
+      </p:sp>
+      <p:sp>
+        <p:nvSpPr>
+          <p:cNvPr id="3" name="Notes Placeholder 2"/>
+          <p:cNvSpPr>
+            <a:spLocks noGrp="1"/>
+          </p:cNvSpPr>
+          <p:nvPr>
+            <p:ph type="body" idx="1"/>
+          </p:nvPr>
+        </p:nvSpPr>
+        <p:spPr/>
+        <p:txBody>
+          <a:bodyPr/>
+          <a:lstStyle/>
+          <a:p>
+            <a:pPr marL="158750" indent="0">
+              <a:buNone/>
+            </a:pPr>
+            <a:br>
+              <a:rPr lang="en-GB" b="0" dirty="0">
+                <a:solidFill>
+                  <a:srgbClr val="D4D4D4"/>
+                </a:solidFill>
+                <a:effectLst/>
+                <a:latin typeface="Consolas" panose="020B0609020204030204" pitchFamily="49" charset="0"/>
+              </a:rPr>
+            </a:br>
+            <a:r>
+              <a:rPr lang="en-GB" b="0" dirty="0">
+                <a:solidFill>
+                  <a:srgbClr val="D4D4D4"/>
+                </a:solidFill>
+                <a:effectLst/>
+                <a:latin typeface="Consolas" panose="020B0609020204030204" pitchFamily="49" charset="0"/>
+              </a:rPr>
+              <a:t>[</a:t>
+            </a:r>
+            <a:r>
+              <a:rPr lang="en-GB" b="0" dirty="0">
+                <a:solidFill>
+                  <a:srgbClr val="CE9178"/>
+                </a:solidFill>
+                <a:effectLst/>
+                <a:latin typeface="Consolas" panose="020B0609020204030204" pitchFamily="49" charset="0"/>
+              </a:rPr>
+              <a:t>DEMO</a:t>
+            </a:r>
+            <a:r>
+              <a:rPr lang="en-GB" b="0" dirty="0">
+                <a:solidFill>
+                  <a:srgbClr val="D4D4D4"/>
+                </a:solidFill>
+                <a:effectLst/>
+                <a:latin typeface="Consolas" panose="020B0609020204030204" pitchFamily="49" charset="0"/>
+              </a:rPr>
+              <a:t>]</a:t>
+            </a:r>
+          </a:p>
+          <a:p>
+            <a:pPr marL="158750" indent="0">
+              <a:buNone/>
+            </a:pPr>
+            <a:br>
+              <a:rPr lang="en-GB" b="0" dirty="0">
+                <a:solidFill>
+                  <a:srgbClr val="D4D4D4"/>
+                </a:solidFill>
+                <a:effectLst/>
+                <a:latin typeface="Consolas" panose="020B0609020204030204" pitchFamily="49" charset="0"/>
+              </a:rPr>
+            </a:br>
+            <a:r>
+              <a:rPr lang="en-GB" b="0" dirty="0">
+                <a:solidFill>
+                  <a:srgbClr val="D4D4D4"/>
+                </a:solidFill>
+                <a:effectLst/>
+                <a:latin typeface="Consolas" panose="020B0609020204030204" pitchFamily="49" charset="0"/>
+              </a:rPr>
+              <a:t>This is Octopus Samples, a public Octopus instance, with various demo projects to explore. You can access it at [</a:t>
+            </a:r>
+            <a:r>
+              <a:rPr lang="en-GB" b="0" dirty="0">
+                <a:solidFill>
+                  <a:srgbClr val="CE9178"/>
+                </a:solidFill>
+                <a:effectLst/>
+                <a:latin typeface="Consolas" panose="020B0609020204030204" pitchFamily="49" charset="0"/>
+              </a:rPr>
+              <a:t>samples dot octopus dot app</a:t>
+            </a:r>
+            <a:r>
+              <a:rPr lang="en-GB" b="0" dirty="0">
+                <a:solidFill>
+                  <a:srgbClr val="D4D4D4"/>
+                </a:solidFill>
+                <a:effectLst/>
+                <a:latin typeface="Consolas" panose="020B0609020204030204" pitchFamily="49" charset="0"/>
+              </a:rPr>
+              <a:t>](</a:t>
+            </a:r>
+            <a:r>
+              <a:rPr lang="en-GB" b="0" u="sng" dirty="0" err="1">
+                <a:solidFill>
+                  <a:srgbClr val="D4D4D4"/>
+                </a:solidFill>
+                <a:effectLst/>
+                <a:latin typeface="Consolas" panose="020B0609020204030204" pitchFamily="49" charset="0"/>
+              </a:rPr>
+              <a:t>samples.octopus.app</a:t>
+            </a:r>
+            <a:r>
+              <a:rPr lang="en-GB" b="0" dirty="0">
+                <a:solidFill>
+                  <a:srgbClr val="D4D4D4"/>
+                </a:solidFill>
+                <a:effectLst/>
+                <a:latin typeface="Consolas" panose="020B0609020204030204" pitchFamily="49" charset="0"/>
+              </a:rPr>
+              <a:t>).</a:t>
+            </a:r>
+          </a:p>
+          <a:p>
+            <a:pPr marL="158750" indent="0">
+              <a:buNone/>
+            </a:pPr>
+            <a:br>
+              <a:rPr lang="en-GB" b="0" dirty="0">
+                <a:solidFill>
+                  <a:srgbClr val="D4D4D4"/>
+                </a:solidFill>
+                <a:effectLst/>
+                <a:latin typeface="Consolas" panose="020B0609020204030204" pitchFamily="49" charset="0"/>
+              </a:rPr>
+            </a:br>
+            <a:r>
+              <a:rPr lang="en-GB" b="0" dirty="0">
+                <a:solidFill>
+                  <a:srgbClr val="D4D4D4"/>
+                </a:solidFill>
+                <a:effectLst/>
+                <a:latin typeface="Consolas" panose="020B0609020204030204" pitchFamily="49" charset="0"/>
+              </a:rPr>
+              <a:t>Let's select the "Octo Pet Shop - Raw YAML" Project, from the "Azure" Project Group.</a:t>
+            </a:r>
+          </a:p>
+          <a:p>
+            <a:pPr marL="158750" indent="0">
+              <a:buNone/>
+            </a:pPr>
+            <a:br>
+              <a:rPr lang="en-GB" b="0" dirty="0">
+                <a:solidFill>
+                  <a:srgbClr val="D4D4D4"/>
+                </a:solidFill>
+                <a:effectLst/>
+                <a:latin typeface="Consolas" panose="020B0609020204030204" pitchFamily="49" charset="0"/>
+              </a:rPr>
+            </a:br>
+            <a:r>
+              <a:rPr lang="en-GB" b="0" dirty="0">
+                <a:solidFill>
+                  <a:srgbClr val="D4D4D4"/>
+                </a:solidFill>
+                <a:effectLst/>
+                <a:latin typeface="Consolas" panose="020B0609020204030204" pitchFamily="49" charset="0"/>
+              </a:rPr>
+              <a:t>[SELECT OCTO PET SHOP PROJECT]</a:t>
+            </a:r>
+          </a:p>
+          <a:p>
+            <a:pPr marL="158750" indent="0">
+              <a:buNone/>
+            </a:pPr>
+            <a:br>
+              <a:rPr lang="en-GB" b="0" dirty="0">
+                <a:solidFill>
+                  <a:srgbClr val="D4D4D4"/>
+                </a:solidFill>
+                <a:effectLst/>
+                <a:latin typeface="Consolas" panose="020B0609020204030204" pitchFamily="49" charset="0"/>
+              </a:rPr>
+            </a:br>
+            <a:r>
+              <a:rPr lang="en-GB" b="0" dirty="0">
+                <a:solidFill>
+                  <a:srgbClr val="D4D4D4"/>
+                </a:solidFill>
+                <a:effectLst/>
+                <a:latin typeface="Consolas" panose="020B0609020204030204" pitchFamily="49" charset="0"/>
+              </a:rPr>
+              <a:t>This brings us to the Overview page of the Octo Pet Shop project. On this page we see information about which versions of the software have been deployed to each Environment.</a:t>
+            </a:r>
+          </a:p>
+          <a:p>
+            <a:pPr marL="158750" indent="0">
+              <a:buNone/>
+            </a:pPr>
+            <a:br>
+              <a:rPr lang="en-GB" b="0" dirty="0">
+                <a:solidFill>
+                  <a:srgbClr val="D4D4D4"/>
+                </a:solidFill>
+                <a:effectLst/>
+                <a:latin typeface="Consolas" panose="020B0609020204030204" pitchFamily="49" charset="0"/>
+              </a:rPr>
+            </a:br>
+            <a:r>
+              <a:rPr lang="en-GB" b="0" dirty="0">
+                <a:solidFill>
+                  <a:srgbClr val="D4D4D4"/>
+                </a:solidFill>
+                <a:effectLst/>
+                <a:latin typeface="Consolas" panose="020B0609020204030204" pitchFamily="49" charset="0"/>
+              </a:rPr>
+              <a:t>We can see the Project Deployment Process by clicking Process. </a:t>
+            </a:r>
+          </a:p>
+          <a:p>
+            <a:pPr marL="158750" indent="0">
+              <a:buNone/>
+            </a:pPr>
+            <a:br>
+              <a:rPr lang="en-GB" b="0" dirty="0">
+                <a:solidFill>
+                  <a:srgbClr val="D4D4D4"/>
+                </a:solidFill>
+                <a:effectLst/>
+                <a:latin typeface="Consolas" panose="020B0609020204030204" pitchFamily="49" charset="0"/>
+              </a:rPr>
+            </a:br>
+            <a:r>
+              <a:rPr lang="en-GB" b="0" dirty="0">
+                <a:solidFill>
+                  <a:srgbClr val="D4D4D4"/>
+                </a:solidFill>
+                <a:effectLst/>
+                <a:latin typeface="Consolas" panose="020B0609020204030204" pitchFamily="49" charset="0"/>
+              </a:rPr>
+              <a:t>[CLICK PROCESS]</a:t>
+            </a:r>
+          </a:p>
+          <a:p>
+            <a:pPr marL="158750" indent="0">
+              <a:buNone/>
+            </a:pPr>
+            <a:br>
+              <a:rPr lang="en-GB" b="0" dirty="0">
+                <a:solidFill>
+                  <a:srgbClr val="D4D4D4"/>
+                </a:solidFill>
+                <a:effectLst/>
+                <a:latin typeface="Consolas" panose="020B0609020204030204" pitchFamily="49" charset="0"/>
+              </a:rPr>
+            </a:br>
+            <a:r>
+              <a:rPr lang="en-GB" b="0" dirty="0">
+                <a:solidFill>
+                  <a:srgbClr val="D4D4D4"/>
+                </a:solidFill>
+                <a:effectLst/>
+                <a:latin typeface="Consolas" panose="020B0609020204030204" pitchFamily="49" charset="0"/>
+              </a:rPr>
+              <a:t>A deployment process can be as complicated, or as simple as you like. For example, here we can see Notification steps, Manual Intervention steps and steps that execute the code deployment - in this case deploying a bunch of Kubernetes YAML.</a:t>
+            </a:r>
+          </a:p>
+          <a:p>
+            <a:pPr marL="158750" indent="0">
+              <a:buNone/>
+            </a:pPr>
+            <a:br>
+              <a:rPr lang="en-GB" b="0" dirty="0">
+                <a:solidFill>
+                  <a:srgbClr val="D4D4D4"/>
+                </a:solidFill>
+                <a:effectLst/>
+                <a:latin typeface="Consolas" panose="020B0609020204030204" pitchFamily="49" charset="0"/>
+              </a:rPr>
+            </a:br>
+            <a:r>
+              <a:rPr lang="en-GB" b="0" dirty="0">
+                <a:solidFill>
+                  <a:srgbClr val="D4D4D4"/>
+                </a:solidFill>
+                <a:effectLst/>
+                <a:latin typeface="Consolas" panose="020B0609020204030204" pitchFamily="49" charset="0"/>
+              </a:rPr>
+              <a:t>Note that we use the same steps when deploying to each environment. Those Kubernetes YAML steps will be executed exactly the same way in Development as in Production. This is consistent with the "Build Once, Deploy Many Times" mantra, building reliability and consistency into the Deployment Process. Imagine, for example, the administrative toil of duplicating the configuration for each environment. A subtle, missed inconsistency could easily cause unexpected problems in Production.</a:t>
+            </a:r>
+          </a:p>
+          <a:p>
+            <a:pPr marL="158750" indent="0">
+              <a:buNone/>
+            </a:pPr>
+            <a:br>
+              <a:rPr lang="en-GB" b="0" dirty="0">
+                <a:solidFill>
+                  <a:srgbClr val="D4D4D4"/>
+                </a:solidFill>
+                <a:effectLst/>
+                <a:latin typeface="Consolas" panose="020B0609020204030204" pitchFamily="49" charset="0"/>
+              </a:rPr>
+            </a:br>
+            <a:r>
+              <a:rPr lang="en-GB" b="0" dirty="0">
+                <a:solidFill>
+                  <a:srgbClr val="D4D4D4"/>
+                </a:solidFill>
+                <a:effectLst/>
+                <a:latin typeface="Consolas" panose="020B0609020204030204" pitchFamily="49" charset="0"/>
+              </a:rPr>
+              <a:t>However, while the same steps generally get deployed consistently to all environments, there is some flexibility. Let's imagine we're continuously deploying every source control update to Development, but we're deploying significantly less frequently to Production. In this case, we don't want to drown our team with notifications about every deployment to the Development environment. Equally, it wouldn't make sense to ask the business owners or DBAs to manually approve dozens, or even hundreds, of deploys each day. </a:t>
+            </a:r>
+          </a:p>
+          <a:p>
+            <a:pPr marL="158750" indent="0">
+              <a:buNone/>
+            </a:pPr>
+            <a:br>
+              <a:rPr lang="en-GB" b="0" dirty="0">
+                <a:solidFill>
+                  <a:srgbClr val="D4D4D4"/>
+                </a:solidFill>
+                <a:effectLst/>
+                <a:latin typeface="Consolas" panose="020B0609020204030204" pitchFamily="49" charset="0"/>
+              </a:rPr>
+            </a:br>
+            <a:r>
+              <a:rPr lang="en-GB" b="0" dirty="0">
+                <a:solidFill>
+                  <a:srgbClr val="D4D4D4"/>
+                </a:solidFill>
+                <a:effectLst/>
+                <a:latin typeface="Consolas" panose="020B0609020204030204" pitchFamily="49" charset="0"/>
+              </a:rPr>
+              <a:t>[Highlight SCOPE]</a:t>
+            </a:r>
+          </a:p>
+          <a:p>
+            <a:pPr marL="158750" indent="0">
+              <a:buNone/>
+            </a:pPr>
+            <a:br>
+              <a:rPr lang="en-GB" b="0" dirty="0">
+                <a:solidFill>
+                  <a:srgbClr val="D4D4D4"/>
+                </a:solidFill>
+                <a:effectLst/>
+                <a:latin typeface="Consolas" panose="020B0609020204030204" pitchFamily="49" charset="0"/>
+              </a:rPr>
+            </a:br>
+            <a:r>
+              <a:rPr lang="en-GB" b="0" dirty="0">
+                <a:solidFill>
+                  <a:srgbClr val="D4D4D4"/>
+                </a:solidFill>
+                <a:effectLst/>
+                <a:latin typeface="Consolas" panose="020B0609020204030204" pitchFamily="49" charset="0"/>
+              </a:rPr>
+              <a:t>With this in mind, the notification and approval steps have been scoped to only run for Production deployments.</a:t>
+            </a:r>
+          </a:p>
+          <a:p>
+            <a:pPr marL="158750" indent="0">
+              <a:buNone/>
+            </a:pPr>
+            <a:br>
+              <a:rPr lang="en-GB" b="0" dirty="0">
+                <a:solidFill>
+                  <a:srgbClr val="D4D4D4"/>
+                </a:solidFill>
+                <a:effectLst/>
+                <a:latin typeface="Consolas" panose="020B0609020204030204" pitchFamily="49" charset="0"/>
+              </a:rPr>
+            </a:br>
+            <a:r>
+              <a:rPr lang="en-GB" b="0" dirty="0">
+                <a:solidFill>
+                  <a:srgbClr val="D4D4D4"/>
+                </a:solidFill>
+                <a:effectLst/>
+                <a:latin typeface="Consolas" panose="020B0609020204030204" pitchFamily="49" charset="0"/>
+              </a:rPr>
+              <a:t>Let's build a deployment process of our own.</a:t>
+            </a:r>
+          </a:p>
+          <a:p>
+            <a:pPr marL="158750" indent="0">
+              <a:buNone/>
+            </a:pPr>
+            <a:br>
+              <a:rPr lang="en-GB" b="0" dirty="0">
+                <a:solidFill>
+                  <a:srgbClr val="D4D4D4"/>
+                </a:solidFill>
+                <a:effectLst/>
+                <a:latin typeface="Consolas" panose="020B0609020204030204" pitchFamily="49" charset="0"/>
+              </a:rPr>
+            </a:br>
+            <a:r>
+              <a:rPr lang="en-GB" b="0" dirty="0">
+                <a:solidFill>
+                  <a:srgbClr val="D4D4D4"/>
+                </a:solidFill>
+                <a:effectLst/>
+                <a:latin typeface="Consolas" panose="020B0609020204030204" pitchFamily="49" charset="0"/>
+              </a:rPr>
+              <a:t>[Switch to learn.octopus.com]</a:t>
+            </a:r>
+          </a:p>
+          <a:p>
+            <a:pPr marL="158750" indent="0">
+              <a:buNone/>
+            </a:pPr>
+            <a:br>
+              <a:rPr lang="en-GB" b="0" dirty="0">
+                <a:solidFill>
+                  <a:srgbClr val="D4D4D4"/>
+                </a:solidFill>
+                <a:effectLst/>
+                <a:latin typeface="Consolas" panose="020B0609020204030204" pitchFamily="49" charset="0"/>
+              </a:rPr>
+            </a:br>
+            <a:r>
+              <a:rPr lang="en-GB" b="0" dirty="0">
+                <a:solidFill>
+                  <a:srgbClr val="D4D4D4"/>
+                </a:solidFill>
+                <a:effectLst/>
+                <a:latin typeface="Consolas" panose="020B0609020204030204" pitchFamily="49" charset="0"/>
+              </a:rPr>
+              <a:t>Here's the Octopus Deploy Fundamentals Project Group from Class 1, now with two Projects. Let's start by creating a simple Process for the Hello World Project.</a:t>
+            </a:r>
+          </a:p>
+          <a:p>
+            <a:pPr marL="158750" indent="0">
+              <a:buNone/>
+            </a:pPr>
+            <a:br>
+              <a:rPr lang="en-GB" b="0" dirty="0">
+                <a:solidFill>
+                  <a:srgbClr val="D4D4D4"/>
+                </a:solidFill>
+                <a:effectLst/>
+                <a:latin typeface="Consolas" panose="020B0609020204030204" pitchFamily="49" charset="0"/>
+              </a:rPr>
+            </a:br>
+            <a:r>
+              <a:rPr lang="en-GB" b="0" dirty="0">
+                <a:solidFill>
+                  <a:srgbClr val="D4D4D4"/>
+                </a:solidFill>
+                <a:effectLst/>
+                <a:latin typeface="Consolas" panose="020B0609020204030204" pitchFamily="49" charset="0"/>
+              </a:rPr>
+              <a:t>[Click Hello World, then Process]</a:t>
+            </a:r>
+          </a:p>
+          <a:p>
+            <a:pPr marL="158750" indent="0">
+              <a:buNone/>
+            </a:pPr>
+            <a:br>
+              <a:rPr lang="en-GB" b="0" dirty="0">
+                <a:solidFill>
+                  <a:srgbClr val="D4D4D4"/>
+                </a:solidFill>
+                <a:effectLst/>
+                <a:latin typeface="Consolas" panose="020B0609020204030204" pitchFamily="49" charset="0"/>
+              </a:rPr>
+            </a:br>
+            <a:r>
+              <a:rPr lang="en-GB" b="0" dirty="0">
+                <a:solidFill>
+                  <a:srgbClr val="D4D4D4"/>
+                </a:solidFill>
+                <a:effectLst/>
+                <a:latin typeface="Consolas" panose="020B0609020204030204" pitchFamily="49" charset="0"/>
+              </a:rPr>
+              <a:t>We add a step to our Process by clicking ADD STEP.</a:t>
+            </a:r>
+          </a:p>
+          <a:p>
+            <a:pPr marL="158750" indent="0">
+              <a:buNone/>
+            </a:pPr>
+            <a:br>
+              <a:rPr lang="en-GB" b="0" dirty="0">
+                <a:solidFill>
+                  <a:srgbClr val="D4D4D4"/>
+                </a:solidFill>
+                <a:effectLst/>
+                <a:latin typeface="Consolas" panose="020B0609020204030204" pitchFamily="49" charset="0"/>
+              </a:rPr>
+            </a:br>
+            <a:r>
+              <a:rPr lang="en-GB" b="0" dirty="0">
+                <a:solidFill>
+                  <a:srgbClr val="D4D4D4"/>
+                </a:solidFill>
+                <a:effectLst/>
+                <a:latin typeface="Consolas" panose="020B0609020204030204" pitchFamily="49" charset="0"/>
+              </a:rPr>
+              <a:t>[Click ADD STEP]</a:t>
+            </a:r>
+          </a:p>
+          <a:p>
+            <a:pPr marL="158750" indent="0">
+              <a:buNone/>
+            </a:pPr>
+            <a:br>
+              <a:rPr lang="en-GB" b="0" dirty="0">
+                <a:solidFill>
+                  <a:srgbClr val="D4D4D4"/>
+                </a:solidFill>
+                <a:effectLst/>
+                <a:latin typeface="Consolas" panose="020B0609020204030204" pitchFamily="49" charset="0"/>
+              </a:rPr>
+            </a:br>
+            <a:r>
+              <a:rPr lang="en-GB" b="0" dirty="0">
+                <a:solidFill>
+                  <a:srgbClr val="D4D4D4"/>
+                </a:solidFill>
+                <a:effectLst/>
+                <a:latin typeface="Consolas" panose="020B0609020204030204" pitchFamily="49" charset="0"/>
+              </a:rPr>
+              <a:t>We're presented with a selection of predefined Step Templates. The simplest thing we can do is execute a raw script on our deployment target. Whatever you want to do, if you can script it in PowerShell, Bash, C#, or F#, you can deploy it with Octopus Deploy.</a:t>
+            </a:r>
+          </a:p>
+          <a:p>
+            <a:pPr marL="158750" indent="0">
+              <a:buNone/>
+            </a:pPr>
+            <a:br>
+              <a:rPr lang="en-GB" b="0" dirty="0">
+                <a:solidFill>
+                  <a:srgbClr val="D4D4D4"/>
+                </a:solidFill>
+                <a:effectLst/>
+                <a:latin typeface="Consolas" panose="020B0609020204030204" pitchFamily="49" charset="0"/>
+              </a:rPr>
+            </a:br>
+            <a:r>
+              <a:rPr lang="en-GB" b="0" dirty="0">
+                <a:solidFill>
+                  <a:srgbClr val="D4D4D4"/>
+                </a:solidFill>
+                <a:effectLst/>
+                <a:latin typeface="Consolas" panose="020B0609020204030204" pitchFamily="49" charset="0"/>
+              </a:rPr>
+              <a:t>[Select Script]</a:t>
+            </a:r>
+          </a:p>
+          <a:p>
+            <a:pPr marL="158750" indent="0">
+              <a:buNone/>
+            </a:pPr>
+            <a:br>
+              <a:rPr lang="en-GB" b="0" dirty="0">
+                <a:solidFill>
+                  <a:srgbClr val="D4D4D4"/>
+                </a:solidFill>
+                <a:effectLst/>
+                <a:latin typeface="Consolas" panose="020B0609020204030204" pitchFamily="49" charset="0"/>
+              </a:rPr>
+            </a:br>
+            <a:r>
+              <a:rPr lang="en-GB" b="0" dirty="0">
+                <a:solidFill>
+                  <a:srgbClr val="D4D4D4"/>
+                </a:solidFill>
+                <a:effectLst/>
+                <a:latin typeface="Consolas" panose="020B0609020204030204" pitchFamily="49" charset="0"/>
+              </a:rPr>
+              <a:t>Octopus provides various Step Templates for running scripts, depending on where you host your stuff. We'll be deploying the </a:t>
+            </a:r>
+            <a:r>
+              <a:rPr lang="en-GB" b="0" dirty="0" err="1">
+                <a:solidFill>
+                  <a:srgbClr val="D4D4D4"/>
+                </a:solidFill>
+                <a:effectLst/>
+                <a:latin typeface="Consolas" panose="020B0609020204030204" pitchFamily="49" charset="0"/>
+              </a:rPr>
+              <a:t>the</a:t>
+            </a:r>
+            <a:r>
+              <a:rPr lang="en-GB" b="0" dirty="0">
+                <a:solidFill>
+                  <a:srgbClr val="D4D4D4"/>
+                </a:solidFill>
+                <a:effectLst/>
+                <a:latin typeface="Consolas" panose="020B0609020204030204" pitchFamily="49" charset="0"/>
+              </a:rPr>
+              <a:t> Windows Tentacles we configured in Module 1, so we'll select the basic "Run a Script" Template.</a:t>
+            </a:r>
+          </a:p>
+          <a:p>
+            <a:pPr marL="158750" indent="0">
+              <a:buNone/>
+            </a:pPr>
+            <a:br>
+              <a:rPr lang="en-GB" b="0" dirty="0">
+                <a:solidFill>
+                  <a:srgbClr val="D4D4D4"/>
+                </a:solidFill>
+                <a:effectLst/>
+                <a:latin typeface="Consolas" panose="020B0609020204030204" pitchFamily="49" charset="0"/>
+              </a:rPr>
+            </a:br>
+            <a:r>
+              <a:rPr lang="en-GB" b="0" dirty="0">
+                <a:solidFill>
+                  <a:srgbClr val="D4D4D4"/>
+                </a:solidFill>
+                <a:effectLst/>
+                <a:latin typeface="Consolas" panose="020B0609020204030204" pitchFamily="49" charset="0"/>
+              </a:rPr>
+              <a:t>[Click ADD]</a:t>
+            </a:r>
+          </a:p>
+          <a:p>
+            <a:pPr marL="158750" indent="0">
+              <a:buNone/>
+            </a:pPr>
+            <a:br>
+              <a:rPr lang="en-GB" b="0" dirty="0">
+                <a:solidFill>
+                  <a:srgbClr val="D4D4D4"/>
+                </a:solidFill>
+                <a:effectLst/>
+                <a:latin typeface="Consolas" panose="020B0609020204030204" pitchFamily="49" charset="0"/>
+              </a:rPr>
+            </a:br>
+            <a:r>
+              <a:rPr lang="en-GB" b="0" dirty="0">
+                <a:solidFill>
+                  <a:srgbClr val="D4D4D4"/>
+                </a:solidFill>
+                <a:effectLst/>
+                <a:latin typeface="Consolas" panose="020B0609020204030204" pitchFamily="49" charset="0"/>
+              </a:rPr>
+              <a:t>We'll give the script a name and add some notes.</a:t>
+            </a:r>
+          </a:p>
+          <a:p>
+            <a:pPr marL="158750" indent="0">
+              <a:buNone/>
+            </a:pPr>
+            <a:br>
+              <a:rPr lang="en-GB" b="0" dirty="0">
+                <a:solidFill>
+                  <a:srgbClr val="D4D4D4"/>
+                </a:solidFill>
+                <a:effectLst/>
+                <a:latin typeface="Consolas" panose="020B0609020204030204" pitchFamily="49" charset="0"/>
+              </a:rPr>
+            </a:br>
+            <a:r>
+              <a:rPr lang="en-GB" b="0" dirty="0">
+                <a:solidFill>
+                  <a:srgbClr val="D4D4D4"/>
+                </a:solidFill>
+                <a:effectLst/>
+                <a:latin typeface="Consolas" panose="020B0609020204030204" pitchFamily="49" charset="0"/>
+              </a:rPr>
+              <a:t>[Enter details]</a:t>
+            </a:r>
+          </a:p>
+          <a:p>
+            <a:pPr marL="158750" indent="0">
+              <a:buNone/>
+            </a:pPr>
+            <a:br>
+              <a:rPr lang="en-GB" b="0" dirty="0">
+                <a:solidFill>
+                  <a:srgbClr val="D4D4D4"/>
+                </a:solidFill>
+                <a:effectLst/>
+                <a:latin typeface="Consolas" panose="020B0609020204030204" pitchFamily="49" charset="0"/>
+              </a:rPr>
+            </a:br>
+            <a:r>
+              <a:rPr lang="en-GB" b="0" dirty="0">
+                <a:solidFill>
+                  <a:srgbClr val="D4D4D4"/>
+                </a:solidFill>
+                <a:effectLst/>
+                <a:latin typeface="Consolas" panose="020B0609020204030204" pitchFamily="49" charset="0"/>
+              </a:rPr>
+              <a:t>Then we specify where we want to execute this script. Let's run our script on each of the Deployment Targets in each environment that have been assigned the Role </a:t>
+            </a:r>
+            <a:r>
+              <a:rPr lang="en-GB" b="0" dirty="0" err="1">
+                <a:solidFill>
+                  <a:srgbClr val="D4D4D4"/>
+                </a:solidFill>
+                <a:effectLst/>
+                <a:latin typeface="Consolas" panose="020B0609020204030204" pitchFamily="49" charset="0"/>
+              </a:rPr>
+              <a:t>RandomQuotes-WebServer</a:t>
+            </a:r>
+            <a:r>
+              <a:rPr lang="en-GB" b="0" dirty="0">
+                <a:solidFill>
+                  <a:srgbClr val="D4D4D4"/>
+                </a:solidFill>
+                <a:effectLst/>
+                <a:latin typeface="Consolas" panose="020B0609020204030204" pitchFamily="49" charset="0"/>
+              </a:rPr>
+              <a:t>. Note that if I was using a self-hosted Octopus instance, I'd additionally have an option to run the script on the Octopus Server itself, potentially avoiding the need to set up any specific infrastructure for what might be a simple and low-risk script.</a:t>
+            </a:r>
+          </a:p>
+          <a:p>
+            <a:pPr marL="158750" indent="0">
+              <a:buNone/>
+            </a:pPr>
+            <a:br>
+              <a:rPr lang="en-GB" b="0" dirty="0">
+                <a:solidFill>
+                  <a:srgbClr val="D4D4D4"/>
+                </a:solidFill>
+                <a:effectLst/>
+                <a:latin typeface="Consolas" panose="020B0609020204030204" pitchFamily="49" charset="0"/>
+              </a:rPr>
+            </a:br>
+            <a:r>
+              <a:rPr lang="en-GB" b="0" dirty="0">
+                <a:solidFill>
+                  <a:srgbClr val="D4D4D4"/>
+                </a:solidFill>
+                <a:effectLst/>
+                <a:latin typeface="Consolas" panose="020B0609020204030204" pitchFamily="49" charset="0"/>
+              </a:rPr>
+              <a:t>[Enter details]</a:t>
+            </a:r>
+          </a:p>
+          <a:p>
+            <a:pPr marL="158750" indent="0">
+              <a:buNone/>
+            </a:pPr>
+            <a:br>
+              <a:rPr lang="en-GB" b="0" dirty="0">
+                <a:solidFill>
+                  <a:srgbClr val="D4D4D4"/>
+                </a:solidFill>
+                <a:effectLst/>
+                <a:latin typeface="Consolas" panose="020B0609020204030204" pitchFamily="49" charset="0"/>
+              </a:rPr>
+            </a:br>
+            <a:r>
+              <a:rPr lang="en-GB" b="0" dirty="0">
+                <a:solidFill>
+                  <a:srgbClr val="D4D4D4"/>
+                </a:solidFill>
+                <a:effectLst/>
+                <a:latin typeface="Consolas" panose="020B0609020204030204" pitchFamily="49" charset="0"/>
+              </a:rPr>
+              <a:t>Next, we provide the script that we want to execute. Perhaps our script comes from source control and has been included in a package. Alternatively, we can add the script here.</a:t>
+            </a:r>
+          </a:p>
+          <a:p>
+            <a:pPr marL="158750" indent="0">
+              <a:buNone/>
+            </a:pPr>
+            <a:br>
+              <a:rPr lang="en-GB" b="0" dirty="0">
+                <a:solidFill>
+                  <a:srgbClr val="D4D4D4"/>
+                </a:solidFill>
+                <a:effectLst/>
+                <a:latin typeface="Consolas" panose="020B0609020204030204" pitchFamily="49" charset="0"/>
+              </a:rPr>
+            </a:br>
+            <a:r>
+              <a:rPr lang="en-GB" b="0" dirty="0">
+                <a:solidFill>
+                  <a:srgbClr val="D4D4D4"/>
+                </a:solidFill>
+                <a:effectLst/>
+                <a:latin typeface="Consolas" panose="020B0609020204030204" pitchFamily="49" charset="0"/>
+              </a:rPr>
+              <a:t>[In-line source code: Write-Output "Hello World"]</a:t>
+            </a:r>
+          </a:p>
+          <a:p>
+            <a:pPr marL="158750" indent="0">
+              <a:buNone/>
+            </a:pPr>
+            <a:br>
+              <a:rPr lang="en-GB" b="0" dirty="0">
+                <a:solidFill>
+                  <a:srgbClr val="D4D4D4"/>
+                </a:solidFill>
+                <a:effectLst/>
+                <a:latin typeface="Consolas" panose="020B0609020204030204" pitchFamily="49" charset="0"/>
+              </a:rPr>
+            </a:br>
+            <a:r>
+              <a:rPr lang="en-GB" b="0" dirty="0">
+                <a:solidFill>
+                  <a:srgbClr val="D4D4D4"/>
+                </a:solidFill>
+                <a:effectLst/>
+                <a:latin typeface="Consolas" panose="020B0609020204030204" pitchFamily="49" charset="0"/>
+              </a:rPr>
+              <a:t>Finally, we can configure various Conditions. For example, this is where we specify whether we want the step to run for all Environments, whether the step should run if </a:t>
+            </a:r>
+            <a:r>
+              <a:rPr lang="en-GB" b="0" dirty="0" err="1">
+                <a:solidFill>
+                  <a:srgbClr val="D4D4D4"/>
+                </a:solidFill>
+                <a:effectLst/>
+                <a:latin typeface="Consolas" panose="020B0609020204030204" pitchFamily="49" charset="0"/>
+              </a:rPr>
+              <a:t>preious</a:t>
+            </a:r>
+            <a:r>
+              <a:rPr lang="en-GB" b="0" dirty="0">
+                <a:solidFill>
+                  <a:srgbClr val="D4D4D4"/>
+                </a:solidFill>
+                <a:effectLst/>
+                <a:latin typeface="Consolas" panose="020B0609020204030204" pitchFamily="49" charset="0"/>
+              </a:rPr>
+              <a:t> steps have failed, and whether users should be able to manually skip this step when triggering a deployment. We'll leave the defaults as they are for now and click SAVE.</a:t>
+            </a:r>
+          </a:p>
+          <a:p>
+            <a:pPr marL="158750" indent="0">
+              <a:buNone/>
+            </a:pPr>
+            <a:br>
+              <a:rPr lang="en-GB" b="0" dirty="0">
+                <a:solidFill>
+                  <a:srgbClr val="D4D4D4"/>
+                </a:solidFill>
+                <a:effectLst/>
+                <a:latin typeface="Consolas" panose="020B0609020204030204" pitchFamily="49" charset="0"/>
+              </a:rPr>
+            </a:br>
+            <a:r>
+              <a:rPr lang="en-GB" b="0" dirty="0">
+                <a:solidFill>
+                  <a:srgbClr val="D4D4D4"/>
+                </a:solidFill>
+                <a:effectLst/>
+                <a:latin typeface="Consolas" panose="020B0609020204030204" pitchFamily="49" charset="0"/>
+              </a:rPr>
+              <a:t>[Click SAVE]</a:t>
+            </a:r>
+          </a:p>
+          <a:p>
+            <a:pPr marL="158750" indent="0">
+              <a:buNone/>
+            </a:pPr>
+            <a:br>
+              <a:rPr lang="en-GB" b="0" dirty="0">
+                <a:solidFill>
+                  <a:srgbClr val="D4D4D4"/>
+                </a:solidFill>
+                <a:effectLst/>
+                <a:latin typeface="Consolas" panose="020B0609020204030204" pitchFamily="49" charset="0"/>
+              </a:rPr>
+            </a:br>
+            <a:r>
+              <a:rPr lang="en-GB" b="0" dirty="0">
+                <a:solidFill>
+                  <a:srgbClr val="D4D4D4"/>
+                </a:solidFill>
+                <a:effectLst/>
+                <a:latin typeface="Consolas" panose="020B0609020204030204" pitchFamily="49" charset="0"/>
+              </a:rPr>
+              <a:t>We've successfully created our first Deployment Process! We'll run the deployment in the next class, but first, let's build another, more interesting Process.</a:t>
+            </a:r>
+          </a:p>
+          <a:p>
+            <a:pPr marL="158750" indent="0">
+              <a:buNone/>
+            </a:pPr>
+            <a:br>
+              <a:rPr lang="en-GB" b="0" dirty="0">
+                <a:solidFill>
+                  <a:srgbClr val="D4D4D4"/>
+                </a:solidFill>
+                <a:effectLst/>
+                <a:latin typeface="Consolas" panose="020B0609020204030204" pitchFamily="49" charset="0"/>
+              </a:rPr>
+            </a:br>
+            <a:r>
+              <a:rPr lang="en-GB" b="0" dirty="0">
+                <a:solidFill>
+                  <a:srgbClr val="D4D4D4"/>
+                </a:solidFill>
+                <a:effectLst/>
+                <a:latin typeface="Consolas" panose="020B0609020204030204" pitchFamily="49" charset="0"/>
+              </a:rPr>
+              <a:t>[Open the </a:t>
+            </a:r>
+            <a:r>
+              <a:rPr lang="en-GB" b="0" dirty="0" err="1">
+                <a:solidFill>
+                  <a:srgbClr val="D4D4D4"/>
+                </a:solidFill>
+                <a:effectLst/>
+                <a:latin typeface="Consolas" panose="020B0609020204030204" pitchFamily="49" charset="0"/>
+              </a:rPr>
+              <a:t>RandomQuotes</a:t>
+            </a:r>
+            <a:r>
+              <a:rPr lang="en-GB" b="0" dirty="0">
+                <a:solidFill>
+                  <a:srgbClr val="D4D4D4"/>
+                </a:solidFill>
+                <a:effectLst/>
+                <a:latin typeface="Consolas" panose="020B0609020204030204" pitchFamily="49" charset="0"/>
+              </a:rPr>
+              <a:t> Project]</a:t>
+            </a:r>
+          </a:p>
+          <a:p>
+            <a:pPr marL="158750" indent="0">
+              <a:buNone/>
+            </a:pPr>
+            <a:br>
+              <a:rPr lang="en-GB" b="0" dirty="0">
+                <a:solidFill>
+                  <a:srgbClr val="D4D4D4"/>
+                </a:solidFill>
+                <a:effectLst/>
+                <a:latin typeface="Consolas" panose="020B0609020204030204" pitchFamily="49" charset="0"/>
+              </a:rPr>
+            </a:br>
+            <a:r>
+              <a:rPr lang="en-GB" b="0" dirty="0">
+                <a:solidFill>
+                  <a:srgbClr val="D4D4D4"/>
+                </a:solidFill>
+                <a:effectLst/>
+                <a:latin typeface="Consolas" panose="020B0609020204030204" pitchFamily="49" charset="0"/>
+              </a:rPr>
+              <a:t>We're going to use this Project to deploy the </a:t>
+            </a:r>
+            <a:r>
+              <a:rPr lang="en-GB" b="0" dirty="0" err="1">
+                <a:solidFill>
+                  <a:srgbClr val="D4D4D4"/>
+                </a:solidFill>
+                <a:effectLst/>
+                <a:latin typeface="Consolas" panose="020B0609020204030204" pitchFamily="49" charset="0"/>
+              </a:rPr>
+              <a:t>RandomQuotes</a:t>
+            </a:r>
+            <a:r>
+              <a:rPr lang="en-GB" b="0" dirty="0">
+                <a:solidFill>
+                  <a:srgbClr val="D4D4D4"/>
+                </a:solidFill>
+                <a:effectLst/>
+                <a:latin typeface="Consolas" panose="020B0609020204030204" pitchFamily="49" charset="0"/>
+              </a:rPr>
+              <a:t> package we uploaded in module 2, to our Infrastructure we configured module 1.</a:t>
+            </a:r>
+          </a:p>
+          <a:p>
+            <a:pPr marL="158750" indent="0">
+              <a:buNone/>
+            </a:pPr>
+            <a:br>
+              <a:rPr lang="en-GB" b="0" dirty="0">
+                <a:solidFill>
+                  <a:srgbClr val="D4D4D4"/>
+                </a:solidFill>
+                <a:effectLst/>
+                <a:latin typeface="Consolas" panose="020B0609020204030204" pitchFamily="49" charset="0"/>
+              </a:rPr>
+            </a:br>
+            <a:r>
+              <a:rPr lang="en-GB" b="0" dirty="0">
+                <a:solidFill>
+                  <a:srgbClr val="D4D4D4"/>
+                </a:solidFill>
+                <a:effectLst/>
+                <a:latin typeface="Consolas" panose="020B0609020204030204" pitchFamily="49" charset="0"/>
+              </a:rPr>
+              <a:t>[Click Process / ADD STEP]</a:t>
+            </a:r>
+          </a:p>
+          <a:p>
+            <a:pPr marL="158750" indent="0">
+              <a:buNone/>
+            </a:pPr>
+            <a:br>
+              <a:rPr lang="en-GB" b="0" dirty="0">
+                <a:solidFill>
+                  <a:srgbClr val="D4D4D4"/>
+                </a:solidFill>
+                <a:effectLst/>
+                <a:latin typeface="Consolas" panose="020B0609020204030204" pitchFamily="49" charset="0"/>
+              </a:rPr>
+            </a:br>
+            <a:r>
+              <a:rPr lang="en-GB" b="0" dirty="0">
+                <a:solidFill>
+                  <a:srgbClr val="D4D4D4"/>
+                </a:solidFill>
+                <a:effectLst/>
+                <a:latin typeface="Consolas" panose="020B0609020204030204" pitchFamily="49" charset="0"/>
+              </a:rPr>
+              <a:t>This time we'll look through the "Package" Step Templates and select Deploy to IIS.</a:t>
+            </a:r>
+          </a:p>
+          <a:p>
+            <a:pPr marL="158750" indent="0">
+              <a:buNone/>
+            </a:pPr>
+            <a:br>
+              <a:rPr lang="en-GB" b="0" dirty="0">
+                <a:solidFill>
+                  <a:srgbClr val="D4D4D4"/>
+                </a:solidFill>
+                <a:effectLst/>
+                <a:latin typeface="Consolas" panose="020B0609020204030204" pitchFamily="49" charset="0"/>
+              </a:rPr>
+            </a:br>
+            <a:r>
+              <a:rPr lang="en-GB" b="0" dirty="0">
+                <a:solidFill>
+                  <a:srgbClr val="D4D4D4"/>
+                </a:solidFill>
+                <a:effectLst/>
+                <a:latin typeface="Consolas" panose="020B0609020204030204" pitchFamily="49" charset="0"/>
+              </a:rPr>
+              <a:t>[Select Package and hover over Deploy to IIS] </a:t>
+            </a:r>
+          </a:p>
+          <a:p>
+            <a:pPr marL="158750" indent="0">
+              <a:buNone/>
+            </a:pPr>
+            <a:br>
+              <a:rPr lang="en-GB" b="0" dirty="0">
+                <a:solidFill>
+                  <a:srgbClr val="D4D4D4"/>
+                </a:solidFill>
+                <a:effectLst/>
+                <a:latin typeface="Consolas" panose="020B0609020204030204" pitchFamily="49" charset="0"/>
+              </a:rPr>
+            </a:br>
+            <a:r>
+              <a:rPr lang="en-GB" b="0" dirty="0">
+                <a:solidFill>
+                  <a:srgbClr val="D4D4D4"/>
+                </a:solidFill>
+                <a:effectLst/>
+                <a:latin typeface="Consolas" panose="020B0609020204030204" pitchFamily="49" charset="0"/>
+              </a:rPr>
+              <a:t>Before adding this Step, let's take a moment to observe that this Step Template is maintained by the team at Octopus. Octopus provides a large selection of the most popular Step Templates out of the box. For example, there are similar steps here for deploying packages to NGINX, Azure and AWS.</a:t>
+            </a:r>
+          </a:p>
+          <a:p>
+            <a:pPr marL="158750" indent="0">
+              <a:buNone/>
+            </a:pPr>
+            <a:br>
+              <a:rPr lang="en-GB" b="0" dirty="0">
+                <a:solidFill>
+                  <a:srgbClr val="D4D4D4"/>
+                </a:solidFill>
+                <a:effectLst/>
+                <a:latin typeface="Consolas" panose="020B0609020204030204" pitchFamily="49" charset="0"/>
+              </a:rPr>
+            </a:br>
+            <a:r>
+              <a:rPr lang="en-GB" b="0" dirty="0">
+                <a:solidFill>
+                  <a:srgbClr val="D4D4D4"/>
+                </a:solidFill>
+                <a:effectLst/>
+                <a:latin typeface="Consolas" panose="020B0609020204030204" pitchFamily="49" charset="0"/>
+              </a:rPr>
+              <a:t>In addition to the built-in step templates, Octopus also maintains a community Step Template Library. Many Octopus users and partners have shared their own Step Templates. For example, perhaps you want to deploy an AWS Lambda Function, or you'd like to use Chocolatey to ensure some dependency was installed on the Deployment Target, well, someone's already scripted those tasks and shared a Template with the community. You can explore all community Step Templates, including the source code, at [</a:t>
+            </a:r>
+            <a:r>
+              <a:rPr lang="en-GB" b="0" dirty="0">
+                <a:solidFill>
+                  <a:srgbClr val="CE9178"/>
+                </a:solidFill>
+                <a:effectLst/>
+                <a:latin typeface="Consolas" panose="020B0609020204030204" pitchFamily="49" charset="0"/>
+              </a:rPr>
+              <a:t>Library dot Octopus dot com</a:t>
+            </a:r>
+            <a:r>
+              <a:rPr lang="en-GB" b="0" dirty="0">
+                <a:solidFill>
+                  <a:srgbClr val="D4D4D4"/>
+                </a:solidFill>
+                <a:effectLst/>
+                <a:latin typeface="Consolas" panose="020B0609020204030204" pitchFamily="49" charset="0"/>
+              </a:rPr>
+              <a:t>](</a:t>
+            </a:r>
+            <a:r>
+              <a:rPr lang="en-GB" b="0" u="sng" dirty="0">
+                <a:solidFill>
+                  <a:srgbClr val="D4D4D4"/>
+                </a:solidFill>
+                <a:effectLst/>
+                <a:latin typeface="Consolas" panose="020B0609020204030204" pitchFamily="49" charset="0"/>
+              </a:rPr>
+              <a:t>https://library.octopus.com/listing</a:t>
+            </a:r>
+            <a:r>
+              <a:rPr lang="en-GB" b="0" dirty="0">
+                <a:solidFill>
+                  <a:srgbClr val="D4D4D4"/>
+                </a:solidFill>
+                <a:effectLst/>
+                <a:latin typeface="Consolas" panose="020B0609020204030204" pitchFamily="49" charset="0"/>
+              </a:rPr>
+              <a:t>). </a:t>
+            </a:r>
+          </a:p>
+          <a:p>
+            <a:pPr marL="158750" indent="0">
+              <a:buNone/>
+            </a:pPr>
+            <a:br>
+              <a:rPr lang="en-GB" b="0" dirty="0">
+                <a:solidFill>
+                  <a:srgbClr val="D4D4D4"/>
+                </a:solidFill>
+                <a:effectLst/>
+                <a:latin typeface="Consolas" panose="020B0609020204030204" pitchFamily="49" charset="0"/>
+              </a:rPr>
+            </a:br>
+            <a:r>
+              <a:rPr lang="en-GB" b="0" dirty="0">
+                <a:solidFill>
+                  <a:srgbClr val="D4D4D4"/>
+                </a:solidFill>
+                <a:effectLst/>
+                <a:latin typeface="Consolas" panose="020B0609020204030204" pitchFamily="49" charset="0"/>
+              </a:rPr>
+              <a:t>[Fade to Library.Octopus.com]</a:t>
+            </a:r>
+          </a:p>
+          <a:p>
+            <a:pPr marL="158750" indent="0">
+              <a:buNone/>
+            </a:pPr>
+            <a:br>
+              <a:rPr lang="en-GB" b="0" dirty="0">
+                <a:solidFill>
+                  <a:srgbClr val="D4D4D4"/>
+                </a:solidFill>
+                <a:effectLst/>
+                <a:latin typeface="Consolas" panose="020B0609020204030204" pitchFamily="49" charset="0"/>
+              </a:rPr>
+            </a:br>
+            <a:r>
+              <a:rPr lang="en-GB" b="0" dirty="0">
+                <a:solidFill>
+                  <a:srgbClr val="D4D4D4"/>
+                </a:solidFill>
+                <a:effectLst/>
+                <a:latin typeface="Consolas" panose="020B0609020204030204" pitchFamily="49" charset="0"/>
+              </a:rPr>
+              <a:t>If you would like to learn more about using community Step Templates, or even contributing your own, you'll find more information in the additional resources associated with this module.</a:t>
+            </a:r>
+          </a:p>
+          <a:p>
+            <a:pPr marL="158750" indent="0">
+              <a:buNone/>
+            </a:pPr>
+            <a:br>
+              <a:rPr lang="en-GB" b="0" dirty="0">
+                <a:solidFill>
+                  <a:srgbClr val="D4D4D4"/>
+                </a:solidFill>
+                <a:effectLst/>
+                <a:latin typeface="Consolas" panose="020B0609020204030204" pitchFamily="49" charset="0"/>
+              </a:rPr>
+            </a:br>
+            <a:r>
+              <a:rPr lang="en-GB" b="0" dirty="0">
+                <a:solidFill>
+                  <a:srgbClr val="D4D4D4"/>
+                </a:solidFill>
+                <a:effectLst/>
+                <a:latin typeface="Consolas" panose="020B0609020204030204" pitchFamily="49" charset="0"/>
+              </a:rPr>
+              <a:t>[Fade back to demo, Add the Deploy to IIS Step]</a:t>
+            </a:r>
+          </a:p>
+          <a:p>
+            <a:pPr marL="158750" indent="0">
+              <a:buNone/>
+            </a:pPr>
+            <a:br>
+              <a:rPr lang="en-GB" b="0" dirty="0">
+                <a:solidFill>
+                  <a:srgbClr val="D4D4D4"/>
+                </a:solidFill>
+                <a:effectLst/>
+                <a:latin typeface="Consolas" panose="020B0609020204030204" pitchFamily="49" charset="0"/>
+              </a:rPr>
+            </a:br>
+            <a:r>
+              <a:rPr lang="en-GB" b="0" dirty="0">
+                <a:solidFill>
+                  <a:srgbClr val="D4D4D4"/>
+                </a:solidFill>
+                <a:effectLst/>
+                <a:latin typeface="Consolas" panose="020B0609020204030204" pitchFamily="49" charset="0"/>
+              </a:rPr>
+              <a:t>Once again, we can give our Step a name and add some notes.</a:t>
+            </a:r>
+          </a:p>
+          <a:p>
+            <a:pPr marL="158750" indent="0">
+              <a:buNone/>
+            </a:pPr>
+            <a:br>
+              <a:rPr lang="en-GB" b="0" dirty="0">
+                <a:solidFill>
+                  <a:srgbClr val="D4D4D4"/>
+                </a:solidFill>
+                <a:effectLst/>
+                <a:latin typeface="Consolas" panose="020B0609020204030204" pitchFamily="49" charset="0"/>
+              </a:rPr>
+            </a:br>
+            <a:r>
+              <a:rPr lang="en-GB" b="0" dirty="0">
+                <a:solidFill>
+                  <a:srgbClr val="D4D4D4"/>
+                </a:solidFill>
+                <a:effectLst/>
+                <a:latin typeface="Consolas" panose="020B0609020204030204" pitchFamily="49" charset="0"/>
+              </a:rPr>
+              <a:t>[Add name, add notes]</a:t>
+            </a:r>
+          </a:p>
+          <a:p>
+            <a:pPr marL="158750" indent="0">
+              <a:buNone/>
+            </a:pPr>
+            <a:br>
+              <a:rPr lang="en-GB" b="0" dirty="0">
+                <a:solidFill>
+                  <a:srgbClr val="D4D4D4"/>
+                </a:solidFill>
+                <a:effectLst/>
+                <a:latin typeface="Consolas" panose="020B0609020204030204" pitchFamily="49" charset="0"/>
+              </a:rPr>
+            </a:br>
+            <a:r>
+              <a:rPr lang="en-GB" b="0" dirty="0">
+                <a:solidFill>
+                  <a:srgbClr val="D4D4D4"/>
+                </a:solidFill>
+                <a:effectLst/>
+                <a:latin typeface="Consolas" panose="020B0609020204030204" pitchFamily="49" charset="0"/>
+              </a:rPr>
+              <a:t>This Step Template needs to be executed on Deployment Targets, and we want it to run on all the targets with the role </a:t>
+            </a:r>
+            <a:r>
+              <a:rPr lang="en-GB" b="0" dirty="0" err="1">
+                <a:solidFill>
+                  <a:srgbClr val="D4D4D4"/>
+                </a:solidFill>
+                <a:effectLst/>
+                <a:latin typeface="Consolas" panose="020B0609020204030204" pitchFamily="49" charset="0"/>
+              </a:rPr>
+              <a:t>RandomQuotes-WebServer</a:t>
+            </a:r>
+            <a:r>
+              <a:rPr lang="en-GB" b="0" dirty="0">
+                <a:solidFill>
+                  <a:srgbClr val="D4D4D4"/>
+                </a:solidFill>
+                <a:effectLst/>
+                <a:latin typeface="Consolas" panose="020B0609020204030204" pitchFamily="49" charset="0"/>
+              </a:rPr>
+              <a:t>.</a:t>
+            </a:r>
+          </a:p>
+          <a:p>
+            <a:pPr marL="158750" indent="0">
+              <a:buNone/>
+            </a:pPr>
+            <a:br>
+              <a:rPr lang="en-GB" b="0" dirty="0">
+                <a:solidFill>
+                  <a:srgbClr val="D4D4D4"/>
+                </a:solidFill>
+                <a:effectLst/>
+                <a:latin typeface="Consolas" panose="020B0609020204030204" pitchFamily="49" charset="0"/>
+              </a:rPr>
+            </a:br>
+            <a:r>
+              <a:rPr lang="en-GB" b="0" dirty="0">
+                <a:solidFill>
+                  <a:srgbClr val="D4D4D4"/>
+                </a:solidFill>
+                <a:effectLst/>
+                <a:latin typeface="Consolas" panose="020B0609020204030204" pitchFamily="49" charset="0"/>
+              </a:rPr>
+              <a:t>[Add role]</a:t>
+            </a:r>
+          </a:p>
+          <a:p>
+            <a:pPr marL="158750" indent="0">
+              <a:buNone/>
+            </a:pPr>
+            <a:br>
+              <a:rPr lang="en-GB" b="0" dirty="0">
+                <a:solidFill>
+                  <a:srgbClr val="D4D4D4"/>
+                </a:solidFill>
+                <a:effectLst/>
+                <a:latin typeface="Consolas" panose="020B0609020204030204" pitchFamily="49" charset="0"/>
+              </a:rPr>
+            </a:br>
+            <a:r>
+              <a:rPr lang="en-GB" b="0" dirty="0">
+                <a:solidFill>
+                  <a:srgbClr val="D4D4D4"/>
+                </a:solidFill>
+                <a:effectLst/>
+                <a:latin typeface="Consolas" panose="020B0609020204030204" pitchFamily="49" charset="0"/>
+              </a:rPr>
+              <a:t>Now we provide the package details. In Module 2 we uploaded a package to the built-in feed. Octopus interpreted the Package ID and version number from the file name of the package. We can search for the Package ID here.</a:t>
+            </a:r>
+          </a:p>
+          <a:p>
+            <a:pPr marL="158750" indent="0">
+              <a:buNone/>
+            </a:pPr>
+            <a:br>
+              <a:rPr lang="en-GB" b="0" dirty="0">
+                <a:solidFill>
+                  <a:srgbClr val="D4D4D4"/>
+                </a:solidFill>
+                <a:effectLst/>
+                <a:latin typeface="Consolas" panose="020B0609020204030204" pitchFamily="49" charset="0"/>
+              </a:rPr>
+            </a:br>
+            <a:r>
+              <a:rPr lang="en-GB" b="0" dirty="0">
+                <a:solidFill>
+                  <a:srgbClr val="D4D4D4"/>
+                </a:solidFill>
+                <a:effectLst/>
+                <a:latin typeface="Consolas" panose="020B0609020204030204" pitchFamily="49" charset="0"/>
+              </a:rPr>
+              <a:t>[Select </a:t>
+            </a:r>
+            <a:r>
+              <a:rPr lang="en-GB" b="0" dirty="0" err="1">
+                <a:solidFill>
+                  <a:srgbClr val="D4D4D4"/>
+                </a:solidFill>
+                <a:effectLst/>
+                <a:latin typeface="Consolas" panose="020B0609020204030204" pitchFamily="49" charset="0"/>
+              </a:rPr>
+              <a:t>RandomQuotes</a:t>
+            </a:r>
+            <a:r>
+              <a:rPr lang="en-GB" b="0" dirty="0">
+                <a:solidFill>
+                  <a:srgbClr val="D4D4D4"/>
+                </a:solidFill>
+                <a:effectLst/>
+                <a:latin typeface="Consolas" panose="020B0609020204030204" pitchFamily="49" charset="0"/>
+              </a:rPr>
+              <a:t> package from </a:t>
+            </a:r>
+            <a:r>
+              <a:rPr lang="en-GB" b="0" dirty="0" err="1">
+                <a:solidFill>
+                  <a:srgbClr val="D4D4D4"/>
+                </a:solidFill>
+                <a:effectLst/>
+                <a:latin typeface="Consolas" panose="020B0609020204030204" pitchFamily="49" charset="0"/>
+              </a:rPr>
+              <a:t>builtin</a:t>
+            </a:r>
+            <a:r>
+              <a:rPr lang="en-GB" b="0" dirty="0">
+                <a:solidFill>
+                  <a:srgbClr val="D4D4D4"/>
+                </a:solidFill>
+                <a:effectLst/>
+                <a:latin typeface="Consolas" panose="020B0609020204030204" pitchFamily="49" charset="0"/>
+              </a:rPr>
+              <a:t> feed]</a:t>
+            </a:r>
+          </a:p>
+          <a:p>
+            <a:pPr marL="158750" indent="0">
+              <a:buNone/>
+            </a:pPr>
+            <a:br>
+              <a:rPr lang="en-GB" b="0" dirty="0">
+                <a:solidFill>
+                  <a:srgbClr val="D4D4D4"/>
+                </a:solidFill>
+                <a:effectLst/>
+                <a:latin typeface="Consolas" panose="020B0609020204030204" pitchFamily="49" charset="0"/>
+              </a:rPr>
+            </a:br>
+            <a:r>
+              <a:rPr lang="en-GB" b="0" dirty="0">
+                <a:solidFill>
+                  <a:srgbClr val="D4D4D4"/>
+                </a:solidFill>
+                <a:effectLst/>
+                <a:latin typeface="Consolas" panose="020B0609020204030204" pitchFamily="49" charset="0"/>
+              </a:rPr>
+              <a:t>Next we provide various IIS configuration details. </a:t>
+            </a:r>
+          </a:p>
+          <a:p>
+            <a:pPr marL="158750" indent="0">
+              <a:buNone/>
+            </a:pPr>
+            <a:br>
+              <a:rPr lang="en-GB" b="0" dirty="0">
+                <a:solidFill>
+                  <a:srgbClr val="D4D4D4"/>
+                </a:solidFill>
+                <a:effectLst/>
+                <a:latin typeface="Consolas" panose="020B0609020204030204" pitchFamily="49" charset="0"/>
+              </a:rPr>
+            </a:br>
+            <a:r>
+              <a:rPr lang="en-GB" b="0" dirty="0">
+                <a:solidFill>
+                  <a:srgbClr val="D4D4D4"/>
+                </a:solidFill>
+                <a:effectLst/>
+                <a:latin typeface="Consolas" panose="020B0609020204030204" pitchFamily="49" charset="0"/>
+              </a:rPr>
+              <a:t>We're deploying an IIS Website, called </a:t>
+            </a:r>
+            <a:r>
+              <a:rPr lang="en-GB" b="0" dirty="0" err="1">
+                <a:solidFill>
+                  <a:srgbClr val="D4D4D4"/>
+                </a:solidFill>
+                <a:effectLst/>
+                <a:latin typeface="Consolas" panose="020B0609020204030204" pitchFamily="49" charset="0"/>
+              </a:rPr>
+              <a:t>RandomQuotes</a:t>
+            </a:r>
+            <a:r>
+              <a:rPr lang="en-GB" b="0" dirty="0">
+                <a:solidFill>
+                  <a:srgbClr val="D4D4D4"/>
+                </a:solidFill>
+                <a:effectLst/>
+                <a:latin typeface="Consolas" panose="020B0609020204030204" pitchFamily="49" charset="0"/>
+              </a:rPr>
+              <a:t>, we'll accept the default physical path and we want to start the website once we're done.</a:t>
+            </a:r>
+          </a:p>
+          <a:p>
+            <a:pPr marL="158750" indent="0">
+              <a:buNone/>
+            </a:pPr>
+            <a:br>
+              <a:rPr lang="en-GB" b="0" dirty="0">
+                <a:solidFill>
+                  <a:srgbClr val="D4D4D4"/>
+                </a:solidFill>
+                <a:effectLst/>
+                <a:latin typeface="Consolas" panose="020B0609020204030204" pitchFamily="49" charset="0"/>
+              </a:rPr>
+            </a:br>
+            <a:r>
+              <a:rPr lang="en-GB" b="0" dirty="0">
+                <a:solidFill>
+                  <a:srgbClr val="D4D4D4"/>
+                </a:solidFill>
+                <a:effectLst/>
+                <a:latin typeface="Consolas" panose="020B0609020204030204" pitchFamily="49" charset="0"/>
+              </a:rPr>
+              <a:t>[Fill in those details]</a:t>
+            </a:r>
+          </a:p>
+          <a:p>
+            <a:pPr marL="158750" indent="0">
+              <a:buNone/>
+            </a:pPr>
+            <a:br>
+              <a:rPr lang="en-GB" b="0" dirty="0">
+                <a:solidFill>
+                  <a:srgbClr val="D4D4D4"/>
+                </a:solidFill>
+                <a:effectLst/>
+                <a:latin typeface="Consolas" panose="020B0609020204030204" pitchFamily="49" charset="0"/>
+              </a:rPr>
+            </a:br>
+            <a:r>
+              <a:rPr lang="en-GB" b="0" dirty="0">
+                <a:solidFill>
+                  <a:srgbClr val="D4D4D4"/>
+                </a:solidFill>
+                <a:effectLst/>
+                <a:latin typeface="Consolas" panose="020B0609020204030204" pitchFamily="49" charset="0"/>
+              </a:rPr>
+              <a:t>We're going to set the Application Pool to use the same name, </a:t>
+            </a:r>
+            <a:r>
+              <a:rPr lang="en-GB" b="0" dirty="0" err="1">
+                <a:solidFill>
+                  <a:srgbClr val="D4D4D4"/>
+                </a:solidFill>
+                <a:effectLst/>
+                <a:latin typeface="Consolas" panose="020B0609020204030204" pitchFamily="49" charset="0"/>
+              </a:rPr>
+              <a:t>RandomQuotes</a:t>
+            </a:r>
+            <a:r>
+              <a:rPr lang="en-GB" b="0" dirty="0">
+                <a:solidFill>
+                  <a:srgbClr val="D4D4D4"/>
+                </a:solidFill>
+                <a:effectLst/>
+                <a:latin typeface="Consolas" panose="020B0609020204030204" pitchFamily="49" charset="0"/>
+              </a:rPr>
+              <a:t>, and we'll accept the default bindings.</a:t>
+            </a:r>
+          </a:p>
+          <a:p>
+            <a:pPr marL="158750" indent="0">
+              <a:buNone/>
+            </a:pPr>
+            <a:br>
+              <a:rPr lang="en-GB" b="0" dirty="0">
+                <a:solidFill>
+                  <a:srgbClr val="D4D4D4"/>
+                </a:solidFill>
+                <a:effectLst/>
+                <a:latin typeface="Consolas" panose="020B0609020204030204" pitchFamily="49" charset="0"/>
+              </a:rPr>
+            </a:br>
+            <a:r>
+              <a:rPr lang="en-GB" b="0" dirty="0">
+                <a:solidFill>
+                  <a:srgbClr val="D4D4D4"/>
+                </a:solidFill>
+                <a:effectLst/>
+                <a:latin typeface="Consolas" panose="020B0609020204030204" pitchFamily="49" charset="0"/>
+              </a:rPr>
+              <a:t>[Fill in Application Pool and bindings section]</a:t>
+            </a:r>
+          </a:p>
+          <a:p>
+            <a:pPr marL="158750" indent="0">
+              <a:buNone/>
+            </a:pPr>
+            <a:br>
+              <a:rPr lang="en-GB" b="0" dirty="0">
+                <a:solidFill>
+                  <a:srgbClr val="D4D4D4"/>
+                </a:solidFill>
+                <a:effectLst/>
+                <a:latin typeface="Consolas" panose="020B0609020204030204" pitchFamily="49" charset="0"/>
+              </a:rPr>
+            </a:br>
+            <a:r>
+              <a:rPr lang="en-GB" b="0" dirty="0">
+                <a:solidFill>
+                  <a:srgbClr val="D4D4D4"/>
+                </a:solidFill>
+                <a:effectLst/>
+                <a:latin typeface="Consolas" panose="020B0609020204030204" pitchFamily="49" charset="0"/>
+              </a:rPr>
+              <a:t>Since this is only a demo, we'll enable Anonymous Authentication.</a:t>
+            </a:r>
+          </a:p>
+          <a:p>
+            <a:pPr marL="158750" indent="0">
+              <a:buNone/>
+            </a:pPr>
+            <a:br>
+              <a:rPr lang="en-GB" b="0" dirty="0">
+                <a:solidFill>
+                  <a:srgbClr val="D4D4D4"/>
+                </a:solidFill>
+                <a:effectLst/>
+                <a:latin typeface="Consolas" panose="020B0609020204030204" pitchFamily="49" charset="0"/>
+              </a:rPr>
+            </a:br>
+            <a:r>
+              <a:rPr lang="en-GB" b="0" dirty="0">
+                <a:solidFill>
+                  <a:srgbClr val="D4D4D4"/>
+                </a:solidFill>
+                <a:effectLst/>
+                <a:latin typeface="Consolas" panose="020B0609020204030204" pitchFamily="49" charset="0"/>
+              </a:rPr>
+              <a:t>[Enable Anon Auth]</a:t>
+            </a:r>
+          </a:p>
+          <a:p>
+            <a:pPr marL="158750" indent="0">
+              <a:buNone/>
+            </a:pPr>
+            <a:br>
+              <a:rPr lang="en-GB" b="0" dirty="0">
+                <a:solidFill>
+                  <a:srgbClr val="D4D4D4"/>
+                </a:solidFill>
+                <a:effectLst/>
+                <a:latin typeface="Consolas" panose="020B0609020204030204" pitchFamily="49" charset="0"/>
+              </a:rPr>
+            </a:br>
+            <a:r>
+              <a:rPr lang="en-GB" b="0" dirty="0">
+                <a:solidFill>
+                  <a:srgbClr val="D4D4D4"/>
+                </a:solidFill>
+                <a:effectLst/>
+                <a:latin typeface="Consolas" panose="020B0609020204030204" pitchFamily="49" charset="0"/>
+              </a:rPr>
+              <a:t>Next come a couple of more advanced features. We'll cover .NET Configuration Variables in an upcoming video, so for now, we'll deselect those.</a:t>
+            </a:r>
+          </a:p>
+          <a:p>
+            <a:pPr marL="158750" indent="0">
+              <a:buNone/>
+            </a:pPr>
+            <a:br>
+              <a:rPr lang="en-GB" b="0" dirty="0">
+                <a:solidFill>
+                  <a:srgbClr val="D4D4D4"/>
+                </a:solidFill>
+                <a:effectLst/>
+                <a:latin typeface="Consolas" panose="020B0609020204030204" pitchFamily="49" charset="0"/>
+              </a:rPr>
+            </a:br>
+            <a:r>
+              <a:rPr lang="en-GB" b="0" dirty="0">
+                <a:solidFill>
+                  <a:srgbClr val="D4D4D4"/>
+                </a:solidFill>
+                <a:effectLst/>
+                <a:latin typeface="Consolas" panose="020B0609020204030204" pitchFamily="49" charset="0"/>
+              </a:rPr>
+              <a:t>[Deselect .NET Configuration Variables]</a:t>
+            </a:r>
+          </a:p>
+          <a:p>
+            <a:pPr marL="158750" indent="0">
+              <a:buNone/>
+            </a:pPr>
+            <a:br>
+              <a:rPr lang="en-GB" b="0" dirty="0">
+                <a:solidFill>
+                  <a:srgbClr val="D4D4D4"/>
+                </a:solidFill>
+                <a:effectLst/>
+                <a:latin typeface="Consolas" panose="020B0609020204030204" pitchFamily="49" charset="0"/>
+              </a:rPr>
+            </a:br>
+            <a:r>
+              <a:rPr lang="en-GB" b="0" dirty="0">
+                <a:solidFill>
+                  <a:srgbClr val="D4D4D4"/>
+                </a:solidFill>
+                <a:effectLst/>
+                <a:latin typeface="Consolas" panose="020B0609020204030204" pitchFamily="49" charset="0"/>
+              </a:rPr>
+              <a:t>Octopus supports .NET Configuration Transforms out of the box. By selecting this option, if your project includes transformation files in the form either star dot release dot config, or "</a:t>
+            </a:r>
+            <a:r>
+              <a:rPr lang="en-GB" b="0" dirty="0" err="1">
+                <a:solidFill>
+                  <a:srgbClr val="D4D4D4"/>
+                </a:solidFill>
+                <a:effectLst/>
+                <a:latin typeface="Consolas" panose="020B0609020204030204" pitchFamily="49" charset="0"/>
+              </a:rPr>
+              <a:t>EnvironmentName</a:t>
+            </a:r>
+            <a:r>
+              <a:rPr lang="en-GB" b="0" dirty="0">
+                <a:solidFill>
+                  <a:srgbClr val="D4D4D4"/>
+                </a:solidFill>
+                <a:effectLst/>
+                <a:latin typeface="Consolas" panose="020B0609020204030204" pitchFamily="49" charset="0"/>
+              </a:rPr>
+              <a:t>" dot release dot config, these configuration transformations will be run during deployment.</a:t>
+            </a:r>
+          </a:p>
+          <a:p>
+            <a:pPr marL="158750" indent="0">
+              <a:buNone/>
+            </a:pPr>
+            <a:br>
+              <a:rPr lang="en-GB" b="0" dirty="0">
+                <a:solidFill>
+                  <a:srgbClr val="D4D4D4"/>
+                </a:solidFill>
+                <a:effectLst/>
+                <a:latin typeface="Consolas" panose="020B0609020204030204" pitchFamily="49" charset="0"/>
+              </a:rPr>
+            </a:br>
+            <a:r>
+              <a:rPr lang="en-GB" b="0" dirty="0">
+                <a:solidFill>
+                  <a:srgbClr val="D4D4D4"/>
+                </a:solidFill>
+                <a:effectLst/>
+                <a:latin typeface="Consolas" panose="020B0609020204030204" pitchFamily="49" charset="0"/>
+              </a:rPr>
+              <a:t>We can toggle on or off further additional features by selecting the Configure Features button.</a:t>
+            </a:r>
+          </a:p>
+          <a:p>
+            <a:pPr marL="158750" indent="0">
+              <a:buNone/>
+            </a:pPr>
+            <a:br>
+              <a:rPr lang="en-GB" b="0" dirty="0">
+                <a:solidFill>
+                  <a:srgbClr val="D4D4D4"/>
+                </a:solidFill>
+                <a:effectLst/>
+                <a:latin typeface="Consolas" panose="020B0609020204030204" pitchFamily="49" charset="0"/>
+              </a:rPr>
+            </a:br>
+            <a:r>
+              <a:rPr lang="en-GB" b="0" dirty="0">
+                <a:solidFill>
+                  <a:srgbClr val="D4D4D4"/>
+                </a:solidFill>
+                <a:effectLst/>
+                <a:latin typeface="Consolas" panose="020B0609020204030204" pitchFamily="49" charset="0"/>
+              </a:rPr>
+              <a:t>[Select Configure Features, leave defaults, click OK]</a:t>
+            </a:r>
+          </a:p>
+          <a:p>
+            <a:pPr marL="158750" indent="0">
+              <a:buNone/>
+            </a:pPr>
+            <a:br>
+              <a:rPr lang="en-GB" b="0" dirty="0">
+                <a:solidFill>
+                  <a:srgbClr val="D4D4D4"/>
+                </a:solidFill>
+                <a:effectLst/>
+                <a:latin typeface="Consolas" panose="020B0609020204030204" pitchFamily="49" charset="0"/>
+              </a:rPr>
+            </a:br>
+            <a:r>
+              <a:rPr lang="en-GB" b="0" dirty="0">
+                <a:solidFill>
+                  <a:srgbClr val="D4D4D4"/>
+                </a:solidFill>
+                <a:effectLst/>
+                <a:latin typeface="Consolas" panose="020B0609020204030204" pitchFamily="49" charset="0"/>
+              </a:rPr>
+              <a:t>Finally, like in our Hello World example, we can set our Run Conditions. We'll accept the defaults and hit SAVE.</a:t>
+            </a:r>
+          </a:p>
+          <a:p>
+            <a:pPr marL="158750" indent="0">
+              <a:buNone/>
+            </a:pPr>
+            <a:br>
+              <a:rPr lang="en-GB" b="0" dirty="0">
+                <a:solidFill>
+                  <a:srgbClr val="D4D4D4"/>
+                </a:solidFill>
+                <a:effectLst/>
+                <a:latin typeface="Consolas" panose="020B0609020204030204" pitchFamily="49" charset="0"/>
+              </a:rPr>
+            </a:br>
+            <a:r>
+              <a:rPr lang="en-GB" b="0" dirty="0">
+                <a:solidFill>
+                  <a:srgbClr val="D4D4D4"/>
+                </a:solidFill>
+                <a:effectLst/>
+                <a:latin typeface="Consolas" panose="020B0609020204030204" pitchFamily="49" charset="0"/>
+              </a:rPr>
+              <a:t>[Accept default, Save]</a:t>
+            </a:r>
+          </a:p>
+          <a:p>
+            <a:pPr marL="158750" indent="0">
+              <a:buNone/>
+            </a:pPr>
+            <a:br>
+              <a:rPr lang="en-GB" b="0" dirty="0">
+                <a:solidFill>
+                  <a:srgbClr val="D4D4D4"/>
+                </a:solidFill>
+                <a:effectLst/>
+                <a:latin typeface="Consolas" panose="020B0609020204030204" pitchFamily="49" charset="0"/>
+              </a:rPr>
+            </a:br>
+            <a:r>
+              <a:rPr lang="en-GB" b="0" dirty="0">
+                <a:solidFill>
+                  <a:srgbClr val="D4D4D4"/>
+                </a:solidFill>
+                <a:effectLst/>
+                <a:latin typeface="Consolas" panose="020B0609020204030204" pitchFamily="49" charset="0"/>
+              </a:rPr>
+              <a:t>And we're done. We've added a Step to our Process to deploy our </a:t>
+            </a:r>
+            <a:r>
+              <a:rPr lang="en-GB" b="0" dirty="0" err="1">
+                <a:solidFill>
+                  <a:srgbClr val="D4D4D4"/>
+                </a:solidFill>
+                <a:effectLst/>
+                <a:latin typeface="Consolas" panose="020B0609020204030204" pitchFamily="49" charset="0"/>
+              </a:rPr>
+              <a:t>RandomQuotes</a:t>
+            </a:r>
+            <a:r>
+              <a:rPr lang="en-GB" b="0" dirty="0">
+                <a:solidFill>
+                  <a:srgbClr val="D4D4D4"/>
+                </a:solidFill>
+                <a:effectLst/>
+                <a:latin typeface="Consolas" panose="020B0609020204030204" pitchFamily="49" charset="0"/>
+              </a:rPr>
+              <a:t> package from module 2, to the Infrastructure we configured in module 1. In the next class we'll run our first deployment! </a:t>
+            </a:r>
+          </a:p>
+          <a:p>
+            <a:pPr marL="158750" indent="0">
+              <a:buNone/>
+            </a:pPr>
+            <a:endParaRPr lang="en-GB" dirty="0"/>
+          </a:p>
+        </p:txBody>
+      </p:sp>
+    </p:spTree>
+    <p:extLst>
+      <p:ext uri="{BB962C8B-B14F-4D97-AF65-F5344CB8AC3E}">
+        <p14:creationId xmlns:p14="http://schemas.microsoft.com/office/powerpoint/2010/main" val="877458095"/>
       </p:ext>
     </p:extLst>
   </p:cSld>
@@ -1242,146 +3095,6 @@
           </a:bodyPr>
           <a:lstStyle/>
           <a:p>
-            <a:pPr marL="0" marR="0" lvl="0" indent="0" algn="l" defTabSz="914400" rtl="0" eaLnBrk="1" fontAlgn="auto" latinLnBrk="0" hangingPunct="1">
-              <a:lnSpc>
-                <a:spcPct val="100000"/>
-              </a:lnSpc>
-              <a:spcBef>
-                <a:spcPts val="0"/>
-              </a:spcBef>
-              <a:spcAft>
-                <a:spcPts val="0"/>
-              </a:spcAft>
-              <a:buClr>
-                <a:srgbClr val="000000"/>
-              </a:buClr>
-              <a:buSzPts val="1100"/>
-              <a:buFont typeface="Arial"/>
-              <a:buNone/>
-              <a:tabLst/>
-              <a:defRPr/>
-            </a:pPr>
-            <a:r>
-              <a:rPr lang="en-GB" b="0" dirty="0">
-                <a:solidFill>
-                  <a:srgbClr val="D4D4D4"/>
-                </a:solidFill>
-                <a:effectLst/>
-                <a:latin typeface="Consolas" panose="020B0609020204030204" pitchFamily="49" charset="0"/>
-              </a:rPr>
-              <a:t>It's tempting to add everything to a single project. However, this temptation should be avoided. We don't want to be re-running database updates every time we tweak to the UI.</a:t>
-            </a:r>
-          </a:p>
-          <a:p>
-            <a:pPr marL="0" lvl="0" indent="0" algn="l" rtl="0">
-              <a:spcBef>
-                <a:spcPts val="0"/>
-              </a:spcBef>
-              <a:spcAft>
-                <a:spcPts val="0"/>
-              </a:spcAft>
-              <a:buNone/>
-            </a:pPr>
-            <a:endParaRPr dirty="0"/>
-          </a:p>
-        </p:txBody>
-      </p:sp>
-    </p:spTree>
-    <p:extLst>
-      <p:ext uri="{BB962C8B-B14F-4D97-AF65-F5344CB8AC3E}">
-        <p14:creationId xmlns:p14="http://schemas.microsoft.com/office/powerpoint/2010/main" val="4225404808"/>
-      </p:ext>
-    </p:extLst>
-  </p:cSld>
-  <p:clrMapOvr>
-    <a:masterClrMapping/>
-  </p:clrMapOvr>
-</p:notes>
-</file>
-
-<file path=ppt/notesSlides/notesSlide5.xml><?xml version="1.0" encoding="utf-8"?>
-<p:notes xmlns:a="http://schemas.openxmlformats.org/drawingml/2006/main" xmlns:r="http://schemas.openxmlformats.org/officeDocument/2006/relationships" xmlns:p="http://schemas.openxmlformats.org/presentationml/2006/main" showMasterSp="0" showMasterPhAnim="0">
-  <p:cSld>
-    <p:spTree>
-      <p:nvGrpSpPr>
-        <p:cNvPr id="1" name="Shape 53"/>
-        <p:cNvGrpSpPr/>
-        <p:nvPr/>
-      </p:nvGrpSpPr>
-      <p:grpSpPr>
-        <a:xfrm>
-          <a:off x="0" y="0"/>
-          <a:ext cx="0" cy="0"/>
-          <a:chOff x="0" y="0"/>
-          <a:chExt cx="0" cy="0"/>
-        </a:xfrm>
-      </p:grpSpPr>
-      <p:sp>
-        <p:nvSpPr>
-          <p:cNvPr id="54" name="Google Shape;54;g10e8f13418e_0_6:notes"/>
-          <p:cNvSpPr>
-            <a:spLocks noGrp="1" noRot="1" noChangeAspect="1"/>
-          </p:cNvSpPr>
-          <p:nvPr>
-            <p:ph type="sldImg" idx="2"/>
-          </p:nvPr>
-        </p:nvSpPr>
-        <p:spPr>
-          <a:xfrm>
-            <a:off x="381000" y="685800"/>
-            <a:ext cx="6096000" cy="3429000"/>
-          </a:xfrm>
-          <a:custGeom>
-            <a:avLst/>
-            <a:gdLst/>
-            <a:ahLst/>
-            <a:cxnLst/>
-            <a:rect l="l" t="t" r="r" b="b"/>
-            <a:pathLst>
-              <a:path w="120000" h="120000" extrusionOk="0">
-                <a:moveTo>
-                  <a:pt x="0" y="0"/>
-                </a:moveTo>
-                <a:lnTo>
-                  <a:pt x="120000" y="0"/>
-                </a:lnTo>
-                <a:lnTo>
-                  <a:pt x="120000" y="120000"/>
-                </a:lnTo>
-                <a:lnTo>
-                  <a:pt x="0" y="120000"/>
-                </a:lnTo>
-                <a:close/>
-              </a:path>
-            </a:pathLst>
-          </a:custGeom>
-        </p:spPr>
-      </p:sp>
-      <p:sp>
-        <p:nvSpPr>
-          <p:cNvPr id="55" name="Google Shape;55;g10e8f13418e_0_6:notes"/>
-          <p:cNvSpPr txBox="1">
-            <a:spLocks noGrp="1"/>
-          </p:cNvSpPr>
-          <p:nvPr>
-            <p:ph type="body" idx="1"/>
-          </p:nvPr>
-        </p:nvSpPr>
-        <p:spPr>
-          <a:xfrm>
-            <a:off x="685800" y="4343400"/>
-            <a:ext cx="5486400" cy="4114800"/>
-          </a:xfrm>
-          <a:prstGeom prst="rect">
-            <a:avLst/>
-          </a:prstGeom>
-        </p:spPr>
-        <p:txBody>
-          <a:bodyPr spcFirstLastPara="1" wrap="square" lIns="91425" tIns="91425" rIns="91425" bIns="91425" anchor="t" anchorCtr="0">
-            <a:noAutofit/>
-          </a:bodyPr>
-          <a:lstStyle/>
-          <a:p>
             <a:pPr marL="158750" indent="0">
               <a:buNone/>
             </a:pPr>
@@ -1393,336 +3106,63 @@
                 <a:effectLst/>
                 <a:latin typeface="Consolas" panose="020B0609020204030204" pitchFamily="49" charset="0"/>
               </a:rPr>
-              <a:t>Instead, start by creating a Project Group. Then add separate Projects to that Project Group for each component that can be deployed independently. In-line with the single responsibility principle, and a bias toward loose-coupling, this allows each part to be managed and deployed on its own schedule. </a:t>
+              <a:t>Remember:</a:t>
             </a:r>
           </a:p>
           <a:p>
             <a:pPr marL="158750" indent="0">
               <a:buNone/>
             </a:pPr>
-            <a:endParaRPr dirty="0"/>
-          </a:p>
-        </p:txBody>
-      </p:sp>
-    </p:spTree>
-    <p:extLst>
-      <p:ext uri="{BB962C8B-B14F-4D97-AF65-F5344CB8AC3E}">
-        <p14:creationId xmlns:p14="http://schemas.microsoft.com/office/powerpoint/2010/main" val="1793553554"/>
-      </p:ext>
-    </p:extLst>
-  </p:cSld>
-  <p:clrMapOvr>
-    <a:masterClrMapping/>
-  </p:clrMapOvr>
-</p:notes>
-</file>
-
-<file path=ppt/notesSlides/notesSlide6.xml><?xml version="1.0" encoding="utf-8"?>
-<p:notes xmlns:a="http://schemas.openxmlformats.org/drawingml/2006/main" xmlns:r="http://schemas.openxmlformats.org/officeDocument/2006/relationships" xmlns:p="http://schemas.openxmlformats.org/presentationml/2006/main" showMasterSp="0" showMasterPhAnim="0">
-  <p:cSld>
-    <p:spTree>
-      <p:nvGrpSpPr>
-        <p:cNvPr id="1" name="Shape 53"/>
-        <p:cNvGrpSpPr/>
-        <p:nvPr/>
-      </p:nvGrpSpPr>
-      <p:grpSpPr>
-        <a:xfrm>
-          <a:off x="0" y="0"/>
-          <a:ext cx="0" cy="0"/>
-          <a:chOff x="0" y="0"/>
-          <a:chExt cx="0" cy="0"/>
-        </a:xfrm>
-      </p:grpSpPr>
-      <p:sp>
-        <p:nvSpPr>
-          <p:cNvPr id="54" name="Google Shape;54;g10e8f13418e_0_6:notes"/>
-          <p:cNvSpPr>
-            <a:spLocks noGrp="1" noRot="1" noChangeAspect="1"/>
-          </p:cNvSpPr>
-          <p:nvPr>
-            <p:ph type="sldImg" idx="2"/>
-          </p:nvPr>
-        </p:nvSpPr>
-        <p:spPr>
-          <a:xfrm>
-            <a:off x="381000" y="685800"/>
-            <a:ext cx="6096000" cy="3429000"/>
-          </a:xfrm>
-          <a:custGeom>
-            <a:avLst/>
-            <a:gdLst/>
-            <a:ahLst/>
-            <a:cxnLst/>
-            <a:rect l="l" t="t" r="r" b="b"/>
-            <a:pathLst>
-              <a:path w="120000" h="120000" extrusionOk="0">
-                <a:moveTo>
-                  <a:pt x="0" y="0"/>
-                </a:moveTo>
-                <a:lnTo>
-                  <a:pt x="120000" y="0"/>
-                </a:lnTo>
-                <a:lnTo>
-                  <a:pt x="120000" y="120000"/>
-                </a:lnTo>
-                <a:lnTo>
-                  <a:pt x="0" y="120000"/>
-                </a:lnTo>
-                <a:close/>
-              </a:path>
-            </a:pathLst>
-          </a:custGeom>
-        </p:spPr>
-      </p:sp>
-      <p:sp>
-        <p:nvSpPr>
-          <p:cNvPr id="55" name="Google Shape;55;g10e8f13418e_0_6:notes"/>
-          <p:cNvSpPr txBox="1">
-            <a:spLocks noGrp="1"/>
-          </p:cNvSpPr>
-          <p:nvPr>
-            <p:ph type="body" idx="1"/>
-          </p:nvPr>
-        </p:nvSpPr>
-        <p:spPr>
-          <a:xfrm>
-            <a:off x="685800" y="4343400"/>
-            <a:ext cx="5486400" cy="4114800"/>
-          </a:xfrm>
-          <a:prstGeom prst="rect">
-            <a:avLst/>
-          </a:prstGeom>
-        </p:spPr>
-        <p:txBody>
-          <a:bodyPr spcFirstLastPara="1" wrap="square" lIns="91425" tIns="91425" rIns="91425" bIns="91425" anchor="t" anchorCtr="0">
-            <a:noAutofit/>
-          </a:bodyPr>
-          <a:lstStyle/>
-          <a:p>
-            <a:pPr marL="0" marR="0" lvl="0" indent="0" algn="l" defTabSz="914400" rtl="0" eaLnBrk="1" fontAlgn="auto" latinLnBrk="0" hangingPunct="1">
-              <a:lnSpc>
-                <a:spcPct val="100000"/>
-              </a:lnSpc>
-              <a:spcBef>
-                <a:spcPts val="0"/>
-              </a:spcBef>
-              <a:spcAft>
-                <a:spcPts val="0"/>
-              </a:spcAft>
-              <a:buClr>
-                <a:srgbClr val="000000"/>
-              </a:buClr>
-              <a:buSzPts val="1100"/>
-              <a:buFont typeface="Arial"/>
-              <a:buNone/>
-              <a:tabLst/>
-              <a:defRPr/>
-            </a:pPr>
-            <a:r>
-              <a:rPr lang="en-GB" b="0" dirty="0">
-                <a:solidFill>
-                  <a:srgbClr val="D4D4D4"/>
-                </a:solidFill>
-                <a:effectLst/>
-                <a:latin typeface="Consolas" panose="020B0609020204030204" pitchFamily="49" charset="0"/>
-              </a:rPr>
-              <a:t>Where it's desirable to deploy everything together, we can create a coordinating Project within the same Project Group.</a:t>
-            </a:r>
-          </a:p>
-          <a:p>
-            <a:pPr marL="0" marR="0" lvl="0" indent="0" algn="l" defTabSz="914400" rtl="0" eaLnBrk="1" fontAlgn="auto" latinLnBrk="0" hangingPunct="1">
-              <a:lnSpc>
-                <a:spcPct val="100000"/>
-              </a:lnSpc>
-              <a:spcBef>
-                <a:spcPts val="0"/>
-              </a:spcBef>
-              <a:spcAft>
-                <a:spcPts val="0"/>
-              </a:spcAft>
-              <a:buClr>
-                <a:srgbClr val="000000"/>
-              </a:buClr>
-              <a:buSzPts val="1100"/>
-              <a:buFont typeface="Arial"/>
-              <a:buNone/>
-              <a:tabLst/>
-              <a:defRPr/>
-            </a:pPr>
-            <a:endParaRPr lang="en-GB" b="0" dirty="0">
-              <a:solidFill>
-                <a:srgbClr val="D4D4D4"/>
-              </a:solidFill>
-              <a:effectLst/>
-              <a:latin typeface="Consolas" panose="020B0609020204030204" pitchFamily="49" charset="0"/>
-            </a:endParaRPr>
-          </a:p>
-          <a:p>
-            <a:pPr marL="0" marR="0" lvl="0" indent="0" algn="l" defTabSz="914400" rtl="0" eaLnBrk="1" fontAlgn="auto" latinLnBrk="0" hangingPunct="1">
-              <a:lnSpc>
-                <a:spcPct val="100000"/>
-              </a:lnSpc>
-              <a:spcBef>
-                <a:spcPts val="0"/>
-              </a:spcBef>
-              <a:spcAft>
-                <a:spcPts val="0"/>
-              </a:spcAft>
-              <a:buClr>
-                <a:srgbClr val="000000"/>
-              </a:buClr>
-              <a:buSzPts val="1100"/>
-              <a:buFont typeface="Arial"/>
-              <a:buNone/>
-              <a:tabLst/>
-              <a:defRPr/>
-            </a:pPr>
-            <a:r>
-              <a:rPr lang="en-GB" b="0" dirty="0">
-                <a:solidFill>
-                  <a:srgbClr val="D4D4D4"/>
-                </a:solidFill>
-                <a:effectLst/>
-                <a:latin typeface="Consolas" panose="020B0609020204030204" pitchFamily="49" charset="0"/>
-              </a:rPr>
-              <a:t>Let's create our first Project and Project Group.</a:t>
-            </a:r>
-          </a:p>
-          <a:p>
-            <a:pPr marL="0" marR="0" lvl="0" indent="0" algn="l" defTabSz="914400" rtl="0" eaLnBrk="1" fontAlgn="auto" latinLnBrk="0" hangingPunct="1">
-              <a:lnSpc>
-                <a:spcPct val="100000"/>
-              </a:lnSpc>
-              <a:spcBef>
-                <a:spcPts val="0"/>
-              </a:spcBef>
-              <a:spcAft>
-                <a:spcPts val="0"/>
-              </a:spcAft>
-              <a:buClr>
-                <a:srgbClr val="000000"/>
-              </a:buClr>
-              <a:buSzPts val="1100"/>
-              <a:buFont typeface="Arial"/>
-              <a:buNone/>
-              <a:tabLst/>
-              <a:defRPr/>
-            </a:pPr>
-            <a:endParaRPr lang="en-GB" b="0" dirty="0">
-              <a:solidFill>
-                <a:srgbClr val="D4D4D4"/>
-              </a:solidFill>
-              <a:effectLst/>
-              <a:latin typeface="Consolas" panose="020B0609020204030204" pitchFamily="49" charset="0"/>
-            </a:endParaRPr>
-          </a:p>
-          <a:p>
-            <a:pPr marL="0" marR="0" lvl="0" indent="0" algn="l" defTabSz="914400" rtl="0" eaLnBrk="1" fontAlgn="auto" latinLnBrk="0" hangingPunct="1">
-              <a:lnSpc>
-                <a:spcPct val="100000"/>
-              </a:lnSpc>
-              <a:spcBef>
-                <a:spcPts val="0"/>
-              </a:spcBef>
-              <a:spcAft>
-                <a:spcPts val="0"/>
-              </a:spcAft>
-              <a:buClr>
-                <a:srgbClr val="000000"/>
-              </a:buClr>
-              <a:buSzPts val="1100"/>
-              <a:buFont typeface="Arial"/>
-              <a:buNone/>
-              <a:tabLst/>
-              <a:defRPr/>
-            </a:pPr>
-            <a:r>
-              <a:rPr lang="en-GB" b="0" dirty="0">
-                <a:solidFill>
-                  <a:srgbClr val="D4D4D4"/>
-                </a:solidFill>
-                <a:effectLst/>
-                <a:latin typeface="Consolas" panose="020B0609020204030204" pitchFamily="49" charset="0"/>
-              </a:rPr>
-              <a:t>DEMO</a:t>
-            </a:r>
-          </a:p>
-          <a:p>
-            <a:pPr marL="0" lvl="0" indent="0" algn="l" rtl="0">
-              <a:spcBef>
-                <a:spcPts val="0"/>
-              </a:spcBef>
-              <a:spcAft>
-                <a:spcPts val="0"/>
-              </a:spcAft>
-              <a:buNone/>
-            </a:pPr>
-            <a:endParaRPr dirty="0"/>
-          </a:p>
-        </p:txBody>
-      </p:sp>
-    </p:spTree>
-    <p:extLst>
-      <p:ext uri="{BB962C8B-B14F-4D97-AF65-F5344CB8AC3E}">
-        <p14:creationId xmlns:p14="http://schemas.microsoft.com/office/powerpoint/2010/main" val="2431361088"/>
-      </p:ext>
-    </p:extLst>
-  </p:cSld>
-  <p:clrMapOvr>
-    <a:masterClrMapping/>
-  </p:clrMapOvr>
-</p:notes>
-</file>
-
-<file path=ppt/notesSlides/notesSlide7.xml><?xml version="1.0" encoding="utf-8"?>
-<p:notes xmlns:a="http://schemas.openxmlformats.org/drawingml/2006/main" xmlns:r="http://schemas.openxmlformats.org/officeDocument/2006/relationships" xmlns:p="http://schemas.openxmlformats.org/presentationml/2006/main">
-  <p:cSld>
-    <p:spTree>
-      <p:nvGrpSpPr>
-        <p:cNvPr id="1" name=""/>
-        <p:cNvGrpSpPr/>
-        <p:nvPr/>
-      </p:nvGrpSpPr>
-      <p:grpSpPr>
-        <a:xfrm>
-          <a:off x="0" y="0"/>
-          <a:ext cx="0" cy="0"/>
-          <a:chOff x="0" y="0"/>
-          <a:chExt cx="0" cy="0"/>
-        </a:xfrm>
-      </p:grpSpPr>
-      <p:sp>
-        <p:nvSpPr>
-          <p:cNvPr id="2" name="Slide Image Placeholder 1"/>
-          <p:cNvSpPr>
-            <a:spLocks noGrp="1" noRot="1" noChangeAspect="1"/>
-          </p:cNvSpPr>
-          <p:nvPr>
-            <p:ph type="sldImg"/>
-          </p:nvPr>
-        </p:nvSpPr>
-        <p:spPr>
-          <a:xfrm>
-            <a:off x="381000" y="685800"/>
-            <a:ext cx="6096000" cy="3429000"/>
-          </a:xfrm>
-        </p:spPr>
-      </p:sp>
-      <p:sp>
-        <p:nvSpPr>
-          <p:cNvPr id="3" name="Notes Placeholder 2"/>
-          <p:cNvSpPr>
-            <a:spLocks noGrp="1"/>
-          </p:cNvSpPr>
-          <p:nvPr>
-            <p:ph type="body" idx="1"/>
-          </p:nvPr>
-        </p:nvSpPr>
-        <p:spPr/>
-        <p:txBody>
-          <a:bodyPr/>
-          <a:lstStyle/>
+            <a:br>
+              <a:rPr lang="en-GB" b="0" dirty="0">
+                <a:solidFill>
+                  <a:srgbClr val="D4D4D4"/>
+                </a:solidFill>
+                <a:effectLst/>
+                <a:latin typeface="Consolas" panose="020B0609020204030204" pitchFamily="49" charset="0"/>
+              </a:rPr>
+            </a:br>
+            <a:r>
+              <a:rPr lang="en-GB" b="0" dirty="0">
+                <a:solidFill>
+                  <a:srgbClr val="6796E6"/>
+                </a:solidFill>
+                <a:effectLst/>
+                <a:latin typeface="Consolas" panose="020B0609020204030204" pitchFamily="49" charset="0"/>
+              </a:rPr>
+              <a:t>-</a:t>
+            </a:r>
+            <a:r>
+              <a:rPr lang="en-GB" b="0" dirty="0">
+                <a:solidFill>
+                  <a:srgbClr val="D4D4D4"/>
+                </a:solidFill>
+                <a:effectLst/>
+                <a:latin typeface="Consolas" panose="020B0609020204030204" pitchFamily="49" charset="0"/>
+              </a:rPr>
+              <a:t> When creating your deployment process, don't make any assumptions about your target environment. Aim to include steps to install and configure any dependencies. Or, at the very least, verify that those dependencies have already been pre-</a:t>
+            </a:r>
+            <a:r>
+              <a:rPr lang="en-GB" b="0" dirty="0" err="1">
+                <a:solidFill>
+                  <a:srgbClr val="D4D4D4"/>
+                </a:solidFill>
+                <a:effectLst/>
+                <a:latin typeface="Consolas" panose="020B0609020204030204" pitchFamily="49" charset="0"/>
+              </a:rPr>
+              <a:t>intalled</a:t>
+            </a:r>
+            <a:r>
+              <a:rPr lang="en-GB" b="0" dirty="0">
+                <a:solidFill>
+                  <a:srgbClr val="D4D4D4"/>
+                </a:solidFill>
+                <a:effectLst/>
+                <a:latin typeface="Consolas" panose="020B0609020204030204" pitchFamily="49" charset="0"/>
+              </a:rPr>
+              <a:t> and set up appropriately.</a:t>
+            </a:r>
+          </a:p>
           <a:p>
             <a:pPr marL="158750" indent="0">
               <a:buNone/>
@@ -1730,286 +3170,28 @@
             <a:r>
               <a:rPr lang="en-GB" b="0" dirty="0">
                 <a:solidFill>
-                  <a:srgbClr val="D4D4D4"/>
-                </a:solidFill>
-                <a:effectLst/>
-                <a:latin typeface="Consolas" panose="020B0609020204030204" pitchFamily="49" charset="0"/>
-              </a:rPr>
-              <a:t>Navigate to the Projects page in the Octopus Deploy interface and click "ADD GROUP", enter a name and click "SAVE".</a:t>
+                  <a:srgbClr val="6796E6"/>
+                </a:solidFill>
+                <a:effectLst/>
+                <a:latin typeface="Consolas" panose="020B0609020204030204" pitchFamily="49" charset="0"/>
+              </a:rPr>
+              <a:t>-</a:t>
+            </a:r>
+            <a:r>
+              <a:rPr lang="en-GB" b="0" dirty="0">
+                <a:solidFill>
+                  <a:srgbClr val="D4D4D4"/>
+                </a:solidFill>
+                <a:effectLst/>
+                <a:latin typeface="Consolas" panose="020B0609020204030204" pitchFamily="49" charset="0"/>
+              </a:rPr>
+              <a:t> After any Steps that deploy your code, add Steps to execute some smoke tests to verify that everything is set up and working as expected.</a:t>
             </a:r>
           </a:p>
           <a:p>
             <a:pPr marL="158750" indent="0">
               <a:buNone/>
             </a:pPr>
-            <a:br>
-              <a:rPr lang="en-GB" b="0" dirty="0">
-                <a:solidFill>
-                  <a:srgbClr val="D4D4D4"/>
-                </a:solidFill>
-                <a:effectLst/>
-                <a:latin typeface="Consolas" panose="020B0609020204030204" pitchFamily="49" charset="0"/>
-              </a:rPr>
-            </a:br>
-            <a:r>
-              <a:rPr lang="en-GB" b="0" dirty="0">
-                <a:solidFill>
-                  <a:srgbClr val="D4D4D4"/>
-                </a:solidFill>
-                <a:effectLst/>
-                <a:latin typeface="Consolas" panose="020B0609020204030204" pitchFamily="49" charset="0"/>
-              </a:rPr>
-              <a:t>[Name is "Fundamentals Demos"]</a:t>
-            </a:r>
-          </a:p>
-          <a:p>
-            <a:pPr marL="158750" indent="0">
-              <a:buNone/>
-            </a:pPr>
-            <a:br>
-              <a:rPr lang="en-GB" b="0" dirty="0">
-                <a:solidFill>
-                  <a:srgbClr val="D4D4D4"/>
-                </a:solidFill>
-                <a:effectLst/>
-                <a:latin typeface="Consolas" panose="020B0609020204030204" pitchFamily="49" charset="0"/>
-              </a:rPr>
-            </a:br>
-            <a:r>
-              <a:rPr lang="en-GB" b="0" dirty="0">
-                <a:solidFill>
-                  <a:srgbClr val="D4D4D4"/>
-                </a:solidFill>
-                <a:effectLst/>
-                <a:latin typeface="Consolas" panose="020B0609020204030204" pitchFamily="49" charset="0"/>
-              </a:rPr>
-              <a:t>Now click "ADD PROJECT", provide a name for this component, and click "SAVE". You've just created your first project.</a:t>
-            </a:r>
-          </a:p>
-          <a:p>
-            <a:pPr marL="158750" indent="0">
-              <a:buNone/>
-            </a:pPr>
-            <a:br>
-              <a:rPr lang="en-GB" b="0" dirty="0">
-                <a:solidFill>
-                  <a:srgbClr val="D4D4D4"/>
-                </a:solidFill>
-                <a:effectLst/>
-                <a:latin typeface="Consolas" panose="020B0609020204030204" pitchFamily="49" charset="0"/>
-              </a:rPr>
-            </a:br>
-            <a:r>
-              <a:rPr lang="en-GB" b="0" dirty="0">
-                <a:solidFill>
-                  <a:srgbClr val="D4D4D4"/>
-                </a:solidFill>
-                <a:effectLst/>
-                <a:latin typeface="Consolas" panose="020B0609020204030204" pitchFamily="49" charset="0"/>
-              </a:rPr>
-              <a:t>[Name is "Random Quotes"]</a:t>
-            </a:r>
-          </a:p>
-          <a:p>
-            <a:pPr marL="158750" indent="0">
-              <a:buNone/>
-            </a:pPr>
-            <a:br>
-              <a:rPr lang="en-GB" b="0" dirty="0">
-                <a:solidFill>
-                  <a:srgbClr val="D4D4D4"/>
-                </a:solidFill>
-                <a:effectLst/>
-                <a:latin typeface="Consolas" panose="020B0609020204030204" pitchFamily="49" charset="0"/>
-              </a:rPr>
-            </a:br>
-            <a:r>
-              <a:rPr lang="en-GB" b="0" dirty="0">
-                <a:solidFill>
-                  <a:srgbClr val="D4D4D4"/>
-                </a:solidFill>
-                <a:effectLst/>
-                <a:latin typeface="Consolas" panose="020B0609020204030204" pitchFamily="49" charset="0"/>
-              </a:rPr>
-              <a:t>Let's start by reviewing the settings for our Project.</a:t>
-            </a:r>
-          </a:p>
-          <a:p>
-            <a:pPr marL="158750" indent="0">
-              <a:buNone/>
-            </a:pPr>
-            <a:br>
-              <a:rPr lang="en-GB" b="0" dirty="0">
-                <a:solidFill>
-                  <a:srgbClr val="D4D4D4"/>
-                </a:solidFill>
-                <a:effectLst/>
-                <a:latin typeface="Consolas" panose="020B0609020204030204" pitchFamily="49" charset="0"/>
-              </a:rPr>
-            </a:br>
-            <a:r>
-              <a:rPr lang="en-GB" b="0" dirty="0">
-                <a:solidFill>
-                  <a:srgbClr val="D4D4D4"/>
-                </a:solidFill>
-                <a:effectLst/>
-                <a:latin typeface="Consolas" panose="020B0609020204030204" pitchFamily="49" charset="0"/>
-              </a:rPr>
-              <a:t>On the settings page we can upload a logo for the Project, and enter a description. The description supports markdown, allowing us to add relevant hyperlinks, such as the source code, build server, documentation pages or whatever else may be useful to Project maintainers.</a:t>
-            </a:r>
-          </a:p>
-          <a:p>
-            <a:pPr marL="158750" indent="0">
-              <a:buNone/>
-            </a:pPr>
-            <a:br>
-              <a:rPr lang="en-GB" b="0" dirty="0">
-                <a:solidFill>
-                  <a:srgbClr val="D4D4D4"/>
-                </a:solidFill>
-                <a:effectLst/>
-                <a:latin typeface="Consolas" panose="020B0609020204030204" pitchFamily="49" charset="0"/>
-              </a:rPr>
-            </a:br>
-            <a:r>
-              <a:rPr lang="en-GB" b="0" dirty="0">
-                <a:solidFill>
-                  <a:srgbClr val="D4D4D4"/>
-                </a:solidFill>
-                <a:effectLst/>
-                <a:latin typeface="Consolas" panose="020B0609020204030204" pitchFamily="49" charset="0"/>
-              </a:rPr>
-              <a:t>After saving the page, we can see that the image and description have been updated, including any hyperlinks.</a:t>
-            </a:r>
-          </a:p>
-          <a:p>
-            <a:endParaRPr lang="en-GB" dirty="0"/>
-          </a:p>
-        </p:txBody>
-      </p:sp>
-    </p:spTree>
-    <p:extLst>
-      <p:ext uri="{BB962C8B-B14F-4D97-AF65-F5344CB8AC3E}">
-        <p14:creationId xmlns:p14="http://schemas.microsoft.com/office/powerpoint/2010/main" val="995955846"/>
-      </p:ext>
-    </p:extLst>
-  </p:cSld>
-  <p:clrMapOvr>
-    <a:masterClrMapping/>
-  </p:clrMapOvr>
-</p:notes>
-</file>
-
-<file path=ppt/notesSlides/notesSlide8.xml><?xml version="1.0" encoding="utf-8"?>
-<p:notes xmlns:a="http://schemas.openxmlformats.org/drawingml/2006/main" xmlns:r="http://schemas.openxmlformats.org/officeDocument/2006/relationships" xmlns:p="http://schemas.openxmlformats.org/presentationml/2006/main" showMasterSp="0" showMasterPhAnim="0">
-  <p:cSld>
-    <p:spTree>
-      <p:nvGrpSpPr>
-        <p:cNvPr id="1" name="Shape 53"/>
-        <p:cNvGrpSpPr/>
-        <p:nvPr/>
-      </p:nvGrpSpPr>
-      <p:grpSpPr>
-        <a:xfrm>
-          <a:off x="0" y="0"/>
-          <a:ext cx="0" cy="0"/>
-          <a:chOff x="0" y="0"/>
-          <a:chExt cx="0" cy="0"/>
-        </a:xfrm>
-      </p:grpSpPr>
-      <p:sp>
-        <p:nvSpPr>
-          <p:cNvPr id="54" name="Google Shape;54;g10e8f13418e_0_6:notes"/>
-          <p:cNvSpPr>
-            <a:spLocks noGrp="1" noRot="1" noChangeAspect="1"/>
-          </p:cNvSpPr>
-          <p:nvPr>
-            <p:ph type="sldImg" idx="2"/>
-          </p:nvPr>
-        </p:nvSpPr>
-        <p:spPr>
-          <a:xfrm>
-            <a:off x="381000" y="685800"/>
-            <a:ext cx="6096000" cy="3429000"/>
-          </a:xfrm>
-          <a:custGeom>
-            <a:avLst/>
-            <a:gdLst/>
-            <a:ahLst/>
-            <a:cxnLst/>
-            <a:rect l="l" t="t" r="r" b="b"/>
-            <a:pathLst>
-              <a:path w="120000" h="120000" extrusionOk="0">
-                <a:moveTo>
-                  <a:pt x="0" y="0"/>
-                </a:moveTo>
-                <a:lnTo>
-                  <a:pt x="120000" y="0"/>
-                </a:lnTo>
-                <a:lnTo>
-                  <a:pt x="120000" y="120000"/>
-                </a:lnTo>
-                <a:lnTo>
-                  <a:pt x="0" y="120000"/>
-                </a:lnTo>
-                <a:close/>
-              </a:path>
-            </a:pathLst>
-          </a:custGeom>
-        </p:spPr>
-      </p:sp>
-      <p:sp>
-        <p:nvSpPr>
-          <p:cNvPr id="55" name="Google Shape;55;g10e8f13418e_0_6:notes"/>
-          <p:cNvSpPr txBox="1">
-            <a:spLocks noGrp="1"/>
-          </p:cNvSpPr>
-          <p:nvPr>
-            <p:ph type="body" idx="1"/>
-          </p:nvPr>
-        </p:nvSpPr>
-        <p:spPr>
-          <a:xfrm>
-            <a:off x="685800" y="4343400"/>
-            <a:ext cx="5486400" cy="4114800"/>
-          </a:xfrm>
-          <a:prstGeom prst="rect">
-            <a:avLst/>
-          </a:prstGeom>
-        </p:spPr>
-        <p:txBody>
-          <a:bodyPr spcFirstLastPara="1" wrap="square" lIns="91425" tIns="91425" rIns="91425" bIns="91425" anchor="t" anchorCtr="0">
-            <a:noAutofit/>
-          </a:bodyPr>
-          <a:lstStyle/>
-          <a:p>
-            <a:pPr marL="158750" indent="0">
-              <a:buNone/>
-            </a:pPr>
-            <a:r>
-              <a:rPr lang="en-GB" b="0" dirty="0">
-                <a:solidFill>
-                  <a:srgbClr val="D4D4D4"/>
-                </a:solidFill>
-                <a:effectLst/>
-                <a:latin typeface="Consolas" panose="020B0609020204030204" pitchFamily="49" charset="0"/>
-              </a:rPr>
-              <a:t>Consider the following advice when setting up your own projects:</a:t>
-            </a:r>
-          </a:p>
-          <a:p>
-            <a:pPr marL="158750" indent="0">
-              <a:buNone/>
-            </a:pPr>
-            <a:br>
-              <a:rPr lang="en-GB" b="0" dirty="0">
-                <a:solidFill>
-                  <a:srgbClr val="D4D4D4"/>
-                </a:solidFill>
-                <a:effectLst/>
-                <a:latin typeface="Consolas" panose="020B0609020204030204" pitchFamily="49" charset="0"/>
-              </a:rPr>
-            </a:br>
             <a:r>
               <a:rPr lang="en-GB" b="0" dirty="0">
                 <a:solidFill>
@@ -2028,77 +3210,7 @@
                 <a:effectLst/>
                 <a:latin typeface="Consolas" panose="020B0609020204030204" pitchFamily="49" charset="0"/>
               </a:rPr>
-              <a:t> [Use concise names] Use concise names. Brevity goes a long when naming Projects.</a:t>
-            </a:r>
-          </a:p>
-          <a:p>
-            <a:pPr marL="158750" indent="0">
-              <a:buNone/>
-            </a:pPr>
-            <a:r>
-              <a:rPr lang="en-GB" b="0" dirty="0">
-                <a:solidFill>
-                  <a:srgbClr val="6796E6"/>
-                </a:solidFill>
-                <a:effectLst/>
-                <a:latin typeface="Consolas" panose="020B0609020204030204" pitchFamily="49" charset="0"/>
-              </a:rPr>
-              <a:t>-</a:t>
-            </a:r>
-            <a:r>
-              <a:rPr lang="en-GB" b="0" dirty="0">
-                <a:solidFill>
-                  <a:srgbClr val="D4D4D4"/>
-                </a:solidFill>
-                <a:effectLst/>
-                <a:latin typeface="Consolas" panose="020B0609020204030204" pitchFamily="49" charset="0"/>
-              </a:rPr>
-              <a:t> [Automate all the things] Aim to automate the </a:t>
-            </a:r>
-            <a:r>
-              <a:rPr lang="en-GB" b="0" dirty="0" err="1">
-                <a:solidFill>
-                  <a:srgbClr val="D4D4D4"/>
-                </a:solidFill>
-                <a:effectLst/>
-                <a:latin typeface="Consolas" panose="020B0609020204030204" pitchFamily="49" charset="0"/>
-              </a:rPr>
-              <a:t>deployent</a:t>
-            </a:r>
-            <a:r>
-              <a:rPr lang="en-GB" b="0" dirty="0">
-                <a:solidFill>
-                  <a:srgbClr val="D4D4D4"/>
-                </a:solidFill>
-                <a:effectLst/>
-                <a:latin typeface="Consolas" panose="020B0609020204030204" pitchFamily="49" charset="0"/>
-              </a:rPr>
-              <a:t> of every part of the system. If the website updates are automated through Octopus, but deployments are regularly blocked on manual database updates, you'll need to automate the database steps to unleash Octopus's full potential.</a:t>
-            </a:r>
-          </a:p>
-          <a:p>
-            <a:pPr marL="158750" indent="0">
-              <a:buNone/>
-            </a:pPr>
-            <a:r>
-              <a:rPr lang="en-GB" b="0" dirty="0">
-                <a:solidFill>
-                  <a:srgbClr val="6796E6"/>
-                </a:solidFill>
-                <a:effectLst/>
-                <a:latin typeface="Consolas" panose="020B0609020204030204" pitchFamily="49" charset="0"/>
-              </a:rPr>
-              <a:t>-</a:t>
-            </a:r>
-            <a:r>
-              <a:rPr lang="en-GB" b="0" dirty="0">
-                <a:solidFill>
-                  <a:srgbClr val="D4D4D4"/>
-                </a:solidFill>
-                <a:effectLst/>
-                <a:latin typeface="Consolas" panose="020B0609020204030204" pitchFamily="49" charset="0"/>
-              </a:rPr>
-              <a:t> [Break up big projects] If separate components of a system can be deployed independently, break them up into separate projects. Smaller projects are simpler, easier to govern and maintain, and both faster and safer to deploy.</a:t>
+              <a:t> Take advantage of run conditions to toggle which steps are executed in each environment. It's far preferable to maintain a single process that can be deployed to all environments, than to maintain separate processes for deploying to different environments.  </a:t>
             </a:r>
           </a:p>
           <a:p>
@@ -6148,7 +7260,7 @@
             </a:pPr>
             <a:r>
               <a:rPr lang="en" sz="1200" dirty="0"/>
-              <a:t>Class 1: Deployment Process</a:t>
+              <a:t>Class 2: Deployment Process</a:t>
             </a:r>
             <a:endParaRPr sz="1200" dirty="0"/>
           </a:p>
@@ -6946,6 +8058,452 @@
   <p:cSld>
     <p:spTree>
       <p:nvGrpSpPr>
+        <p:cNvPr id="1" name="Shape 56"/>
+        <p:cNvGrpSpPr/>
+        <p:nvPr/>
+      </p:nvGrpSpPr>
+      <p:grpSpPr>
+        <a:xfrm>
+          <a:off x="0" y="0"/>
+          <a:ext cx="0" cy="0"/>
+          <a:chOff x="0" y="0"/>
+          <a:chExt cx="0" cy="0"/>
+        </a:xfrm>
+      </p:grpSpPr>
+      <p:sp>
+        <p:nvSpPr>
+          <p:cNvPr id="58" name="Google Shape;58;p13"/>
+          <p:cNvSpPr txBox="1">
+            <a:spLocks noGrp="1"/>
+          </p:cNvSpPr>
+          <p:nvPr>
+            <p:ph type="body" idx="1"/>
+          </p:nvPr>
+        </p:nvSpPr>
+        <p:spPr>
+          <a:xfrm>
+            <a:off x="2871821" y="1171575"/>
+            <a:ext cx="5951700" cy="2526134"/>
+          </a:xfrm>
+          <a:prstGeom prst="rect">
+            <a:avLst/>
+          </a:prstGeom>
+        </p:spPr>
+        <p:txBody>
+          <a:bodyPr spcFirstLastPara="1" wrap="square" lIns="91425" tIns="91425" rIns="91425" bIns="91425" anchor="t" anchorCtr="0">
+            <a:noAutofit/>
+          </a:bodyPr>
+          <a:lstStyle/>
+          <a:p>
+            <a:pPr marL="457200" lvl="0" indent="-349250" algn="l" rtl="0">
+              <a:spcBef>
+                <a:spcPts val="0"/>
+              </a:spcBef>
+              <a:spcAft>
+                <a:spcPts val="0"/>
+              </a:spcAft>
+              <a:buSzPts val="1900"/>
+              <a:buChar char="●"/>
+            </a:pPr>
+            <a:r>
+              <a:rPr lang="en-GB" sz="2400" dirty="0"/>
+              <a:t>A consistent, repeatable process</a:t>
+            </a:r>
+            <a:br>
+              <a:rPr lang="en-GB" sz="2400" dirty="0"/>
+            </a:br>
+            <a:r>
+              <a:rPr lang="en-GB" sz="2400" dirty="0"/>
+              <a:t>	</a:t>
+            </a:r>
+          </a:p>
+          <a:p>
+            <a:pPr marL="457200" lvl="0" indent="-349250" algn="l" rtl="0">
+              <a:spcBef>
+                <a:spcPts val="0"/>
+              </a:spcBef>
+              <a:spcAft>
+                <a:spcPts val="0"/>
+              </a:spcAft>
+              <a:buSzPts val="1900"/>
+              <a:buChar char="●"/>
+            </a:pPr>
+            <a:r>
+              <a:rPr lang="en-GB" sz="2400" dirty="0"/>
+              <a:t>Steps:</a:t>
+            </a:r>
+          </a:p>
+          <a:p>
+            <a:pPr lvl="1" indent="-349250">
+              <a:buSzPts val="1900"/>
+              <a:buChar char="●"/>
+            </a:pPr>
+            <a:r>
+              <a:rPr lang="en-GB" sz="2000" dirty="0"/>
+              <a:t>Run a Script</a:t>
+            </a:r>
+          </a:p>
+          <a:p>
+            <a:pPr lvl="1" indent="-349250">
+              <a:buSzPts val="1900"/>
+              <a:buChar char="●"/>
+            </a:pPr>
+            <a:r>
+              <a:rPr lang="en-GB" sz="2000" dirty="0"/>
+              <a:t>Deploy a Package</a:t>
+            </a:r>
+            <a:br>
+              <a:rPr lang="en-GB" sz="2000" dirty="0"/>
+            </a:br>
+            <a:endParaRPr lang="en-GB" sz="2000" dirty="0"/>
+          </a:p>
+          <a:p>
+            <a:pPr marL="457200" lvl="0" indent="-349250" algn="l" rtl="0">
+              <a:spcBef>
+                <a:spcPts val="0"/>
+              </a:spcBef>
+              <a:spcAft>
+                <a:spcPts val="0"/>
+              </a:spcAft>
+              <a:buSzPts val="1900"/>
+              <a:buChar char="●"/>
+            </a:pPr>
+            <a:r>
+              <a:rPr lang="en-GB" sz="2400" dirty="0"/>
+              <a:t>Built-in vs Community Step Templates</a:t>
+            </a:r>
+          </a:p>
+        </p:txBody>
+      </p:sp>
+    </p:spTree>
+    <p:extLst>
+      <p:ext uri="{BB962C8B-B14F-4D97-AF65-F5344CB8AC3E}">
+        <p14:creationId xmlns:p14="http://schemas.microsoft.com/office/powerpoint/2010/main" val="2914358682"/>
+      </p:ext>
+    </p:extLst>
+  </p:cSld>
+  <p:clrMapOvr>
+    <a:masterClrMapping/>
+  </p:clrMapOvr>
+  <mc:AlternateContent xmlns:mc="http://schemas.openxmlformats.org/markup-compatibility/2006" xmlns:p14="http://schemas.microsoft.com/office/powerpoint/2010/main">
+    <mc:Choice Requires="p14">
+      <p:transition spd="med" p14:dur="700">
+        <p:fade/>
+      </p:transition>
+    </mc:Choice>
+    <mc:Fallback xmlns="">
+      <p:transition spd="med">
+        <p:fade/>
+      </p:transition>
+    </mc:Fallback>
+  </mc:AlternateContent>
+  <p:timing>
+    <p:tnLst>
+      <p:par>
+        <p:cTn id="1" dur="indefinite" restart="never" nodeType="tmRoot">
+          <p:childTnLst>
+            <p:seq concurrent="1" nextAc="seek">
+              <p:cTn id="2" dur="indefinite" nodeType="mainSeq">
+                <p:childTnLst>
+                  <p:par>
+                    <p:cTn id="3" fill="hold">
+                      <p:stCondLst>
+                        <p:cond delay="indefinite"/>
+                      </p:stCondLst>
+                      <p:childTnLst>
+                        <p:par>
+                          <p:cTn id="4" fill="hold">
+                            <p:stCondLst>
+                              <p:cond delay="0"/>
+                            </p:stCondLst>
+                            <p:childTnLst>
+                              <p:par>
+                                <p:cTn id="5" presetID="10" presetClass="entr" presetSubtype="0" fill="hold" nodeType="clickEffect">
+                                  <p:stCondLst>
+                                    <p:cond delay="0"/>
+                                  </p:stCondLst>
+                                  <p:childTnLst>
+                                    <p:set>
+                                      <p:cBhvr>
+                                        <p:cTn id="6" dur="1" fill="hold">
+                                          <p:stCondLst>
+                                            <p:cond delay="0"/>
+                                          </p:stCondLst>
+                                        </p:cTn>
+                                        <p:tgtEl>
+                                          <p:spTgt spid="58">
+                                            <p:txEl>
+                                              <p:pRg st="0" end="0"/>
+                                            </p:txEl>
+                                          </p:spTgt>
+                                        </p:tgtEl>
+                                        <p:attrNameLst>
+                                          <p:attrName>style.visibility</p:attrName>
+                                        </p:attrNameLst>
+                                      </p:cBhvr>
+                                      <p:to>
+                                        <p:strVal val="visible"/>
+                                      </p:to>
+                                    </p:set>
+                                    <p:animEffect transition="in" filter="fade">
+                                      <p:cBhvr>
+                                        <p:cTn id="7" dur="500"/>
+                                        <p:tgtEl>
+                                          <p:spTgt spid="58">
+                                            <p:txEl>
+                                              <p:pRg st="0" end="0"/>
+                                            </p:txEl>
+                                          </p:spTgt>
+                                        </p:tgtEl>
+                                      </p:cBhvr>
+                                    </p:animEffect>
+                                  </p:childTnLst>
+                                </p:cTn>
+                              </p:par>
+                            </p:childTnLst>
+                          </p:cTn>
+                        </p:par>
+                      </p:childTnLst>
+                    </p:cTn>
+                  </p:par>
+                  <p:par>
+                    <p:cTn id="8" fill="hold">
+                      <p:stCondLst>
+                        <p:cond delay="indefinite"/>
+                      </p:stCondLst>
+                      <p:childTnLst>
+                        <p:par>
+                          <p:cTn id="9" fill="hold">
+                            <p:stCondLst>
+                              <p:cond delay="0"/>
+                            </p:stCondLst>
+                            <p:childTnLst>
+                              <p:par>
+                                <p:cTn id="10" presetID="10" presetClass="entr" presetSubtype="0" fill="hold" nodeType="clickEffect">
+                                  <p:stCondLst>
+                                    <p:cond delay="0"/>
+                                  </p:stCondLst>
+                                  <p:childTnLst>
+                                    <p:set>
+                                      <p:cBhvr>
+                                        <p:cTn id="11" dur="1" fill="hold">
+                                          <p:stCondLst>
+                                            <p:cond delay="0"/>
+                                          </p:stCondLst>
+                                        </p:cTn>
+                                        <p:tgtEl>
+                                          <p:spTgt spid="58">
+                                            <p:txEl>
+                                              <p:pRg st="1" end="1"/>
+                                            </p:txEl>
+                                          </p:spTgt>
+                                        </p:tgtEl>
+                                        <p:attrNameLst>
+                                          <p:attrName>style.visibility</p:attrName>
+                                        </p:attrNameLst>
+                                      </p:cBhvr>
+                                      <p:to>
+                                        <p:strVal val="visible"/>
+                                      </p:to>
+                                    </p:set>
+                                    <p:animEffect transition="in" filter="fade">
+                                      <p:cBhvr>
+                                        <p:cTn id="12" dur="500"/>
+                                        <p:tgtEl>
+                                          <p:spTgt spid="58">
+                                            <p:txEl>
+                                              <p:pRg st="1" end="1"/>
+                                            </p:txEl>
+                                          </p:spTgt>
+                                        </p:tgtEl>
+                                      </p:cBhvr>
+                                    </p:animEffect>
+                                  </p:childTnLst>
+                                </p:cTn>
+                              </p:par>
+                              <p:par>
+                                <p:cTn id="13" presetID="10" presetClass="entr" presetSubtype="0" fill="hold" nodeType="withEffect">
+                                  <p:stCondLst>
+                                    <p:cond delay="0"/>
+                                  </p:stCondLst>
+                                  <p:childTnLst>
+                                    <p:set>
+                                      <p:cBhvr>
+                                        <p:cTn id="14" dur="1" fill="hold">
+                                          <p:stCondLst>
+                                            <p:cond delay="0"/>
+                                          </p:stCondLst>
+                                        </p:cTn>
+                                        <p:tgtEl>
+                                          <p:spTgt spid="58">
+                                            <p:txEl>
+                                              <p:pRg st="2" end="2"/>
+                                            </p:txEl>
+                                          </p:spTgt>
+                                        </p:tgtEl>
+                                        <p:attrNameLst>
+                                          <p:attrName>style.visibility</p:attrName>
+                                        </p:attrNameLst>
+                                      </p:cBhvr>
+                                      <p:to>
+                                        <p:strVal val="visible"/>
+                                      </p:to>
+                                    </p:set>
+                                    <p:animEffect transition="in" filter="fade">
+                                      <p:cBhvr>
+                                        <p:cTn id="15" dur="500"/>
+                                        <p:tgtEl>
+                                          <p:spTgt spid="58">
+                                            <p:txEl>
+                                              <p:pRg st="2" end="2"/>
+                                            </p:txEl>
+                                          </p:spTgt>
+                                        </p:tgtEl>
+                                      </p:cBhvr>
+                                    </p:animEffect>
+                                  </p:childTnLst>
+                                </p:cTn>
+                              </p:par>
+                              <p:par>
+                                <p:cTn id="16" presetID="10" presetClass="entr" presetSubtype="0" fill="hold" nodeType="withEffect">
+                                  <p:stCondLst>
+                                    <p:cond delay="0"/>
+                                  </p:stCondLst>
+                                  <p:childTnLst>
+                                    <p:set>
+                                      <p:cBhvr>
+                                        <p:cTn id="17" dur="1" fill="hold">
+                                          <p:stCondLst>
+                                            <p:cond delay="0"/>
+                                          </p:stCondLst>
+                                        </p:cTn>
+                                        <p:tgtEl>
+                                          <p:spTgt spid="58">
+                                            <p:txEl>
+                                              <p:pRg st="3" end="3"/>
+                                            </p:txEl>
+                                          </p:spTgt>
+                                        </p:tgtEl>
+                                        <p:attrNameLst>
+                                          <p:attrName>style.visibility</p:attrName>
+                                        </p:attrNameLst>
+                                      </p:cBhvr>
+                                      <p:to>
+                                        <p:strVal val="visible"/>
+                                      </p:to>
+                                    </p:set>
+                                    <p:animEffect transition="in" filter="fade">
+                                      <p:cBhvr>
+                                        <p:cTn id="18" dur="500"/>
+                                        <p:tgtEl>
+                                          <p:spTgt spid="58">
+                                            <p:txEl>
+                                              <p:pRg st="3" end="3"/>
+                                            </p:txEl>
+                                          </p:spTgt>
+                                        </p:tgtEl>
+                                      </p:cBhvr>
+                                    </p:animEffect>
+                                  </p:childTnLst>
+                                </p:cTn>
+                              </p:par>
+                            </p:childTnLst>
+                          </p:cTn>
+                        </p:par>
+                      </p:childTnLst>
+                    </p:cTn>
+                  </p:par>
+                  <p:par>
+                    <p:cTn id="19" fill="hold">
+                      <p:stCondLst>
+                        <p:cond delay="indefinite"/>
+                      </p:stCondLst>
+                      <p:childTnLst>
+                        <p:par>
+                          <p:cTn id="20" fill="hold">
+                            <p:stCondLst>
+                              <p:cond delay="0"/>
+                            </p:stCondLst>
+                            <p:childTnLst>
+                              <p:par>
+                                <p:cTn id="21" presetID="10" presetClass="entr" presetSubtype="0" fill="hold" nodeType="clickEffect">
+                                  <p:stCondLst>
+                                    <p:cond delay="0"/>
+                                  </p:stCondLst>
+                                  <p:childTnLst>
+                                    <p:set>
+                                      <p:cBhvr>
+                                        <p:cTn id="22" dur="1" fill="hold">
+                                          <p:stCondLst>
+                                            <p:cond delay="0"/>
+                                          </p:stCondLst>
+                                        </p:cTn>
+                                        <p:tgtEl>
+                                          <p:spTgt spid="58">
+                                            <p:txEl>
+                                              <p:pRg st="4" end="4"/>
+                                            </p:txEl>
+                                          </p:spTgt>
+                                        </p:tgtEl>
+                                        <p:attrNameLst>
+                                          <p:attrName>style.visibility</p:attrName>
+                                        </p:attrNameLst>
+                                      </p:cBhvr>
+                                      <p:to>
+                                        <p:strVal val="visible"/>
+                                      </p:to>
+                                    </p:set>
+                                    <p:animEffect transition="in" filter="fade">
+                                      <p:cBhvr>
+                                        <p:cTn id="23" dur="500"/>
+                                        <p:tgtEl>
+                                          <p:spTgt spid="58">
+                                            <p:txEl>
+                                              <p:pRg st="4" end="4"/>
+                                            </p:txEl>
+                                          </p:spTgt>
+                                        </p:tgtEl>
+                                      </p:cBhvr>
+                                    </p:animEffect>
+                                  </p:childTnLst>
+                                </p:cTn>
+                              </p:par>
+                            </p:childTnLst>
+                          </p:cTn>
+                        </p:par>
+                      </p:childTnLst>
+                    </p:cTn>
+                  </p:par>
+                </p:childTnLst>
+              </p:cTn>
+              <p:prevCondLst>
+                <p:cond evt="onPrev" delay="0">
+                  <p:tgtEl>
+                    <p:sldTgt/>
+                  </p:tgtEl>
+                </p:cond>
+              </p:prevCondLst>
+              <p:nextCondLst>
+                <p:cond evt="onNext" delay="0">
+                  <p:tgtEl>
+                    <p:sldTgt/>
+                  </p:tgtEl>
+                </p:cond>
+              </p:nextCondLst>
+            </p:seq>
+          </p:childTnLst>
+        </p:cTn>
+      </p:par>
+    </p:tnLst>
+  </p:timing>
+</p:sld>
+</file>
+
+<file path=ppt/slides/slide3.xml><?xml version="1.0" encoding="utf-8"?>
+<p:sld xmlns:a="http://schemas.openxmlformats.org/drawingml/2006/main" xmlns:r="http://schemas.openxmlformats.org/officeDocument/2006/relationships" xmlns:p="http://schemas.openxmlformats.org/presentationml/2006/main">
+  <p:cSld>
+    <p:spTree>
+      <p:nvGrpSpPr>
         <p:cNvPr id="1" name=""/>
         <p:cNvGrpSpPr/>
         <p:nvPr/>
@@ -6988,340 +8546,7 @@
     </p:spTree>
     <p:extLst>
       <p:ext uri="{BB962C8B-B14F-4D97-AF65-F5344CB8AC3E}">
-        <p14:creationId xmlns:p14="http://schemas.microsoft.com/office/powerpoint/2010/main" val="46703598"/>
-      </p:ext>
-    </p:extLst>
-  </p:cSld>
-  <p:clrMapOvr>
-    <a:masterClrMapping/>
-  </p:clrMapOvr>
-  <mc:AlternateContent xmlns:mc="http://schemas.openxmlformats.org/markup-compatibility/2006" xmlns:p14="http://schemas.microsoft.com/office/powerpoint/2010/main">
-    <mc:Choice Requires="p14">
-      <p:transition spd="med" p14:dur="700">
-        <p:fade/>
-      </p:transition>
-    </mc:Choice>
-    <mc:Fallback xmlns="">
-      <p:transition spd="med">
-        <p:fade/>
-      </p:transition>
-    </mc:Fallback>
-  </mc:AlternateContent>
-</p:sld>
-</file>
-
-<file path=ppt/slides/slide3.xml><?xml version="1.0" encoding="utf-8"?>
-<p:sld xmlns:a="http://schemas.openxmlformats.org/drawingml/2006/main" xmlns:r="http://schemas.openxmlformats.org/officeDocument/2006/relationships" xmlns:p="http://schemas.openxmlformats.org/presentationml/2006/main">
-  <p:cSld>
-    <p:spTree>
-      <p:nvGrpSpPr>
-        <p:cNvPr id="1" name="Shape 56"/>
-        <p:cNvGrpSpPr/>
-        <p:nvPr/>
-      </p:nvGrpSpPr>
-      <p:grpSpPr>
-        <a:xfrm>
-          <a:off x="0" y="0"/>
-          <a:ext cx="0" cy="0"/>
-          <a:chOff x="0" y="0"/>
-          <a:chExt cx="0" cy="0"/>
-        </a:xfrm>
-      </p:grpSpPr>
-      <p:sp>
-        <p:nvSpPr>
-          <p:cNvPr id="21" name="Rectangle 20">
-            <a:extLst>
-              <a:ext uri="{FF2B5EF4-FFF2-40B4-BE49-F238E27FC236}">
-                <a16:creationId xmlns:a16="http://schemas.microsoft.com/office/drawing/2014/main" id="{516D30A2-39F4-4AD0-AC87-0DAB450E7712}"/>
-              </a:ext>
-            </a:extLst>
-          </p:cNvPr>
-          <p:cNvSpPr/>
-          <p:nvPr/>
-        </p:nvSpPr>
-        <p:spPr>
-          <a:xfrm>
-            <a:off x="6848624" y="1725773"/>
-            <a:ext cx="1669918" cy="1037607"/>
-          </a:xfrm>
-          <a:prstGeom prst="rect">
-            <a:avLst/>
-          </a:prstGeom>
-          <a:noFill/>
-          <a:ln w="76200">
-            <a:noFill/>
-            <a:miter lim="800000"/>
-          </a:ln>
-        </p:spPr>
-        <p:style>
-          <a:lnRef idx="2">
-            <a:schemeClr val="accent1">
-              <a:shade val="50000"/>
-            </a:schemeClr>
-          </a:lnRef>
-          <a:fillRef idx="1">
-            <a:schemeClr val="accent1"/>
-          </a:fillRef>
-          <a:effectRef idx="0">
-            <a:schemeClr val="accent1"/>
-          </a:effectRef>
-          <a:fontRef idx="minor">
-            <a:schemeClr val="lt1"/>
-          </a:fontRef>
-        </p:style>
-        <p:txBody>
-          <a:bodyPr rtlCol="0" anchor="t"/>
-          <a:lstStyle/>
-          <a:p>
-            <a:r>
-              <a:rPr lang="en-GB" sz="1100" dirty="0">
-                <a:latin typeface="Consolas" panose="020B0609020204030204" pitchFamily="49" charset="0"/>
-              </a:rPr>
-              <a:t>Database</a:t>
-            </a:r>
-            <a:endParaRPr lang="en-GB" sz="1100" dirty="0">
-              <a:solidFill>
-                <a:schemeClr val="accent6"/>
-              </a:solidFill>
-              <a:latin typeface="Consolas" panose="020B0609020204030204" pitchFamily="49" charset="0"/>
-            </a:endParaRPr>
-          </a:p>
-        </p:txBody>
-      </p:sp>
-      <p:sp>
-        <p:nvSpPr>
-          <p:cNvPr id="17" name="Rectangle 16">
-            <a:extLst>
-              <a:ext uri="{FF2B5EF4-FFF2-40B4-BE49-F238E27FC236}">
-                <a16:creationId xmlns:a16="http://schemas.microsoft.com/office/drawing/2014/main" id="{D99FB313-AE7E-46EB-96DD-32A98C640097}"/>
-              </a:ext>
-            </a:extLst>
-          </p:cNvPr>
-          <p:cNvSpPr/>
-          <p:nvPr/>
-        </p:nvSpPr>
-        <p:spPr>
-          <a:xfrm>
-            <a:off x="5060039" y="1725774"/>
-            <a:ext cx="1669918" cy="1037607"/>
-          </a:xfrm>
-          <a:prstGeom prst="rect">
-            <a:avLst/>
-          </a:prstGeom>
-          <a:noFill/>
-          <a:ln w="76200">
-            <a:noFill/>
-            <a:miter lim="800000"/>
-          </a:ln>
-        </p:spPr>
-        <p:style>
-          <a:lnRef idx="2">
-            <a:schemeClr val="accent1">
-              <a:shade val="50000"/>
-            </a:schemeClr>
-          </a:lnRef>
-          <a:fillRef idx="1">
-            <a:schemeClr val="accent1"/>
-          </a:fillRef>
-          <a:effectRef idx="0">
-            <a:schemeClr val="accent1"/>
-          </a:effectRef>
-          <a:fontRef idx="minor">
-            <a:schemeClr val="lt1"/>
-          </a:fontRef>
-        </p:style>
-        <p:txBody>
-          <a:bodyPr rtlCol="0" anchor="t"/>
-          <a:lstStyle/>
-          <a:p>
-            <a:r>
-              <a:rPr lang="en-GB" sz="1100" dirty="0">
-                <a:latin typeface="Consolas" panose="020B0609020204030204" pitchFamily="49" charset="0"/>
-              </a:rPr>
-              <a:t>Service</a:t>
-            </a:r>
-            <a:endParaRPr lang="en-GB" sz="1100" dirty="0">
-              <a:solidFill>
-                <a:schemeClr val="accent6"/>
-              </a:solidFill>
-              <a:latin typeface="Consolas" panose="020B0609020204030204" pitchFamily="49" charset="0"/>
-            </a:endParaRPr>
-          </a:p>
-        </p:txBody>
-      </p:sp>
-      <p:sp>
-        <p:nvSpPr>
-          <p:cNvPr id="20" name="Rectangle 19">
-            <a:extLst>
-              <a:ext uri="{FF2B5EF4-FFF2-40B4-BE49-F238E27FC236}">
-                <a16:creationId xmlns:a16="http://schemas.microsoft.com/office/drawing/2014/main" id="{DBC9E0D9-E69C-4055-A9F2-BF29E344A23A}"/>
-              </a:ext>
-            </a:extLst>
-          </p:cNvPr>
-          <p:cNvSpPr/>
-          <p:nvPr/>
-        </p:nvSpPr>
-        <p:spPr>
-          <a:xfrm>
-            <a:off x="3273557" y="1725775"/>
-            <a:ext cx="1669918" cy="1037607"/>
-          </a:xfrm>
-          <a:prstGeom prst="rect">
-            <a:avLst/>
-          </a:prstGeom>
-          <a:noFill/>
-          <a:ln w="76200">
-            <a:noFill/>
-            <a:miter lim="800000"/>
-          </a:ln>
-        </p:spPr>
-        <p:style>
-          <a:lnRef idx="2">
-            <a:schemeClr val="accent1">
-              <a:shade val="50000"/>
-            </a:schemeClr>
-          </a:lnRef>
-          <a:fillRef idx="1">
-            <a:schemeClr val="accent1"/>
-          </a:fillRef>
-          <a:effectRef idx="0">
-            <a:schemeClr val="accent1"/>
-          </a:effectRef>
-          <a:fontRef idx="minor">
-            <a:schemeClr val="lt1"/>
-          </a:fontRef>
-        </p:style>
-        <p:txBody>
-          <a:bodyPr rtlCol="0" anchor="t"/>
-          <a:lstStyle/>
-          <a:p>
-            <a:r>
-              <a:rPr lang="en-GB" sz="1100" dirty="0">
-                <a:latin typeface="Consolas" panose="020B0609020204030204" pitchFamily="49" charset="0"/>
-              </a:rPr>
-              <a:t>Web portal</a:t>
-            </a:r>
-            <a:endParaRPr lang="en-GB" sz="1100" dirty="0">
-              <a:solidFill>
-                <a:schemeClr val="accent6"/>
-              </a:solidFill>
-              <a:latin typeface="Consolas" panose="020B0609020204030204" pitchFamily="49" charset="0"/>
-            </a:endParaRPr>
-          </a:p>
-        </p:txBody>
-      </p:sp>
-      <p:pic>
-        <p:nvPicPr>
-          <p:cNvPr id="10" name="Graphic 9" descr="Internet with solid fill">
-            <a:extLst>
-              <a:ext uri="{FF2B5EF4-FFF2-40B4-BE49-F238E27FC236}">
-                <a16:creationId xmlns:a16="http://schemas.microsoft.com/office/drawing/2014/main" id="{2E00E9F0-C9B7-4319-9440-8D811CDB8778}"/>
-              </a:ext>
-            </a:extLst>
-          </p:cNvPr>
-          <p:cNvPicPr>
-            <a:picLocks noChangeAspect="1"/>
-          </p:cNvPicPr>
-          <p:nvPr/>
-        </p:nvPicPr>
-        <p:blipFill>
-          <a:blip r:embed="rId3">
-            <a:extLst>
-              <a:ext uri="{96DAC541-7B7A-43D3-8B79-37D633B846F1}">
-                <asvg:svgBlip xmlns:asvg="http://schemas.microsoft.com/office/drawing/2016/SVG/main" r:embed="rId4"/>
-              </a:ext>
-            </a:extLst>
-          </a:blip>
-          <a:stretch>
-            <a:fillRect/>
-          </a:stretch>
-        </p:blipFill>
-        <p:spPr>
-          <a:xfrm>
-            <a:off x="3651316" y="1848982"/>
-            <a:ext cx="914400" cy="914400"/>
-          </a:xfrm>
-          <a:prstGeom prst="rect">
-            <a:avLst/>
-          </a:prstGeom>
-        </p:spPr>
-      </p:pic>
-      <p:pic>
-        <p:nvPicPr>
-          <p:cNvPr id="12" name="Graphic 11" descr="Cmd Terminal with solid fill">
-            <a:extLst>
-              <a:ext uri="{FF2B5EF4-FFF2-40B4-BE49-F238E27FC236}">
-                <a16:creationId xmlns:a16="http://schemas.microsoft.com/office/drawing/2014/main" id="{BC42805B-F436-4492-8C67-B5C11BD975D1}"/>
-              </a:ext>
-            </a:extLst>
-          </p:cNvPr>
-          <p:cNvPicPr>
-            <a:picLocks noChangeAspect="1"/>
-          </p:cNvPicPr>
-          <p:nvPr/>
-        </p:nvPicPr>
-        <p:blipFill>
-          <a:blip r:embed="rId5">
-            <a:extLst>
-              <a:ext uri="{96DAC541-7B7A-43D3-8B79-37D633B846F1}">
-                <asvg:svgBlip xmlns:asvg="http://schemas.microsoft.com/office/drawing/2016/SVG/main" r:embed="rId6"/>
-              </a:ext>
-            </a:extLst>
-          </a:blip>
-          <a:stretch>
-            <a:fillRect/>
-          </a:stretch>
-        </p:blipFill>
-        <p:spPr>
-          <a:xfrm>
-            <a:off x="5494935" y="1848982"/>
-            <a:ext cx="914400" cy="928867"/>
-          </a:xfrm>
-          <a:prstGeom prst="rect">
-            <a:avLst/>
-          </a:prstGeom>
-        </p:spPr>
-      </p:pic>
-      <p:pic>
-        <p:nvPicPr>
-          <p:cNvPr id="14" name="Graphic 13" descr="Database with solid fill">
-            <a:extLst>
-              <a:ext uri="{FF2B5EF4-FFF2-40B4-BE49-F238E27FC236}">
-                <a16:creationId xmlns:a16="http://schemas.microsoft.com/office/drawing/2014/main" id="{F8FDECFF-7DAC-47B9-8E63-266058585BA4}"/>
-              </a:ext>
-            </a:extLst>
-          </p:cNvPr>
-          <p:cNvPicPr>
-            <a:picLocks noChangeAspect="1"/>
-          </p:cNvPicPr>
-          <p:nvPr/>
-        </p:nvPicPr>
-        <p:blipFill>
-          <a:blip r:embed="rId7">
-            <a:extLst>
-              <a:ext uri="{96DAC541-7B7A-43D3-8B79-37D633B846F1}">
-                <asvg:svgBlip xmlns:asvg="http://schemas.microsoft.com/office/drawing/2016/SVG/main" r:embed="rId8"/>
-              </a:ext>
-            </a:extLst>
-          </a:blip>
-          <a:stretch>
-            <a:fillRect/>
-          </a:stretch>
-        </p:blipFill>
-        <p:spPr>
-          <a:xfrm>
-            <a:off x="7226383" y="1854695"/>
-            <a:ext cx="914400" cy="914400"/>
-          </a:xfrm>
-          <a:prstGeom prst="rect">
-            <a:avLst/>
-          </a:prstGeom>
-        </p:spPr>
-      </p:pic>
-    </p:spTree>
-    <p:extLst>
-      <p:ext uri="{BB962C8B-B14F-4D97-AF65-F5344CB8AC3E}">
-        <p14:creationId xmlns:p14="http://schemas.microsoft.com/office/powerpoint/2010/main" val="3900287846"/>
+        <p14:creationId xmlns:p14="http://schemas.microsoft.com/office/powerpoint/2010/main" val="918295653"/>
       </p:ext>
     </p:extLst>
   </p:cSld>
@@ -7362,1466 +8587,6 @@
       </p:grpSpPr>
       <p:sp>
         <p:nvSpPr>
-          <p:cNvPr id="4" name="Rectangle 3">
-            <a:extLst>
-              <a:ext uri="{FF2B5EF4-FFF2-40B4-BE49-F238E27FC236}">
-                <a16:creationId xmlns:a16="http://schemas.microsoft.com/office/drawing/2014/main" id="{76081B0F-E9B5-4D6B-A920-D7CA77CB05F3}"/>
-              </a:ext>
-            </a:extLst>
-          </p:cNvPr>
-          <p:cNvSpPr/>
-          <p:nvPr/>
-        </p:nvSpPr>
-        <p:spPr>
-          <a:xfrm>
-            <a:off x="2748915" y="1308736"/>
-            <a:ext cx="6297930" cy="1634489"/>
-          </a:xfrm>
-          <a:prstGeom prst="rect">
-            <a:avLst/>
-          </a:prstGeom>
-          <a:noFill/>
-          <a:ln w="76200">
-            <a:solidFill>
-              <a:schemeClr val="bg1"/>
-            </a:solidFill>
-            <a:miter lim="800000"/>
-          </a:ln>
-        </p:spPr>
-        <p:style>
-          <a:lnRef idx="2">
-            <a:schemeClr val="accent1">
-              <a:shade val="50000"/>
-            </a:schemeClr>
-          </a:lnRef>
-          <a:fillRef idx="1">
-            <a:schemeClr val="accent1"/>
-          </a:fillRef>
-          <a:effectRef idx="0">
-            <a:schemeClr val="accent1"/>
-          </a:effectRef>
-          <a:fontRef idx="minor">
-            <a:schemeClr val="lt1"/>
-          </a:fontRef>
-        </p:style>
-        <p:txBody>
-          <a:bodyPr rtlCol="0" anchor="t"/>
-          <a:lstStyle/>
-          <a:p>
-            <a:r>
-              <a:rPr lang="en-GB" b="1" dirty="0">
-                <a:latin typeface="Consolas" panose="020B0609020204030204" pitchFamily="49" charset="0"/>
-              </a:rPr>
-              <a:t>Project: </a:t>
-            </a:r>
-            <a:r>
-              <a:rPr lang="en-GB" dirty="0">
-                <a:latin typeface="Consolas" panose="020B0609020204030204" pitchFamily="49" charset="0"/>
-              </a:rPr>
-              <a:t>Accounting System</a:t>
-            </a:r>
-          </a:p>
-        </p:txBody>
-      </p:sp>
-      <p:sp>
-        <p:nvSpPr>
-          <p:cNvPr id="21" name="Rectangle 20">
-            <a:extLst>
-              <a:ext uri="{FF2B5EF4-FFF2-40B4-BE49-F238E27FC236}">
-                <a16:creationId xmlns:a16="http://schemas.microsoft.com/office/drawing/2014/main" id="{516D30A2-39F4-4AD0-AC87-0DAB450E7712}"/>
-              </a:ext>
-            </a:extLst>
-          </p:cNvPr>
-          <p:cNvSpPr/>
-          <p:nvPr/>
-        </p:nvSpPr>
-        <p:spPr>
-          <a:xfrm>
-            <a:off x="6848624" y="1725773"/>
-            <a:ext cx="1669918" cy="1037607"/>
-          </a:xfrm>
-          <a:prstGeom prst="rect">
-            <a:avLst/>
-          </a:prstGeom>
-          <a:noFill/>
-          <a:ln w="76200">
-            <a:noFill/>
-            <a:miter lim="800000"/>
-          </a:ln>
-        </p:spPr>
-        <p:style>
-          <a:lnRef idx="2">
-            <a:schemeClr val="accent1">
-              <a:shade val="50000"/>
-            </a:schemeClr>
-          </a:lnRef>
-          <a:fillRef idx="1">
-            <a:schemeClr val="accent1"/>
-          </a:fillRef>
-          <a:effectRef idx="0">
-            <a:schemeClr val="accent1"/>
-          </a:effectRef>
-          <a:fontRef idx="minor">
-            <a:schemeClr val="lt1"/>
-          </a:fontRef>
-        </p:style>
-        <p:txBody>
-          <a:bodyPr rtlCol="0" anchor="t"/>
-          <a:lstStyle/>
-          <a:p>
-            <a:r>
-              <a:rPr lang="en-GB" sz="1100" dirty="0">
-                <a:latin typeface="Consolas" panose="020B0609020204030204" pitchFamily="49" charset="0"/>
-              </a:rPr>
-              <a:t>Database</a:t>
-            </a:r>
-            <a:endParaRPr lang="en-GB" sz="1100" dirty="0">
-              <a:solidFill>
-                <a:schemeClr val="accent6"/>
-              </a:solidFill>
-              <a:latin typeface="Consolas" panose="020B0609020204030204" pitchFamily="49" charset="0"/>
-            </a:endParaRPr>
-          </a:p>
-        </p:txBody>
-      </p:sp>
-      <p:sp>
-        <p:nvSpPr>
-          <p:cNvPr id="17" name="Rectangle 16">
-            <a:extLst>
-              <a:ext uri="{FF2B5EF4-FFF2-40B4-BE49-F238E27FC236}">
-                <a16:creationId xmlns:a16="http://schemas.microsoft.com/office/drawing/2014/main" id="{D99FB313-AE7E-46EB-96DD-32A98C640097}"/>
-              </a:ext>
-            </a:extLst>
-          </p:cNvPr>
-          <p:cNvSpPr/>
-          <p:nvPr/>
-        </p:nvSpPr>
-        <p:spPr>
-          <a:xfrm>
-            <a:off x="5060039" y="1725774"/>
-            <a:ext cx="1669918" cy="1037607"/>
-          </a:xfrm>
-          <a:prstGeom prst="rect">
-            <a:avLst/>
-          </a:prstGeom>
-          <a:noFill/>
-          <a:ln w="76200">
-            <a:noFill/>
-            <a:miter lim="800000"/>
-          </a:ln>
-        </p:spPr>
-        <p:style>
-          <a:lnRef idx="2">
-            <a:schemeClr val="accent1">
-              <a:shade val="50000"/>
-            </a:schemeClr>
-          </a:lnRef>
-          <a:fillRef idx="1">
-            <a:schemeClr val="accent1"/>
-          </a:fillRef>
-          <a:effectRef idx="0">
-            <a:schemeClr val="accent1"/>
-          </a:effectRef>
-          <a:fontRef idx="minor">
-            <a:schemeClr val="lt1"/>
-          </a:fontRef>
-        </p:style>
-        <p:txBody>
-          <a:bodyPr rtlCol="0" anchor="t"/>
-          <a:lstStyle/>
-          <a:p>
-            <a:r>
-              <a:rPr lang="en-GB" sz="1100" dirty="0">
-                <a:latin typeface="Consolas" panose="020B0609020204030204" pitchFamily="49" charset="0"/>
-              </a:rPr>
-              <a:t>Service</a:t>
-            </a:r>
-            <a:endParaRPr lang="en-GB" sz="1100" dirty="0">
-              <a:solidFill>
-                <a:schemeClr val="accent6"/>
-              </a:solidFill>
-              <a:latin typeface="Consolas" panose="020B0609020204030204" pitchFamily="49" charset="0"/>
-            </a:endParaRPr>
-          </a:p>
-        </p:txBody>
-      </p:sp>
-      <p:sp>
-        <p:nvSpPr>
-          <p:cNvPr id="20" name="Rectangle 19">
-            <a:extLst>
-              <a:ext uri="{FF2B5EF4-FFF2-40B4-BE49-F238E27FC236}">
-                <a16:creationId xmlns:a16="http://schemas.microsoft.com/office/drawing/2014/main" id="{DBC9E0D9-E69C-4055-A9F2-BF29E344A23A}"/>
-              </a:ext>
-            </a:extLst>
-          </p:cNvPr>
-          <p:cNvSpPr/>
-          <p:nvPr/>
-        </p:nvSpPr>
-        <p:spPr>
-          <a:xfrm>
-            <a:off x="3273557" y="1725775"/>
-            <a:ext cx="1669918" cy="1037607"/>
-          </a:xfrm>
-          <a:prstGeom prst="rect">
-            <a:avLst/>
-          </a:prstGeom>
-          <a:noFill/>
-          <a:ln w="76200">
-            <a:noFill/>
-            <a:miter lim="800000"/>
-          </a:ln>
-        </p:spPr>
-        <p:style>
-          <a:lnRef idx="2">
-            <a:schemeClr val="accent1">
-              <a:shade val="50000"/>
-            </a:schemeClr>
-          </a:lnRef>
-          <a:fillRef idx="1">
-            <a:schemeClr val="accent1"/>
-          </a:fillRef>
-          <a:effectRef idx="0">
-            <a:schemeClr val="accent1"/>
-          </a:effectRef>
-          <a:fontRef idx="minor">
-            <a:schemeClr val="lt1"/>
-          </a:fontRef>
-        </p:style>
-        <p:txBody>
-          <a:bodyPr rtlCol="0" anchor="t"/>
-          <a:lstStyle/>
-          <a:p>
-            <a:r>
-              <a:rPr lang="en-GB" sz="1100" dirty="0">
-                <a:latin typeface="Consolas" panose="020B0609020204030204" pitchFamily="49" charset="0"/>
-              </a:rPr>
-              <a:t>Web portal</a:t>
-            </a:r>
-            <a:endParaRPr lang="en-GB" sz="1100" dirty="0">
-              <a:solidFill>
-                <a:schemeClr val="accent6"/>
-              </a:solidFill>
-              <a:latin typeface="Consolas" panose="020B0609020204030204" pitchFamily="49" charset="0"/>
-            </a:endParaRPr>
-          </a:p>
-        </p:txBody>
-      </p:sp>
-      <p:pic>
-        <p:nvPicPr>
-          <p:cNvPr id="10" name="Graphic 9" descr="Internet with solid fill">
-            <a:extLst>
-              <a:ext uri="{FF2B5EF4-FFF2-40B4-BE49-F238E27FC236}">
-                <a16:creationId xmlns:a16="http://schemas.microsoft.com/office/drawing/2014/main" id="{2E00E9F0-C9B7-4319-9440-8D811CDB8778}"/>
-              </a:ext>
-            </a:extLst>
-          </p:cNvPr>
-          <p:cNvPicPr>
-            <a:picLocks noChangeAspect="1"/>
-          </p:cNvPicPr>
-          <p:nvPr/>
-        </p:nvPicPr>
-        <p:blipFill>
-          <a:blip r:embed="rId3">
-            <a:extLst>
-              <a:ext uri="{96DAC541-7B7A-43D3-8B79-37D633B846F1}">
-                <asvg:svgBlip xmlns:asvg="http://schemas.microsoft.com/office/drawing/2016/SVG/main" r:embed="rId4"/>
-              </a:ext>
-            </a:extLst>
-          </a:blip>
-          <a:stretch>
-            <a:fillRect/>
-          </a:stretch>
-        </p:blipFill>
-        <p:spPr>
-          <a:xfrm>
-            <a:off x="3651316" y="1848982"/>
-            <a:ext cx="914400" cy="914400"/>
-          </a:xfrm>
-          <a:prstGeom prst="rect">
-            <a:avLst/>
-          </a:prstGeom>
-        </p:spPr>
-      </p:pic>
-      <p:pic>
-        <p:nvPicPr>
-          <p:cNvPr id="12" name="Graphic 11" descr="Cmd Terminal with solid fill">
-            <a:extLst>
-              <a:ext uri="{FF2B5EF4-FFF2-40B4-BE49-F238E27FC236}">
-                <a16:creationId xmlns:a16="http://schemas.microsoft.com/office/drawing/2014/main" id="{BC42805B-F436-4492-8C67-B5C11BD975D1}"/>
-              </a:ext>
-            </a:extLst>
-          </p:cNvPr>
-          <p:cNvPicPr>
-            <a:picLocks noChangeAspect="1"/>
-          </p:cNvPicPr>
-          <p:nvPr/>
-        </p:nvPicPr>
-        <p:blipFill>
-          <a:blip r:embed="rId5">
-            <a:extLst>
-              <a:ext uri="{96DAC541-7B7A-43D3-8B79-37D633B846F1}">
-                <asvg:svgBlip xmlns:asvg="http://schemas.microsoft.com/office/drawing/2016/SVG/main" r:embed="rId6"/>
-              </a:ext>
-            </a:extLst>
-          </a:blip>
-          <a:stretch>
-            <a:fillRect/>
-          </a:stretch>
-        </p:blipFill>
-        <p:spPr>
-          <a:xfrm>
-            <a:off x="5494935" y="1848982"/>
-            <a:ext cx="914400" cy="928867"/>
-          </a:xfrm>
-          <a:prstGeom prst="rect">
-            <a:avLst/>
-          </a:prstGeom>
-        </p:spPr>
-      </p:pic>
-      <p:pic>
-        <p:nvPicPr>
-          <p:cNvPr id="14" name="Graphic 13" descr="Database with solid fill">
-            <a:extLst>
-              <a:ext uri="{FF2B5EF4-FFF2-40B4-BE49-F238E27FC236}">
-                <a16:creationId xmlns:a16="http://schemas.microsoft.com/office/drawing/2014/main" id="{F8FDECFF-7DAC-47B9-8E63-266058585BA4}"/>
-              </a:ext>
-            </a:extLst>
-          </p:cNvPr>
-          <p:cNvPicPr>
-            <a:picLocks noChangeAspect="1"/>
-          </p:cNvPicPr>
-          <p:nvPr/>
-        </p:nvPicPr>
-        <p:blipFill>
-          <a:blip r:embed="rId7">
-            <a:extLst>
-              <a:ext uri="{96DAC541-7B7A-43D3-8B79-37D633B846F1}">
-                <asvg:svgBlip xmlns:asvg="http://schemas.microsoft.com/office/drawing/2016/SVG/main" r:embed="rId8"/>
-              </a:ext>
-            </a:extLst>
-          </a:blip>
-          <a:stretch>
-            <a:fillRect/>
-          </a:stretch>
-        </p:blipFill>
-        <p:spPr>
-          <a:xfrm>
-            <a:off x="7226383" y="1854695"/>
-            <a:ext cx="914400" cy="914400"/>
-          </a:xfrm>
-          <a:prstGeom prst="rect">
-            <a:avLst/>
-          </a:prstGeom>
-        </p:spPr>
-      </p:pic>
-    </p:spTree>
-    <p:extLst>
-      <p:ext uri="{BB962C8B-B14F-4D97-AF65-F5344CB8AC3E}">
-        <p14:creationId xmlns:p14="http://schemas.microsoft.com/office/powerpoint/2010/main" val="3332357240"/>
-      </p:ext>
-    </p:extLst>
-  </p:cSld>
-  <p:clrMapOvr>
-    <a:masterClrMapping/>
-  </p:clrMapOvr>
-  <mc:AlternateContent xmlns:mc="http://schemas.openxmlformats.org/markup-compatibility/2006" xmlns:p14="http://schemas.microsoft.com/office/powerpoint/2010/main">
-    <mc:Choice Requires="p14">
-      <p:transition spd="med" p14:dur="700">
-        <p:fade/>
-      </p:transition>
-    </mc:Choice>
-    <mc:Fallback xmlns="">
-      <p:transition spd="med">
-        <p:fade/>
-      </p:transition>
-    </mc:Fallback>
-  </mc:AlternateContent>
-</p:sld>
-</file>
-
-<file path=ppt/slides/slide5.xml><?xml version="1.0" encoding="utf-8"?>
-<p:sld xmlns:a="http://schemas.openxmlformats.org/drawingml/2006/main" xmlns:r="http://schemas.openxmlformats.org/officeDocument/2006/relationships" xmlns:p="http://schemas.openxmlformats.org/presentationml/2006/main">
-  <p:cSld>
-    <p:spTree>
-      <p:nvGrpSpPr>
-        <p:cNvPr id="1" name="Shape 56"/>
-        <p:cNvGrpSpPr/>
-        <p:nvPr/>
-      </p:nvGrpSpPr>
-      <p:grpSpPr>
-        <a:xfrm>
-          <a:off x="0" y="0"/>
-          <a:ext cx="0" cy="0"/>
-          <a:chOff x="0" y="0"/>
-          <a:chExt cx="0" cy="0"/>
-        </a:xfrm>
-      </p:grpSpPr>
-      <p:sp>
-        <p:nvSpPr>
-          <p:cNvPr id="4" name="Rectangle 3">
-            <a:extLst>
-              <a:ext uri="{FF2B5EF4-FFF2-40B4-BE49-F238E27FC236}">
-                <a16:creationId xmlns:a16="http://schemas.microsoft.com/office/drawing/2014/main" id="{76081B0F-E9B5-4D6B-A920-D7CA77CB05F3}"/>
-              </a:ext>
-            </a:extLst>
-          </p:cNvPr>
-          <p:cNvSpPr/>
-          <p:nvPr/>
-        </p:nvSpPr>
-        <p:spPr>
-          <a:xfrm>
-            <a:off x="2748915" y="1308736"/>
-            <a:ext cx="6297930" cy="1634489"/>
-          </a:xfrm>
-          <a:prstGeom prst="rect">
-            <a:avLst/>
-          </a:prstGeom>
-          <a:solidFill>
-            <a:srgbClr val="00B0F0"/>
-          </a:solidFill>
-          <a:ln w="76200">
-            <a:solidFill>
-              <a:schemeClr val="bg1"/>
-            </a:solidFill>
-            <a:miter lim="800000"/>
-          </a:ln>
-        </p:spPr>
-        <p:style>
-          <a:lnRef idx="2">
-            <a:schemeClr val="accent1">
-              <a:shade val="50000"/>
-            </a:schemeClr>
-          </a:lnRef>
-          <a:fillRef idx="1">
-            <a:schemeClr val="accent1"/>
-          </a:fillRef>
-          <a:effectRef idx="0">
-            <a:schemeClr val="accent1"/>
-          </a:effectRef>
-          <a:fontRef idx="minor">
-            <a:schemeClr val="lt1"/>
-          </a:fontRef>
-        </p:style>
-        <p:txBody>
-          <a:bodyPr rtlCol="0" anchor="t"/>
-          <a:lstStyle/>
-          <a:p>
-            <a:r>
-              <a:rPr lang="en-GB" b="1" dirty="0">
-                <a:latin typeface="Consolas" panose="020B0609020204030204" pitchFamily="49" charset="0"/>
-              </a:rPr>
-              <a:t>Project Group: </a:t>
-            </a:r>
-            <a:r>
-              <a:rPr lang="en-GB" dirty="0">
-                <a:latin typeface="Consolas" panose="020B0609020204030204" pitchFamily="49" charset="0"/>
-              </a:rPr>
-              <a:t>Accounting System</a:t>
-            </a:r>
-          </a:p>
-        </p:txBody>
-      </p:sp>
-      <p:sp>
-        <p:nvSpPr>
-          <p:cNvPr id="21" name="Rectangle 20">
-            <a:extLst>
-              <a:ext uri="{FF2B5EF4-FFF2-40B4-BE49-F238E27FC236}">
-                <a16:creationId xmlns:a16="http://schemas.microsoft.com/office/drawing/2014/main" id="{516D30A2-39F4-4AD0-AC87-0DAB450E7712}"/>
-              </a:ext>
-            </a:extLst>
-          </p:cNvPr>
-          <p:cNvSpPr/>
-          <p:nvPr/>
-        </p:nvSpPr>
-        <p:spPr>
-          <a:xfrm>
-            <a:off x="6848624" y="1725773"/>
-            <a:ext cx="1669918" cy="1037607"/>
-          </a:xfrm>
-          <a:prstGeom prst="rect">
-            <a:avLst/>
-          </a:prstGeom>
-          <a:solidFill>
-            <a:srgbClr val="2F93E0"/>
-          </a:solidFill>
-          <a:ln w="76200">
-            <a:solidFill>
-              <a:schemeClr val="bg1"/>
-            </a:solidFill>
-            <a:miter lim="800000"/>
-          </a:ln>
-        </p:spPr>
-        <p:style>
-          <a:lnRef idx="2">
-            <a:schemeClr val="accent1">
-              <a:shade val="50000"/>
-            </a:schemeClr>
-          </a:lnRef>
-          <a:fillRef idx="1">
-            <a:schemeClr val="accent1"/>
-          </a:fillRef>
-          <a:effectRef idx="0">
-            <a:schemeClr val="accent1"/>
-          </a:effectRef>
-          <a:fontRef idx="minor">
-            <a:schemeClr val="lt1"/>
-          </a:fontRef>
-        </p:style>
-        <p:txBody>
-          <a:bodyPr rtlCol="0" anchor="t"/>
-          <a:lstStyle/>
-          <a:p>
-            <a:r>
-              <a:rPr lang="en-GB" sz="1100" b="1" dirty="0">
-                <a:latin typeface="Consolas" panose="020B0609020204030204" pitchFamily="49" charset="0"/>
-              </a:rPr>
-              <a:t>Project:</a:t>
-            </a:r>
-            <a:r>
-              <a:rPr lang="en-GB" sz="1100" dirty="0">
-                <a:latin typeface="Consolas" panose="020B0609020204030204" pitchFamily="49" charset="0"/>
-              </a:rPr>
-              <a:t> Database</a:t>
-            </a:r>
-            <a:endParaRPr lang="en-GB" sz="1100" dirty="0">
-              <a:solidFill>
-                <a:schemeClr val="accent6"/>
-              </a:solidFill>
-              <a:latin typeface="Consolas" panose="020B0609020204030204" pitchFamily="49" charset="0"/>
-            </a:endParaRPr>
-          </a:p>
-        </p:txBody>
-      </p:sp>
-      <p:sp>
-        <p:nvSpPr>
-          <p:cNvPr id="17" name="Rectangle 16">
-            <a:extLst>
-              <a:ext uri="{FF2B5EF4-FFF2-40B4-BE49-F238E27FC236}">
-                <a16:creationId xmlns:a16="http://schemas.microsoft.com/office/drawing/2014/main" id="{D99FB313-AE7E-46EB-96DD-32A98C640097}"/>
-              </a:ext>
-            </a:extLst>
-          </p:cNvPr>
-          <p:cNvSpPr/>
-          <p:nvPr/>
-        </p:nvSpPr>
-        <p:spPr>
-          <a:xfrm>
-            <a:off x="5060039" y="1725774"/>
-            <a:ext cx="1669918" cy="1037607"/>
-          </a:xfrm>
-          <a:prstGeom prst="rect">
-            <a:avLst/>
-          </a:prstGeom>
-          <a:solidFill>
-            <a:srgbClr val="2F93E0"/>
-          </a:solidFill>
-          <a:ln w="76200">
-            <a:solidFill>
-              <a:schemeClr val="bg1"/>
-            </a:solidFill>
-            <a:miter lim="800000"/>
-          </a:ln>
-        </p:spPr>
-        <p:style>
-          <a:lnRef idx="2">
-            <a:schemeClr val="accent1">
-              <a:shade val="50000"/>
-            </a:schemeClr>
-          </a:lnRef>
-          <a:fillRef idx="1">
-            <a:schemeClr val="accent1"/>
-          </a:fillRef>
-          <a:effectRef idx="0">
-            <a:schemeClr val="accent1"/>
-          </a:effectRef>
-          <a:fontRef idx="minor">
-            <a:schemeClr val="lt1"/>
-          </a:fontRef>
-        </p:style>
-        <p:txBody>
-          <a:bodyPr rtlCol="0" anchor="t"/>
-          <a:lstStyle/>
-          <a:p>
-            <a:r>
-              <a:rPr lang="en-GB" sz="1100" b="1" dirty="0">
-                <a:latin typeface="Consolas" panose="020B0609020204030204" pitchFamily="49" charset="0"/>
-              </a:rPr>
-              <a:t>Project:</a:t>
-            </a:r>
-            <a:r>
-              <a:rPr lang="en-GB" sz="1100" dirty="0">
-                <a:latin typeface="Consolas" panose="020B0609020204030204" pitchFamily="49" charset="0"/>
-              </a:rPr>
-              <a:t> Service</a:t>
-            </a:r>
-            <a:endParaRPr lang="en-GB" sz="1100" dirty="0">
-              <a:solidFill>
-                <a:schemeClr val="accent6"/>
-              </a:solidFill>
-              <a:latin typeface="Consolas" panose="020B0609020204030204" pitchFamily="49" charset="0"/>
-            </a:endParaRPr>
-          </a:p>
-        </p:txBody>
-      </p:sp>
-      <p:sp>
-        <p:nvSpPr>
-          <p:cNvPr id="20" name="Rectangle 19">
-            <a:extLst>
-              <a:ext uri="{FF2B5EF4-FFF2-40B4-BE49-F238E27FC236}">
-                <a16:creationId xmlns:a16="http://schemas.microsoft.com/office/drawing/2014/main" id="{DBC9E0D9-E69C-4055-A9F2-BF29E344A23A}"/>
-              </a:ext>
-            </a:extLst>
-          </p:cNvPr>
-          <p:cNvSpPr/>
-          <p:nvPr/>
-        </p:nvSpPr>
-        <p:spPr>
-          <a:xfrm>
-            <a:off x="3273557" y="1725775"/>
-            <a:ext cx="1669918" cy="1037607"/>
-          </a:xfrm>
-          <a:prstGeom prst="rect">
-            <a:avLst/>
-          </a:prstGeom>
-          <a:solidFill>
-            <a:srgbClr val="2F93E0"/>
-          </a:solidFill>
-          <a:ln w="76200">
-            <a:solidFill>
-              <a:schemeClr val="bg1"/>
-            </a:solidFill>
-            <a:miter lim="800000"/>
-          </a:ln>
-        </p:spPr>
-        <p:style>
-          <a:lnRef idx="2">
-            <a:schemeClr val="accent1">
-              <a:shade val="50000"/>
-            </a:schemeClr>
-          </a:lnRef>
-          <a:fillRef idx="1">
-            <a:schemeClr val="accent1"/>
-          </a:fillRef>
-          <a:effectRef idx="0">
-            <a:schemeClr val="accent1"/>
-          </a:effectRef>
-          <a:fontRef idx="minor">
-            <a:schemeClr val="lt1"/>
-          </a:fontRef>
-        </p:style>
-        <p:txBody>
-          <a:bodyPr rtlCol="0" anchor="t"/>
-          <a:lstStyle/>
-          <a:p>
-            <a:r>
-              <a:rPr lang="en-GB" sz="1100" b="1" dirty="0">
-                <a:latin typeface="Consolas" panose="020B0609020204030204" pitchFamily="49" charset="0"/>
-              </a:rPr>
-              <a:t>Project:</a:t>
-            </a:r>
-            <a:r>
-              <a:rPr lang="en-GB" sz="1100" dirty="0">
-                <a:latin typeface="Consolas" panose="020B0609020204030204" pitchFamily="49" charset="0"/>
-              </a:rPr>
-              <a:t> Web portal</a:t>
-            </a:r>
-            <a:endParaRPr lang="en-GB" sz="1100" dirty="0">
-              <a:solidFill>
-                <a:schemeClr val="accent6"/>
-              </a:solidFill>
-              <a:latin typeface="Consolas" panose="020B0609020204030204" pitchFamily="49" charset="0"/>
-            </a:endParaRPr>
-          </a:p>
-        </p:txBody>
-      </p:sp>
-      <p:pic>
-        <p:nvPicPr>
-          <p:cNvPr id="10" name="Graphic 9" descr="Internet with solid fill">
-            <a:extLst>
-              <a:ext uri="{FF2B5EF4-FFF2-40B4-BE49-F238E27FC236}">
-                <a16:creationId xmlns:a16="http://schemas.microsoft.com/office/drawing/2014/main" id="{2E00E9F0-C9B7-4319-9440-8D811CDB8778}"/>
-              </a:ext>
-            </a:extLst>
-          </p:cNvPr>
-          <p:cNvPicPr>
-            <a:picLocks noChangeAspect="1"/>
-          </p:cNvPicPr>
-          <p:nvPr/>
-        </p:nvPicPr>
-        <p:blipFill>
-          <a:blip r:embed="rId3">
-            <a:extLst>
-              <a:ext uri="{96DAC541-7B7A-43D3-8B79-37D633B846F1}">
-                <asvg:svgBlip xmlns:asvg="http://schemas.microsoft.com/office/drawing/2016/SVG/main" r:embed="rId4"/>
-              </a:ext>
-            </a:extLst>
-          </a:blip>
-          <a:stretch>
-            <a:fillRect/>
-          </a:stretch>
-        </p:blipFill>
-        <p:spPr>
-          <a:xfrm>
-            <a:off x="3651316" y="1848982"/>
-            <a:ext cx="914400" cy="914400"/>
-          </a:xfrm>
-          <a:prstGeom prst="rect">
-            <a:avLst/>
-          </a:prstGeom>
-        </p:spPr>
-      </p:pic>
-      <p:pic>
-        <p:nvPicPr>
-          <p:cNvPr id="12" name="Graphic 11" descr="Cmd Terminal with solid fill">
-            <a:extLst>
-              <a:ext uri="{FF2B5EF4-FFF2-40B4-BE49-F238E27FC236}">
-                <a16:creationId xmlns:a16="http://schemas.microsoft.com/office/drawing/2014/main" id="{BC42805B-F436-4492-8C67-B5C11BD975D1}"/>
-              </a:ext>
-            </a:extLst>
-          </p:cNvPr>
-          <p:cNvPicPr>
-            <a:picLocks noChangeAspect="1"/>
-          </p:cNvPicPr>
-          <p:nvPr/>
-        </p:nvPicPr>
-        <p:blipFill>
-          <a:blip r:embed="rId5">
-            <a:extLst>
-              <a:ext uri="{96DAC541-7B7A-43D3-8B79-37D633B846F1}">
-                <asvg:svgBlip xmlns:asvg="http://schemas.microsoft.com/office/drawing/2016/SVG/main" r:embed="rId6"/>
-              </a:ext>
-            </a:extLst>
-          </a:blip>
-          <a:stretch>
-            <a:fillRect/>
-          </a:stretch>
-        </p:blipFill>
-        <p:spPr>
-          <a:xfrm>
-            <a:off x="5494935" y="1848982"/>
-            <a:ext cx="914400" cy="928867"/>
-          </a:xfrm>
-          <a:prstGeom prst="rect">
-            <a:avLst/>
-          </a:prstGeom>
-        </p:spPr>
-      </p:pic>
-      <p:pic>
-        <p:nvPicPr>
-          <p:cNvPr id="14" name="Graphic 13" descr="Database with solid fill">
-            <a:extLst>
-              <a:ext uri="{FF2B5EF4-FFF2-40B4-BE49-F238E27FC236}">
-                <a16:creationId xmlns:a16="http://schemas.microsoft.com/office/drawing/2014/main" id="{F8FDECFF-7DAC-47B9-8E63-266058585BA4}"/>
-              </a:ext>
-            </a:extLst>
-          </p:cNvPr>
-          <p:cNvPicPr>
-            <a:picLocks noChangeAspect="1"/>
-          </p:cNvPicPr>
-          <p:nvPr/>
-        </p:nvPicPr>
-        <p:blipFill>
-          <a:blip r:embed="rId7">
-            <a:extLst>
-              <a:ext uri="{96DAC541-7B7A-43D3-8B79-37D633B846F1}">
-                <asvg:svgBlip xmlns:asvg="http://schemas.microsoft.com/office/drawing/2016/SVG/main" r:embed="rId8"/>
-              </a:ext>
-            </a:extLst>
-          </a:blip>
-          <a:stretch>
-            <a:fillRect/>
-          </a:stretch>
-        </p:blipFill>
-        <p:spPr>
-          <a:xfrm>
-            <a:off x="7226383" y="1854695"/>
-            <a:ext cx="914400" cy="914400"/>
-          </a:xfrm>
-          <a:prstGeom prst="rect">
-            <a:avLst/>
-          </a:prstGeom>
-        </p:spPr>
-      </p:pic>
-    </p:spTree>
-    <p:extLst>
-      <p:ext uri="{BB962C8B-B14F-4D97-AF65-F5344CB8AC3E}">
-        <p14:creationId xmlns:p14="http://schemas.microsoft.com/office/powerpoint/2010/main" val="1722844341"/>
-      </p:ext>
-    </p:extLst>
-  </p:cSld>
-  <p:clrMapOvr>
-    <a:masterClrMapping/>
-  </p:clrMapOvr>
-  <mc:AlternateContent xmlns:mc="http://schemas.openxmlformats.org/markup-compatibility/2006" xmlns:p14="http://schemas.microsoft.com/office/powerpoint/2010/main">
-    <mc:Choice Requires="p14">
-      <p:transition spd="med" p14:dur="700">
-        <p:fade/>
-      </p:transition>
-    </mc:Choice>
-    <mc:Fallback xmlns="">
-      <p:transition spd="med">
-        <p:fade/>
-      </p:transition>
-    </mc:Fallback>
-  </mc:AlternateContent>
-</p:sld>
-</file>
-
-<file path=ppt/slides/slide6.xml><?xml version="1.0" encoding="utf-8"?>
-<p:sld xmlns:a="http://schemas.openxmlformats.org/drawingml/2006/main" xmlns:r="http://schemas.openxmlformats.org/officeDocument/2006/relationships" xmlns:p="http://schemas.openxmlformats.org/presentationml/2006/main">
-  <p:cSld>
-    <p:spTree>
-      <p:nvGrpSpPr>
-        <p:cNvPr id="1" name="Shape 56"/>
-        <p:cNvGrpSpPr/>
-        <p:nvPr/>
-      </p:nvGrpSpPr>
-      <p:grpSpPr>
-        <a:xfrm>
-          <a:off x="0" y="0"/>
-          <a:ext cx="0" cy="0"/>
-          <a:chOff x="0" y="0"/>
-          <a:chExt cx="0" cy="0"/>
-        </a:xfrm>
-      </p:grpSpPr>
-      <p:sp>
-        <p:nvSpPr>
-          <p:cNvPr id="4" name="Rectangle 3">
-            <a:extLst>
-              <a:ext uri="{FF2B5EF4-FFF2-40B4-BE49-F238E27FC236}">
-                <a16:creationId xmlns:a16="http://schemas.microsoft.com/office/drawing/2014/main" id="{76081B0F-E9B5-4D6B-A920-D7CA77CB05F3}"/>
-              </a:ext>
-            </a:extLst>
-          </p:cNvPr>
-          <p:cNvSpPr/>
-          <p:nvPr/>
-        </p:nvSpPr>
-        <p:spPr>
-          <a:xfrm>
-            <a:off x="2748915" y="1308736"/>
-            <a:ext cx="6297930" cy="2857499"/>
-          </a:xfrm>
-          <a:prstGeom prst="rect">
-            <a:avLst/>
-          </a:prstGeom>
-          <a:solidFill>
-            <a:srgbClr val="00B0F0"/>
-          </a:solidFill>
-          <a:ln w="76200">
-            <a:solidFill>
-              <a:schemeClr val="bg1"/>
-            </a:solidFill>
-            <a:miter lim="800000"/>
-          </a:ln>
-        </p:spPr>
-        <p:style>
-          <a:lnRef idx="2">
-            <a:schemeClr val="accent1">
-              <a:shade val="50000"/>
-            </a:schemeClr>
-          </a:lnRef>
-          <a:fillRef idx="1">
-            <a:schemeClr val="accent1"/>
-          </a:fillRef>
-          <a:effectRef idx="0">
-            <a:schemeClr val="accent1"/>
-          </a:effectRef>
-          <a:fontRef idx="minor">
-            <a:schemeClr val="lt1"/>
-          </a:fontRef>
-        </p:style>
-        <p:txBody>
-          <a:bodyPr rtlCol="0" anchor="t"/>
-          <a:lstStyle/>
-          <a:p>
-            <a:r>
-              <a:rPr lang="en-GB" b="1" dirty="0">
-                <a:latin typeface="Consolas" panose="020B0609020204030204" pitchFamily="49" charset="0"/>
-              </a:rPr>
-              <a:t>Project Group: </a:t>
-            </a:r>
-            <a:r>
-              <a:rPr lang="en-GB" dirty="0">
-                <a:latin typeface="Consolas" panose="020B0609020204030204" pitchFamily="49" charset="0"/>
-              </a:rPr>
-              <a:t>Accounting System</a:t>
-            </a:r>
-          </a:p>
-        </p:txBody>
-      </p:sp>
-      <p:sp>
-        <p:nvSpPr>
-          <p:cNvPr id="21" name="Rectangle 20">
-            <a:extLst>
-              <a:ext uri="{FF2B5EF4-FFF2-40B4-BE49-F238E27FC236}">
-                <a16:creationId xmlns:a16="http://schemas.microsoft.com/office/drawing/2014/main" id="{516D30A2-39F4-4AD0-AC87-0DAB450E7712}"/>
-              </a:ext>
-            </a:extLst>
-          </p:cNvPr>
-          <p:cNvSpPr/>
-          <p:nvPr/>
-        </p:nvSpPr>
-        <p:spPr>
-          <a:xfrm>
-            <a:off x="6848624" y="1725773"/>
-            <a:ext cx="1669918" cy="1037607"/>
-          </a:xfrm>
-          <a:prstGeom prst="rect">
-            <a:avLst/>
-          </a:prstGeom>
-          <a:solidFill>
-            <a:srgbClr val="2F93E0"/>
-          </a:solidFill>
-          <a:ln w="76200">
-            <a:solidFill>
-              <a:schemeClr val="bg1"/>
-            </a:solidFill>
-            <a:miter lim="800000"/>
-          </a:ln>
-        </p:spPr>
-        <p:style>
-          <a:lnRef idx="2">
-            <a:schemeClr val="accent1">
-              <a:shade val="50000"/>
-            </a:schemeClr>
-          </a:lnRef>
-          <a:fillRef idx="1">
-            <a:schemeClr val="accent1"/>
-          </a:fillRef>
-          <a:effectRef idx="0">
-            <a:schemeClr val="accent1"/>
-          </a:effectRef>
-          <a:fontRef idx="minor">
-            <a:schemeClr val="lt1"/>
-          </a:fontRef>
-        </p:style>
-        <p:txBody>
-          <a:bodyPr rtlCol="0" anchor="t"/>
-          <a:lstStyle/>
-          <a:p>
-            <a:r>
-              <a:rPr lang="en-GB" sz="1100" b="1" dirty="0">
-                <a:latin typeface="Consolas" panose="020B0609020204030204" pitchFamily="49" charset="0"/>
-              </a:rPr>
-              <a:t>Project:</a:t>
-            </a:r>
-            <a:r>
-              <a:rPr lang="en-GB" sz="1100" dirty="0">
-                <a:latin typeface="Consolas" panose="020B0609020204030204" pitchFamily="49" charset="0"/>
-              </a:rPr>
-              <a:t> Database</a:t>
-            </a:r>
-            <a:endParaRPr lang="en-GB" sz="1100" dirty="0">
-              <a:solidFill>
-                <a:schemeClr val="accent6"/>
-              </a:solidFill>
-              <a:latin typeface="Consolas" panose="020B0609020204030204" pitchFamily="49" charset="0"/>
-            </a:endParaRPr>
-          </a:p>
-        </p:txBody>
-      </p:sp>
-      <p:sp>
-        <p:nvSpPr>
-          <p:cNvPr id="17" name="Rectangle 16">
-            <a:extLst>
-              <a:ext uri="{FF2B5EF4-FFF2-40B4-BE49-F238E27FC236}">
-                <a16:creationId xmlns:a16="http://schemas.microsoft.com/office/drawing/2014/main" id="{D99FB313-AE7E-46EB-96DD-32A98C640097}"/>
-              </a:ext>
-            </a:extLst>
-          </p:cNvPr>
-          <p:cNvSpPr/>
-          <p:nvPr/>
-        </p:nvSpPr>
-        <p:spPr>
-          <a:xfrm>
-            <a:off x="5060039" y="1725774"/>
-            <a:ext cx="1669918" cy="1037607"/>
-          </a:xfrm>
-          <a:prstGeom prst="rect">
-            <a:avLst/>
-          </a:prstGeom>
-          <a:solidFill>
-            <a:srgbClr val="2F93E0"/>
-          </a:solidFill>
-          <a:ln w="76200">
-            <a:solidFill>
-              <a:schemeClr val="bg1"/>
-            </a:solidFill>
-            <a:miter lim="800000"/>
-          </a:ln>
-        </p:spPr>
-        <p:style>
-          <a:lnRef idx="2">
-            <a:schemeClr val="accent1">
-              <a:shade val="50000"/>
-            </a:schemeClr>
-          </a:lnRef>
-          <a:fillRef idx="1">
-            <a:schemeClr val="accent1"/>
-          </a:fillRef>
-          <a:effectRef idx="0">
-            <a:schemeClr val="accent1"/>
-          </a:effectRef>
-          <a:fontRef idx="minor">
-            <a:schemeClr val="lt1"/>
-          </a:fontRef>
-        </p:style>
-        <p:txBody>
-          <a:bodyPr rtlCol="0" anchor="t"/>
-          <a:lstStyle/>
-          <a:p>
-            <a:r>
-              <a:rPr lang="en-GB" sz="1100" b="1" dirty="0">
-                <a:latin typeface="Consolas" panose="020B0609020204030204" pitchFamily="49" charset="0"/>
-              </a:rPr>
-              <a:t>Project:</a:t>
-            </a:r>
-            <a:r>
-              <a:rPr lang="en-GB" sz="1100" dirty="0">
-                <a:latin typeface="Consolas" panose="020B0609020204030204" pitchFamily="49" charset="0"/>
-              </a:rPr>
-              <a:t> Service</a:t>
-            </a:r>
-            <a:endParaRPr lang="en-GB" sz="1100" dirty="0">
-              <a:solidFill>
-                <a:schemeClr val="accent6"/>
-              </a:solidFill>
-              <a:latin typeface="Consolas" panose="020B0609020204030204" pitchFamily="49" charset="0"/>
-            </a:endParaRPr>
-          </a:p>
-        </p:txBody>
-      </p:sp>
-      <p:sp>
-        <p:nvSpPr>
-          <p:cNvPr id="20" name="Rectangle 19">
-            <a:extLst>
-              <a:ext uri="{FF2B5EF4-FFF2-40B4-BE49-F238E27FC236}">
-                <a16:creationId xmlns:a16="http://schemas.microsoft.com/office/drawing/2014/main" id="{DBC9E0D9-E69C-4055-A9F2-BF29E344A23A}"/>
-              </a:ext>
-            </a:extLst>
-          </p:cNvPr>
-          <p:cNvSpPr/>
-          <p:nvPr/>
-        </p:nvSpPr>
-        <p:spPr>
-          <a:xfrm>
-            <a:off x="3273557" y="1725775"/>
-            <a:ext cx="1669918" cy="1037607"/>
-          </a:xfrm>
-          <a:prstGeom prst="rect">
-            <a:avLst/>
-          </a:prstGeom>
-          <a:solidFill>
-            <a:srgbClr val="2F93E0"/>
-          </a:solidFill>
-          <a:ln w="76200">
-            <a:solidFill>
-              <a:schemeClr val="bg1"/>
-            </a:solidFill>
-            <a:miter lim="800000"/>
-          </a:ln>
-        </p:spPr>
-        <p:style>
-          <a:lnRef idx="2">
-            <a:schemeClr val="accent1">
-              <a:shade val="50000"/>
-            </a:schemeClr>
-          </a:lnRef>
-          <a:fillRef idx="1">
-            <a:schemeClr val="accent1"/>
-          </a:fillRef>
-          <a:effectRef idx="0">
-            <a:schemeClr val="accent1"/>
-          </a:effectRef>
-          <a:fontRef idx="minor">
-            <a:schemeClr val="lt1"/>
-          </a:fontRef>
-        </p:style>
-        <p:txBody>
-          <a:bodyPr rtlCol="0" anchor="t"/>
-          <a:lstStyle/>
-          <a:p>
-            <a:r>
-              <a:rPr lang="en-GB" sz="1100" b="1" dirty="0">
-                <a:latin typeface="Consolas" panose="020B0609020204030204" pitchFamily="49" charset="0"/>
-              </a:rPr>
-              <a:t>Project:</a:t>
-            </a:r>
-            <a:r>
-              <a:rPr lang="en-GB" sz="1100" dirty="0">
-                <a:latin typeface="Consolas" panose="020B0609020204030204" pitchFamily="49" charset="0"/>
-              </a:rPr>
-              <a:t> Web portal</a:t>
-            </a:r>
-            <a:endParaRPr lang="en-GB" sz="1100" dirty="0">
-              <a:solidFill>
-                <a:schemeClr val="accent6"/>
-              </a:solidFill>
-              <a:latin typeface="Consolas" panose="020B0609020204030204" pitchFamily="49" charset="0"/>
-            </a:endParaRPr>
-          </a:p>
-        </p:txBody>
-      </p:sp>
-      <p:pic>
-        <p:nvPicPr>
-          <p:cNvPr id="10" name="Graphic 9" descr="Internet with solid fill">
-            <a:extLst>
-              <a:ext uri="{FF2B5EF4-FFF2-40B4-BE49-F238E27FC236}">
-                <a16:creationId xmlns:a16="http://schemas.microsoft.com/office/drawing/2014/main" id="{2E00E9F0-C9B7-4319-9440-8D811CDB8778}"/>
-              </a:ext>
-            </a:extLst>
-          </p:cNvPr>
-          <p:cNvPicPr>
-            <a:picLocks noChangeAspect="1"/>
-          </p:cNvPicPr>
-          <p:nvPr/>
-        </p:nvPicPr>
-        <p:blipFill>
-          <a:blip r:embed="rId3">
-            <a:extLst>
-              <a:ext uri="{96DAC541-7B7A-43D3-8B79-37D633B846F1}">
-                <asvg:svgBlip xmlns:asvg="http://schemas.microsoft.com/office/drawing/2016/SVG/main" r:embed="rId4"/>
-              </a:ext>
-            </a:extLst>
-          </a:blip>
-          <a:stretch>
-            <a:fillRect/>
-          </a:stretch>
-        </p:blipFill>
-        <p:spPr>
-          <a:xfrm>
-            <a:off x="3651316" y="1848982"/>
-            <a:ext cx="914400" cy="914400"/>
-          </a:xfrm>
-          <a:prstGeom prst="rect">
-            <a:avLst/>
-          </a:prstGeom>
-        </p:spPr>
-      </p:pic>
-      <p:pic>
-        <p:nvPicPr>
-          <p:cNvPr id="12" name="Graphic 11" descr="Cmd Terminal with solid fill">
-            <a:extLst>
-              <a:ext uri="{FF2B5EF4-FFF2-40B4-BE49-F238E27FC236}">
-                <a16:creationId xmlns:a16="http://schemas.microsoft.com/office/drawing/2014/main" id="{BC42805B-F436-4492-8C67-B5C11BD975D1}"/>
-              </a:ext>
-            </a:extLst>
-          </p:cNvPr>
-          <p:cNvPicPr>
-            <a:picLocks noChangeAspect="1"/>
-          </p:cNvPicPr>
-          <p:nvPr/>
-        </p:nvPicPr>
-        <p:blipFill>
-          <a:blip r:embed="rId5">
-            <a:extLst>
-              <a:ext uri="{96DAC541-7B7A-43D3-8B79-37D633B846F1}">
-                <asvg:svgBlip xmlns:asvg="http://schemas.microsoft.com/office/drawing/2016/SVG/main" r:embed="rId6"/>
-              </a:ext>
-            </a:extLst>
-          </a:blip>
-          <a:stretch>
-            <a:fillRect/>
-          </a:stretch>
-        </p:blipFill>
-        <p:spPr>
-          <a:xfrm>
-            <a:off x="5494935" y="1848982"/>
-            <a:ext cx="914400" cy="928867"/>
-          </a:xfrm>
-          <a:prstGeom prst="rect">
-            <a:avLst/>
-          </a:prstGeom>
-        </p:spPr>
-      </p:pic>
-      <p:pic>
-        <p:nvPicPr>
-          <p:cNvPr id="14" name="Graphic 13" descr="Database with solid fill">
-            <a:extLst>
-              <a:ext uri="{FF2B5EF4-FFF2-40B4-BE49-F238E27FC236}">
-                <a16:creationId xmlns:a16="http://schemas.microsoft.com/office/drawing/2014/main" id="{F8FDECFF-7DAC-47B9-8E63-266058585BA4}"/>
-              </a:ext>
-            </a:extLst>
-          </p:cNvPr>
-          <p:cNvPicPr>
-            <a:picLocks noChangeAspect="1"/>
-          </p:cNvPicPr>
-          <p:nvPr/>
-        </p:nvPicPr>
-        <p:blipFill>
-          <a:blip r:embed="rId7">
-            <a:extLst>
-              <a:ext uri="{96DAC541-7B7A-43D3-8B79-37D633B846F1}">
-                <asvg:svgBlip xmlns:asvg="http://schemas.microsoft.com/office/drawing/2016/SVG/main" r:embed="rId8"/>
-              </a:ext>
-            </a:extLst>
-          </a:blip>
-          <a:stretch>
-            <a:fillRect/>
-          </a:stretch>
-        </p:blipFill>
-        <p:spPr>
-          <a:xfrm>
-            <a:off x="7226383" y="1854695"/>
-            <a:ext cx="914400" cy="914400"/>
-          </a:xfrm>
-          <a:prstGeom prst="rect">
-            <a:avLst/>
-          </a:prstGeom>
-        </p:spPr>
-      </p:pic>
-      <p:grpSp>
-        <p:nvGrpSpPr>
-          <p:cNvPr id="2" name="Group 1">
-            <a:extLst>
-              <a:ext uri="{FF2B5EF4-FFF2-40B4-BE49-F238E27FC236}">
-                <a16:creationId xmlns:a16="http://schemas.microsoft.com/office/drawing/2014/main" id="{FABBAF4C-E50A-4E04-8A04-B7F67FE748B8}"/>
-              </a:ext>
-            </a:extLst>
-          </p:cNvPr>
-          <p:cNvGrpSpPr/>
-          <p:nvPr/>
-        </p:nvGrpSpPr>
-        <p:grpSpPr>
-          <a:xfrm>
-            <a:off x="5952135" y="2951798"/>
-            <a:ext cx="2571825" cy="1037607"/>
-            <a:chOff x="4326180" y="2691208"/>
-            <a:chExt cx="2571825" cy="1037607"/>
-          </a:xfrm>
-        </p:grpSpPr>
-        <p:sp>
-          <p:nvSpPr>
-            <p:cNvPr id="22" name="Rectangle 21">
-              <a:extLst>
-                <a:ext uri="{FF2B5EF4-FFF2-40B4-BE49-F238E27FC236}">
-                  <a16:creationId xmlns:a16="http://schemas.microsoft.com/office/drawing/2014/main" id="{C982E2AE-E960-45C8-8A2E-42E244AC3042}"/>
-                </a:ext>
-              </a:extLst>
-            </p:cNvPr>
-            <p:cNvSpPr/>
-            <p:nvPr/>
-          </p:nvSpPr>
-          <p:spPr>
-            <a:xfrm>
-              <a:off x="4326180" y="2691208"/>
-              <a:ext cx="2571825" cy="1037607"/>
-            </a:xfrm>
-            <a:prstGeom prst="rect">
-              <a:avLst/>
-            </a:prstGeom>
-            <a:solidFill>
-              <a:srgbClr val="2F93E0"/>
-            </a:solidFill>
-            <a:ln w="76200">
-              <a:solidFill>
-                <a:schemeClr val="bg1"/>
-              </a:solidFill>
-              <a:miter lim="800000"/>
-            </a:ln>
-          </p:spPr>
-          <p:style>
-            <a:lnRef idx="2">
-              <a:schemeClr val="accent1">
-                <a:shade val="50000"/>
-              </a:schemeClr>
-            </a:lnRef>
-            <a:fillRef idx="1">
-              <a:schemeClr val="accent1"/>
-            </a:fillRef>
-            <a:effectRef idx="0">
-              <a:schemeClr val="accent1"/>
-            </a:effectRef>
-            <a:fontRef idx="minor">
-              <a:schemeClr val="lt1"/>
-            </a:fontRef>
-          </p:style>
-          <p:txBody>
-            <a:bodyPr rtlCol="0" anchor="t"/>
-            <a:lstStyle/>
-            <a:p>
-              <a:r>
-                <a:rPr lang="en-GB" sz="1100" b="1" dirty="0">
-                  <a:latin typeface="Consolas" panose="020B0609020204030204" pitchFamily="49" charset="0"/>
-                </a:rPr>
-                <a:t>Project:</a:t>
-              </a:r>
-              <a:r>
-                <a:rPr lang="en-GB" sz="1100" dirty="0">
-                  <a:latin typeface="Consolas" panose="020B0609020204030204" pitchFamily="49" charset="0"/>
-                </a:rPr>
-                <a:t> Deployment Coordinator</a:t>
-              </a:r>
-              <a:endParaRPr lang="en-GB" sz="1100" dirty="0">
-                <a:solidFill>
-                  <a:schemeClr val="accent6"/>
-                </a:solidFill>
-                <a:latin typeface="Consolas" panose="020B0609020204030204" pitchFamily="49" charset="0"/>
-              </a:endParaRPr>
-            </a:p>
-          </p:txBody>
-        </p:sp>
-        <p:pic>
-          <p:nvPicPr>
-            <p:cNvPr id="18" name="Graphic 17" descr="Network with solid fill">
-              <a:extLst>
-                <a:ext uri="{FF2B5EF4-FFF2-40B4-BE49-F238E27FC236}">
-                  <a16:creationId xmlns:a16="http://schemas.microsoft.com/office/drawing/2014/main" id="{4E02D2E8-0589-4048-85AF-38B2061AF025}"/>
-                </a:ext>
-              </a:extLst>
-            </p:cNvPr>
-            <p:cNvPicPr>
-              <a:picLocks noChangeAspect="1"/>
-            </p:cNvPicPr>
-            <p:nvPr/>
-          </p:nvPicPr>
-          <p:blipFill>
-            <a:blip r:embed="rId9">
-              <a:extLst>
-                <a:ext uri="{96DAC541-7B7A-43D3-8B79-37D633B846F1}">
-                  <asvg:svgBlip xmlns:asvg="http://schemas.microsoft.com/office/drawing/2016/SVG/main" r:embed="rId10"/>
-                </a:ext>
-              </a:extLst>
-            </a:blip>
-            <a:stretch>
-              <a:fillRect/>
-            </a:stretch>
-          </p:blipFill>
-          <p:spPr>
-            <a:xfrm>
-              <a:off x="5809842" y="2814415"/>
-              <a:ext cx="914400" cy="914400"/>
-            </a:xfrm>
-            <a:prstGeom prst="rect">
-              <a:avLst/>
-            </a:prstGeom>
-          </p:spPr>
-        </p:pic>
-      </p:grpSp>
-    </p:spTree>
-    <p:extLst>
-      <p:ext uri="{BB962C8B-B14F-4D97-AF65-F5344CB8AC3E}">
-        <p14:creationId xmlns:p14="http://schemas.microsoft.com/office/powerpoint/2010/main" val="4059541368"/>
-      </p:ext>
-    </p:extLst>
-  </p:cSld>
-  <p:clrMapOvr>
-    <a:masterClrMapping/>
-  </p:clrMapOvr>
-  <mc:AlternateContent xmlns:mc="http://schemas.openxmlformats.org/markup-compatibility/2006" xmlns:p14="http://schemas.microsoft.com/office/powerpoint/2010/main">
-    <mc:Choice Requires="p14">
-      <p:transition spd="med" p14:dur="700">
-        <p:fade/>
-      </p:transition>
-    </mc:Choice>
-    <mc:Fallback xmlns="">
-      <p:transition spd="med">
-        <p:fade/>
-      </p:transition>
-    </mc:Fallback>
-  </mc:AlternateContent>
-</p:sld>
-</file>
-
-<file path=ppt/slides/slide7.xml><?xml version="1.0" encoding="utf-8"?>
-<p:sld xmlns:a="http://schemas.openxmlformats.org/drawingml/2006/main" xmlns:r="http://schemas.openxmlformats.org/officeDocument/2006/relationships" xmlns:p="http://schemas.openxmlformats.org/presentationml/2006/main">
-  <p:cSld>
-    <p:spTree>
-      <p:nvGrpSpPr>
-        <p:cNvPr id="1" name=""/>
-        <p:cNvGrpSpPr/>
-        <p:nvPr/>
-      </p:nvGrpSpPr>
-      <p:grpSpPr>
-        <a:xfrm>
-          <a:off x="0" y="0"/>
-          <a:ext cx="0" cy="0"/>
-          <a:chOff x="0" y="0"/>
-          <a:chExt cx="0" cy="0"/>
-        </a:xfrm>
-      </p:grpSpPr>
-      <p:sp>
-        <p:nvSpPr>
-          <p:cNvPr id="2" name="Title 1">
-            <a:extLst>
-              <a:ext uri="{FF2B5EF4-FFF2-40B4-BE49-F238E27FC236}">
-                <a16:creationId xmlns:a16="http://schemas.microsoft.com/office/drawing/2014/main" id="{0534B25F-8574-46A9-AF4C-2ED315916406}"/>
-              </a:ext>
-            </a:extLst>
-          </p:cNvPr>
-          <p:cNvSpPr>
-            <a:spLocks noGrp="1"/>
-          </p:cNvSpPr>
-          <p:nvPr>
-            <p:ph type="title"/>
-          </p:nvPr>
-        </p:nvSpPr>
-        <p:spPr/>
-        <p:txBody>
-          <a:bodyPr/>
-          <a:lstStyle/>
-          <a:p>
-            <a:endParaRPr lang="en-GB"/>
-          </a:p>
-        </p:txBody>
-      </p:sp>
-      <p:sp>
-        <p:nvSpPr>
-          <p:cNvPr id="3" name="Text Placeholder 2">
-            <a:extLst>
-              <a:ext uri="{FF2B5EF4-FFF2-40B4-BE49-F238E27FC236}">
-                <a16:creationId xmlns:a16="http://schemas.microsoft.com/office/drawing/2014/main" id="{96D79BD1-4C34-4C68-8FA0-C1657628B893}"/>
-              </a:ext>
-            </a:extLst>
-          </p:cNvPr>
-          <p:cNvSpPr>
-            <a:spLocks noGrp="1"/>
-          </p:cNvSpPr>
-          <p:nvPr>
-            <p:ph type="body" idx="1"/>
-          </p:nvPr>
-        </p:nvSpPr>
-        <p:spPr/>
-        <p:txBody>
-          <a:bodyPr/>
-          <a:lstStyle/>
-          <a:p>
-            <a:endParaRPr lang="en-GB"/>
-          </a:p>
-        </p:txBody>
-      </p:sp>
-    </p:spTree>
-    <p:extLst>
-      <p:ext uri="{BB962C8B-B14F-4D97-AF65-F5344CB8AC3E}">
-        <p14:creationId xmlns:p14="http://schemas.microsoft.com/office/powerpoint/2010/main" val="557030965"/>
-      </p:ext>
-    </p:extLst>
-  </p:cSld>
-  <p:clrMapOvr>
-    <a:masterClrMapping/>
-  </p:clrMapOvr>
-</p:sld>
-</file>
-
-<file path=ppt/slides/slide8.xml><?xml version="1.0" encoding="utf-8"?>
-<p:sld xmlns:a="http://schemas.openxmlformats.org/drawingml/2006/main" xmlns:r="http://schemas.openxmlformats.org/officeDocument/2006/relationships" xmlns:p="http://schemas.openxmlformats.org/presentationml/2006/main">
-  <p:cSld>
-    <p:spTree>
-      <p:nvGrpSpPr>
-        <p:cNvPr id="1" name="Shape 56"/>
-        <p:cNvGrpSpPr/>
-        <p:nvPr/>
-      </p:nvGrpSpPr>
-      <p:grpSpPr>
-        <a:xfrm>
-          <a:off x="0" y="0"/>
-          <a:ext cx="0" cy="0"/>
-          <a:chOff x="0" y="0"/>
-          <a:chExt cx="0" cy="0"/>
-        </a:xfrm>
-      </p:grpSpPr>
-      <p:sp>
-        <p:nvSpPr>
           <p:cNvPr id="58" name="Google Shape;58;p13"/>
           <p:cNvSpPr txBox="1">
             <a:spLocks noGrp="1"/>
@@ -8857,7 +8622,7 @@
             </a:pPr>
             <a:r>
               <a:rPr lang="en-GB" sz="2400" dirty="0"/>
-              <a:t>Use concise names</a:t>
+              <a:t>Avoid assumptions</a:t>
             </a:r>
             <a:br>
               <a:rPr lang="en-GB" sz="2400" dirty="0"/>
@@ -8880,7 +8645,7 @@
             </a:pPr>
             <a:r>
               <a:rPr lang="en-GB" sz="2400" dirty="0"/>
-              <a:t>Automate all the things</a:t>
+              <a:t>Include smoke-tests</a:t>
             </a:r>
             <a:br>
               <a:rPr lang="en-GB" sz="2400" dirty="0"/>
@@ -8900,7 +8665,7 @@
             </a:pPr>
             <a:r>
               <a:rPr lang="en-GB" sz="2400" dirty="0"/>
-              <a:t>Break up big projects</a:t>
+              <a:t>Use Run Conditions</a:t>
             </a:r>
           </a:p>
         </p:txBody>

--- a/OctopusDeployFundamentals/Module3-DeploymentProjects/Slides/Module3Class2-DeploymentProcess.pptx
+++ b/OctopusDeployFundamentals/Module3-DeploymentProjects/Slides/Module3Class2-DeploymentProcess.pptx
@@ -3210,7 +3210,27 @@
                 <a:effectLst/>
                 <a:latin typeface="Consolas" panose="020B0609020204030204" pitchFamily="49" charset="0"/>
               </a:rPr>
-              <a:t> Take advantage of run conditions to toggle which steps are executed in each environment. It's far preferable to maintain a single process that can be deployed to all environments, than to maintain separate processes for deploying to different environments.  </a:t>
+              <a:t> Take advantage of run conditions to toggle which steps are executed in each environment. It's far easier to maintain a single process that can be deployed to all environments, than </a:t>
+            </a:r>
+            <a:r>
+              <a:rPr lang="en-GB" b="0">
+                <a:solidFill>
+                  <a:srgbClr val="D4D4D4"/>
+                </a:solidFill>
+                <a:effectLst/>
+                <a:latin typeface="Consolas" panose="020B0609020204030204" pitchFamily="49" charset="0"/>
+              </a:rPr>
+              <a:t>it is to </a:t>
+            </a:r>
+            <a:r>
+              <a:rPr lang="en-GB" b="0" dirty="0">
+                <a:solidFill>
+                  <a:srgbClr val="D4D4D4"/>
+                </a:solidFill>
+                <a:effectLst/>
+                <a:latin typeface="Consolas" panose="020B0609020204030204" pitchFamily="49" charset="0"/>
+              </a:rPr>
+              <a:t>maintain separate processes for deploying to different environments.  </a:t>
             </a:r>
           </a:p>
           <a:p>
